--- a/app/Personal_Robot_with_AI_enabled_Voice_Assistant.pptx
+++ b/app/Personal_Robot_with_AI_enabled_Voice_Assistant.pptx
@@ -5,10 +5,10 @@
     <p:sldMasterId id="2147483875" r:id="rId1"/>
   </p:sldMasterIdLst>
   <p:notesMasterIdLst>
-    <p:notesMasterId r:id="rId26"/>
+    <p:notesMasterId r:id="rId41"/>
   </p:notesMasterIdLst>
   <p:handoutMasterIdLst>
-    <p:handoutMasterId r:id="rId27"/>
+    <p:handoutMasterId r:id="rId42"/>
   </p:handoutMasterIdLst>
   <p:sldIdLst>
     <p:sldId id="256" r:id="rId2"/>
@@ -30,11 +30,26 @@
     <p:sldId id="280" r:id="rId18"/>
     <p:sldId id="267" r:id="rId19"/>
     <p:sldId id="274" r:id="rId20"/>
-    <p:sldId id="285" r:id="rId21"/>
-    <p:sldId id="286" r:id="rId22"/>
-    <p:sldId id="287" r:id="rId23"/>
-    <p:sldId id="268" r:id="rId24"/>
-    <p:sldId id="269" r:id="rId25"/>
+    <p:sldId id="257" r:id="rId21"/>
+    <p:sldId id="259" r:id="rId22"/>
+    <p:sldId id="290" r:id="rId23"/>
+    <p:sldId id="291" r:id="rId24"/>
+    <p:sldId id="292" r:id="rId25"/>
+    <p:sldId id="263" r:id="rId26"/>
+    <p:sldId id="293" r:id="rId27"/>
+    <p:sldId id="265" r:id="rId28"/>
+    <p:sldId id="294" r:id="rId29"/>
+    <p:sldId id="300" r:id="rId30"/>
+    <p:sldId id="295" r:id="rId31"/>
+    <p:sldId id="271" r:id="rId32"/>
+    <p:sldId id="298" r:id="rId33"/>
+    <p:sldId id="299" r:id="rId34"/>
+    <p:sldId id="297" r:id="rId35"/>
+    <p:sldId id="285" r:id="rId36"/>
+    <p:sldId id="286" r:id="rId37"/>
+    <p:sldId id="287" r:id="rId38"/>
+    <p:sldId id="268" r:id="rId39"/>
+    <p:sldId id="269" r:id="rId40"/>
   </p:sldIdLst>
   <p:sldSz cx="9144000" cy="6858000" type="screen4x3"/>
   <p:notesSz cx="6858000" cy="9144000"/>
@@ -325,7 +340,7 @@
               <a:pPr>
                 <a:defRPr/>
               </a:pPr>
-              <a:t>6/5/2023</a:t>
+              <a:t>6/6/2023</a:t>
             </a:fld>
             <a:endParaRPr lang="en-US"/>
           </a:p>
@@ -599,7 +614,7 @@
               <a:pPr>
                 <a:defRPr/>
               </a:pPr>
-              <a:t>6/5/2023</a:t>
+              <a:t>6/6/2023</a:t>
             </a:fld>
             <a:endParaRPr lang="en-US"/>
           </a:p>
@@ -2268,7 +2283,7 @@
               <a:pPr>
                 <a:defRPr/>
               </a:pPr>
-              <a:t>6/5/2023</a:t>
+              <a:t>6/6/2023</a:t>
             </a:fld>
             <a:endParaRPr lang="en-US" altLang="en-US" dirty="0"/>
           </a:p>
@@ -3453,7 +3468,7 @@
               <a:pPr>
                 <a:defRPr/>
               </a:pPr>
-              <a:t>6/5/2023</a:t>
+              <a:t>6/6/2023</a:t>
             </a:fld>
             <a:endParaRPr lang="en-US" altLang="en-US" dirty="0"/>
           </a:p>
@@ -5027,7 +5042,7 @@
               <a:pPr>
                 <a:defRPr/>
               </a:pPr>
-              <a:t>6/5/2023</a:t>
+              <a:t>6/6/2023</a:t>
             </a:fld>
             <a:endParaRPr lang="en-US" altLang="en-US" dirty="0"/>
           </a:p>
@@ -5906,7 +5921,7 @@
               <a:pPr>
                 <a:defRPr/>
               </a:pPr>
-              <a:t>6/5/2023</a:t>
+              <a:t>6/6/2023</a:t>
             </a:fld>
             <a:endParaRPr lang="en-US" altLang="en-US" dirty="0"/>
           </a:p>
@@ -6785,7 +6800,7 @@
               <a:pPr>
                 <a:defRPr/>
               </a:pPr>
-              <a:t>6/5/2023</a:t>
+              <a:t>6/6/2023</a:t>
             </a:fld>
             <a:endParaRPr lang="en-US" altLang="en-US" dirty="0"/>
           </a:p>
@@ -7598,7 +7613,7 @@
               <a:pPr>
                 <a:defRPr/>
               </a:pPr>
-              <a:t>6/5/2023</a:t>
+              <a:t>6/6/2023</a:t>
             </a:fld>
             <a:endParaRPr lang="en-US" altLang="en-US" dirty="0"/>
           </a:p>
@@ -8383,7 +8398,7 @@
               <a:pPr>
                 <a:defRPr/>
               </a:pPr>
-              <a:t>6/5/2023</a:t>
+              <a:t>6/6/2023</a:t>
             </a:fld>
             <a:endParaRPr lang="en-US" altLang="en-US"/>
           </a:p>
@@ -9048,7 +9063,7 @@
               <a:pPr>
                 <a:defRPr/>
               </a:pPr>
-              <a:t>6/5/2023</a:t>
+              <a:t>6/6/2023</a:t>
             </a:fld>
             <a:endParaRPr lang="en-US" altLang="en-US"/>
           </a:p>
@@ -9686,7 +9701,7 @@
               <a:pPr>
                 <a:defRPr/>
               </a:pPr>
-              <a:t>6/5/2023</a:t>
+              <a:t>6/6/2023</a:t>
             </a:fld>
             <a:endParaRPr lang="en-US" altLang="en-US"/>
           </a:p>
@@ -10487,7 +10502,7 @@
               <a:pPr>
                 <a:defRPr/>
               </a:pPr>
-              <a:t>6/5/2023</a:t>
+              <a:t>6/6/2023</a:t>
             </a:fld>
             <a:endParaRPr lang="en-US" altLang="en-US"/>
           </a:p>
@@ -10810,7 +10825,7 @@
               <a:pPr>
                 <a:defRPr/>
               </a:pPr>
-              <a:t>6/5/2023</a:t>
+              <a:t>6/6/2023</a:t>
             </a:fld>
             <a:endParaRPr lang="en-US" altLang="en-US"/>
           </a:p>
@@ -11323,7 +11338,7 @@
               <a:pPr>
                 <a:defRPr/>
               </a:pPr>
-              <a:t>6/5/2023</a:t>
+              <a:t>6/6/2023</a:t>
             </a:fld>
             <a:endParaRPr lang="en-US" altLang="en-US" dirty="0"/>
           </a:p>
@@ -12005,7 +12020,7 @@
               <a:pPr>
                 <a:defRPr/>
               </a:pPr>
-              <a:t>6/5/2023</a:t>
+              <a:t>6/6/2023</a:t>
             </a:fld>
             <a:endParaRPr lang="en-US" altLang="en-US" dirty="0"/>
           </a:p>
@@ -12423,7 +12438,7 @@
               <a:pPr>
                 <a:defRPr/>
               </a:pPr>
-              <a:t>6/5/2023</a:t>
+              <a:t>6/6/2023</a:t>
             </a:fld>
             <a:endParaRPr lang="en-US" altLang="en-US" dirty="0"/>
           </a:p>
@@ -16846,7 +16861,7 @@
               <a:pPr>
                 <a:defRPr/>
               </a:pPr>
-              <a:t>6/5/2023</a:t>
+              <a:t>6/6/2023</a:t>
             </a:fld>
             <a:endParaRPr lang="en-US" altLang="en-US"/>
           </a:p>
@@ -18662,7 +18677,7 @@
               <a:pPr>
                 <a:defRPr/>
               </a:pPr>
-              <a:t>6/5/2023</a:t>
+              <a:t>6/6/2023</a:t>
             </a:fld>
             <a:endParaRPr lang="en-US" altLang="en-US" dirty="0"/>
           </a:p>
@@ -19228,7 +19243,7 @@
               <a:pPr>
                 <a:defRPr/>
               </a:pPr>
-              <a:t>6/5/2023</a:t>
+              <a:t>6/6/2023</a:t>
             </a:fld>
             <a:endParaRPr lang="en-US" altLang="en-US" dirty="0"/>
           </a:p>
@@ -20112,46 +20127,6 @@
       </p:sp>
       <p:sp>
         <p:nvSpPr>
-          <p:cNvPr id="6" name="Slide Number Placeholder 5">
-            <a:extLst>
-              <a:ext uri="{FF2B5EF4-FFF2-40B4-BE49-F238E27FC236}">
-                <a16:creationId xmlns:a16="http://schemas.microsoft.com/office/drawing/2014/main" id="{1C6B459C-C0F9-4848-0255-8DFEA50C4E85}"/>
-              </a:ext>
-            </a:extLst>
-          </p:cNvPr>
-          <p:cNvSpPr>
-            <a:spLocks noGrp="1"/>
-          </p:cNvSpPr>
-          <p:nvPr>
-            <p:ph type="sldNum" sz="quarter" idx="12"/>
-          </p:nvPr>
-        </p:nvSpPr>
-        <p:spPr/>
-        <p:txBody>
-          <a:bodyPr/>
-          <a:lstStyle/>
-          <a:p>
-            <a:pPr>
-              <a:defRPr/>
-            </a:pPr>
-            <a:r>
-              <a:rPr lang="en-IN" dirty="0"/>
-              <a:t>12  of </a:t>
-            </a:r>
-            <a:r>
-              <a:rPr lang="en-US" altLang="en-US" dirty="0">
-                <a:solidFill>
-                  <a:srgbClr val="898989"/>
-                </a:solidFill>
-              </a:rPr>
-              <a:t>24</a:t>
-            </a:r>
-            <a:endParaRPr lang="en-IN" altLang="en-US" dirty="0"/>
-          </a:p>
-        </p:txBody>
-      </p:sp>
-      <p:sp>
-        <p:nvSpPr>
           <p:cNvPr id="8" name="TextBox 7">
             <a:extLst>
               <a:ext uri="{FF2B5EF4-FFF2-40B4-BE49-F238E27FC236}">
@@ -21025,7 +21000,7 @@
               <a:pPr>
                 <a:defRPr/>
               </a:pPr>
-              <a:t>6/5/2023</a:t>
+              <a:t>6/6/2023</a:t>
             </a:fld>
             <a:endParaRPr lang="en-US" altLang="en-US" dirty="0"/>
           </a:p>
@@ -21334,46 +21309,6 @@
       </p:sp>
       <p:sp>
         <p:nvSpPr>
-          <p:cNvPr id="6" name="Slide Number Placeholder 5">
-            <a:extLst>
-              <a:ext uri="{FF2B5EF4-FFF2-40B4-BE49-F238E27FC236}">
-                <a16:creationId xmlns:a16="http://schemas.microsoft.com/office/drawing/2014/main" id="{64D2A0D3-2A24-BD8D-8EF6-502B5AEED82B}"/>
-              </a:ext>
-            </a:extLst>
-          </p:cNvPr>
-          <p:cNvSpPr>
-            <a:spLocks noGrp="1"/>
-          </p:cNvSpPr>
-          <p:nvPr>
-            <p:ph type="sldNum" sz="quarter" idx="12"/>
-          </p:nvPr>
-        </p:nvSpPr>
-        <p:spPr/>
-        <p:txBody>
-          <a:bodyPr/>
-          <a:lstStyle/>
-          <a:p>
-            <a:pPr>
-              <a:defRPr/>
-            </a:pPr>
-            <a:r>
-              <a:rPr lang="en-IN" dirty="0"/>
-              <a:t>16  of </a:t>
-            </a:r>
-            <a:r>
-              <a:rPr lang="en-US" altLang="en-US" dirty="0">
-                <a:solidFill>
-                  <a:srgbClr val="898989"/>
-                </a:solidFill>
-              </a:rPr>
-              <a:t>24</a:t>
-            </a:r>
-            <a:endParaRPr lang="en-IN" altLang="en-US" dirty="0"/>
-          </a:p>
-        </p:txBody>
-      </p:sp>
-      <p:sp>
-        <p:nvSpPr>
           <p:cNvPr id="7" name="TextBox 6">
             <a:extLst>
               <a:ext uri="{FF2B5EF4-FFF2-40B4-BE49-F238E27FC236}">
@@ -21626,46 +21561,6 @@
       </p:sp>
       <p:sp>
         <p:nvSpPr>
-          <p:cNvPr id="6" name="Slide Number Placeholder 5">
-            <a:extLst>
-              <a:ext uri="{FF2B5EF4-FFF2-40B4-BE49-F238E27FC236}">
-                <a16:creationId xmlns:a16="http://schemas.microsoft.com/office/drawing/2014/main" id="{BC2DBF9E-0EEF-3CC0-1529-04125A048724}"/>
-              </a:ext>
-            </a:extLst>
-          </p:cNvPr>
-          <p:cNvSpPr>
-            <a:spLocks noGrp="1"/>
-          </p:cNvSpPr>
-          <p:nvPr>
-            <p:ph type="sldNum" sz="quarter" idx="12"/>
-          </p:nvPr>
-        </p:nvSpPr>
-        <p:spPr/>
-        <p:txBody>
-          <a:bodyPr/>
-          <a:lstStyle/>
-          <a:p>
-            <a:pPr>
-              <a:defRPr/>
-            </a:pPr>
-            <a:r>
-              <a:rPr lang="en-IN" dirty="0"/>
-              <a:t>17  of </a:t>
-            </a:r>
-            <a:r>
-              <a:rPr lang="en-US" altLang="en-US" dirty="0">
-                <a:solidFill>
-                  <a:srgbClr val="898989"/>
-                </a:solidFill>
-              </a:rPr>
-              <a:t>24</a:t>
-            </a:r>
-            <a:endParaRPr lang="en-IN" altLang="en-US" dirty="0"/>
-          </a:p>
-        </p:txBody>
-      </p:sp>
-      <p:sp>
-        <p:nvSpPr>
           <p:cNvPr id="7" name="TextBox 6">
             <a:extLst>
               <a:ext uri="{FF2B5EF4-FFF2-40B4-BE49-F238E27FC236}">
@@ -21949,159 +21844,6 @@
       </p:sp>
       <p:sp>
         <p:nvSpPr>
-          <p:cNvPr id="2" name="Slide Number Placeholder 1">
-            <a:extLst>
-              <a:ext uri="{FF2B5EF4-FFF2-40B4-BE49-F238E27FC236}">
-                <a16:creationId xmlns:a16="http://schemas.microsoft.com/office/drawing/2014/main" id="{83B5F471-FF24-30E2-BC23-66B78627705E}"/>
-              </a:ext>
-            </a:extLst>
-          </p:cNvPr>
-          <p:cNvSpPr>
-            <a:spLocks noGrp="1"/>
-          </p:cNvSpPr>
-          <p:nvPr>
-            <p:ph type="sldNum" sz="quarter" idx="12"/>
-          </p:nvPr>
-        </p:nvSpPr>
-        <p:spPr/>
-        <p:txBody>
-          <a:bodyPr/>
-          <a:lstStyle>
-            <a:lvl1pPr>
-              <a:defRPr>
-                <a:solidFill>
-                  <a:schemeClr val="tx1"/>
-                </a:solidFill>
-                <a:latin typeface="Century Gothic" panose="020B0502020202020204" pitchFamily="34" charset="0"/>
-              </a:defRPr>
-            </a:lvl1pPr>
-            <a:lvl2pPr marL="742950" indent="-285750">
-              <a:defRPr>
-                <a:solidFill>
-                  <a:schemeClr val="tx1"/>
-                </a:solidFill>
-                <a:latin typeface="Century Gothic" panose="020B0502020202020204" pitchFamily="34" charset="0"/>
-              </a:defRPr>
-            </a:lvl2pPr>
-            <a:lvl3pPr marL="1143000" indent="-228600">
-              <a:defRPr>
-                <a:solidFill>
-                  <a:schemeClr val="tx1"/>
-                </a:solidFill>
-                <a:latin typeface="Century Gothic" panose="020B0502020202020204" pitchFamily="34" charset="0"/>
-              </a:defRPr>
-            </a:lvl3pPr>
-            <a:lvl4pPr marL="1600200" indent="-228600">
-              <a:defRPr>
-                <a:solidFill>
-                  <a:schemeClr val="tx1"/>
-                </a:solidFill>
-                <a:latin typeface="Century Gothic" panose="020B0502020202020204" pitchFamily="34" charset="0"/>
-              </a:defRPr>
-            </a:lvl4pPr>
-            <a:lvl5pPr marL="2057400" indent="-228600">
-              <a:defRPr>
-                <a:solidFill>
-                  <a:schemeClr val="tx1"/>
-                </a:solidFill>
-                <a:latin typeface="Century Gothic" panose="020B0502020202020204" pitchFamily="34" charset="0"/>
-              </a:defRPr>
-            </a:lvl5pPr>
-            <a:lvl6pPr marL="2514600" indent="-228600" defTabSz="457200" eaLnBrk="0" fontAlgn="base" hangingPunct="0">
-              <a:spcBef>
-                <a:spcPct val="0"/>
-              </a:spcBef>
-              <a:spcAft>
-                <a:spcPct val="0"/>
-              </a:spcAft>
-              <a:defRPr>
-                <a:solidFill>
-                  <a:schemeClr val="tx1"/>
-                </a:solidFill>
-                <a:latin typeface="Century Gothic" panose="020B0502020202020204" pitchFamily="34" charset="0"/>
-              </a:defRPr>
-            </a:lvl6pPr>
-            <a:lvl7pPr marL="2971800" indent="-228600" defTabSz="457200" eaLnBrk="0" fontAlgn="base" hangingPunct="0">
-              <a:spcBef>
-                <a:spcPct val="0"/>
-              </a:spcBef>
-              <a:spcAft>
-                <a:spcPct val="0"/>
-              </a:spcAft>
-              <a:defRPr>
-                <a:solidFill>
-                  <a:schemeClr val="tx1"/>
-                </a:solidFill>
-                <a:latin typeface="Century Gothic" panose="020B0502020202020204" pitchFamily="34" charset="0"/>
-              </a:defRPr>
-            </a:lvl7pPr>
-            <a:lvl8pPr marL="3429000" indent="-228600" defTabSz="457200" eaLnBrk="0" fontAlgn="base" hangingPunct="0">
-              <a:spcBef>
-                <a:spcPct val="0"/>
-              </a:spcBef>
-              <a:spcAft>
-                <a:spcPct val="0"/>
-              </a:spcAft>
-              <a:defRPr>
-                <a:solidFill>
-                  <a:schemeClr val="tx1"/>
-                </a:solidFill>
-                <a:latin typeface="Century Gothic" panose="020B0502020202020204" pitchFamily="34" charset="0"/>
-              </a:defRPr>
-            </a:lvl8pPr>
-            <a:lvl9pPr marL="3886200" indent="-228600" defTabSz="457200" eaLnBrk="0" fontAlgn="base" hangingPunct="0">
-              <a:spcBef>
-                <a:spcPct val="0"/>
-              </a:spcBef>
-              <a:spcAft>
-                <a:spcPct val="0"/>
-              </a:spcAft>
-              <a:defRPr>
-                <a:solidFill>
-                  <a:schemeClr val="tx1"/>
-                </a:solidFill>
-                <a:latin typeface="Century Gothic" panose="020B0502020202020204" pitchFamily="34" charset="0"/>
-              </a:defRPr>
-            </a:lvl9pPr>
-          </a:lstStyle>
-          <a:p>
-            <a:pPr fontAlgn="base">
-              <a:spcBef>
-                <a:spcPct val="0"/>
-              </a:spcBef>
-              <a:spcAft>
-                <a:spcPct val="0"/>
-              </a:spcAft>
-            </a:pPr>
-            <a:fld id="{B2BD6C61-97C0-4E43-BF38-CCC6D1FC6294}" type="slidenum">
-              <a:rPr lang="en-US" altLang="en-US" smtClean="0">
-                <a:solidFill>
-                  <a:srgbClr val="898989"/>
-                </a:solidFill>
-              </a:rPr>
-              <a:pPr fontAlgn="base">
-                <a:spcBef>
-                  <a:spcPct val="0"/>
-                </a:spcBef>
-                <a:spcAft>
-                  <a:spcPct val="0"/>
-                </a:spcAft>
-              </a:pPr>
-              <a:t>18</a:t>
-            </a:fld>
-            <a:r>
-              <a:rPr lang="en-US" altLang="en-US" dirty="0">
-                <a:solidFill>
-                  <a:srgbClr val="898989"/>
-                </a:solidFill>
-              </a:rPr>
-              <a:t> of 24</a:t>
-            </a:r>
-          </a:p>
-        </p:txBody>
-      </p:sp>
-      <p:sp>
-        <p:nvSpPr>
           <p:cNvPr id="7" name="Date Placeholder 1">
             <a:extLst>
               <a:ext uri="{FF2B5EF4-FFF2-40B4-BE49-F238E27FC236}">
@@ -22343,7 +22085,12 @@
             <p:ph type="ftr" sz="quarter" idx="11"/>
           </p:nvPr>
         </p:nvSpPr>
-        <p:spPr/>
+        <p:spPr>
+          <a:xfrm>
+            <a:off x="2819400" y="6156325"/>
+            <a:ext cx="5943600" cy="365125"/>
+          </a:xfrm>
+        </p:spPr>
         <p:txBody>
           <a:bodyPr/>
           <a:lstStyle/>
@@ -22769,159 +22516,6 @@
       </p:sp>
       <p:sp>
         <p:nvSpPr>
-          <p:cNvPr id="8" name="Slide Number Placeholder 1">
-            <a:extLst>
-              <a:ext uri="{FF2B5EF4-FFF2-40B4-BE49-F238E27FC236}">
-                <a16:creationId xmlns:a16="http://schemas.microsoft.com/office/drawing/2014/main" id="{DE7A5977-56E3-997D-F73C-E803DBC5B15A}"/>
-              </a:ext>
-            </a:extLst>
-          </p:cNvPr>
-          <p:cNvSpPr>
-            <a:spLocks noGrp="1"/>
-          </p:cNvSpPr>
-          <p:nvPr>
-            <p:ph type="sldNum" sz="quarter" idx="12"/>
-          </p:nvPr>
-        </p:nvSpPr>
-        <p:spPr/>
-        <p:txBody>
-          <a:bodyPr/>
-          <a:lstStyle>
-            <a:lvl1pPr>
-              <a:defRPr>
-                <a:solidFill>
-                  <a:schemeClr val="tx1"/>
-                </a:solidFill>
-                <a:latin typeface="Century Gothic" panose="020B0502020202020204" pitchFamily="34" charset="0"/>
-              </a:defRPr>
-            </a:lvl1pPr>
-            <a:lvl2pPr marL="742950" indent="-285750">
-              <a:defRPr>
-                <a:solidFill>
-                  <a:schemeClr val="tx1"/>
-                </a:solidFill>
-                <a:latin typeface="Century Gothic" panose="020B0502020202020204" pitchFamily="34" charset="0"/>
-              </a:defRPr>
-            </a:lvl2pPr>
-            <a:lvl3pPr marL="1143000" indent="-228600">
-              <a:defRPr>
-                <a:solidFill>
-                  <a:schemeClr val="tx1"/>
-                </a:solidFill>
-                <a:latin typeface="Century Gothic" panose="020B0502020202020204" pitchFamily="34" charset="0"/>
-              </a:defRPr>
-            </a:lvl3pPr>
-            <a:lvl4pPr marL="1600200" indent="-228600">
-              <a:defRPr>
-                <a:solidFill>
-                  <a:schemeClr val="tx1"/>
-                </a:solidFill>
-                <a:latin typeface="Century Gothic" panose="020B0502020202020204" pitchFamily="34" charset="0"/>
-              </a:defRPr>
-            </a:lvl4pPr>
-            <a:lvl5pPr marL="2057400" indent="-228600">
-              <a:defRPr>
-                <a:solidFill>
-                  <a:schemeClr val="tx1"/>
-                </a:solidFill>
-                <a:latin typeface="Century Gothic" panose="020B0502020202020204" pitchFamily="34" charset="0"/>
-              </a:defRPr>
-            </a:lvl5pPr>
-            <a:lvl6pPr marL="2514600" indent="-228600" defTabSz="457200" eaLnBrk="0" fontAlgn="base" hangingPunct="0">
-              <a:spcBef>
-                <a:spcPct val="0"/>
-              </a:spcBef>
-              <a:spcAft>
-                <a:spcPct val="0"/>
-              </a:spcAft>
-              <a:defRPr>
-                <a:solidFill>
-                  <a:schemeClr val="tx1"/>
-                </a:solidFill>
-                <a:latin typeface="Century Gothic" panose="020B0502020202020204" pitchFamily="34" charset="0"/>
-              </a:defRPr>
-            </a:lvl6pPr>
-            <a:lvl7pPr marL="2971800" indent="-228600" defTabSz="457200" eaLnBrk="0" fontAlgn="base" hangingPunct="0">
-              <a:spcBef>
-                <a:spcPct val="0"/>
-              </a:spcBef>
-              <a:spcAft>
-                <a:spcPct val="0"/>
-              </a:spcAft>
-              <a:defRPr>
-                <a:solidFill>
-                  <a:schemeClr val="tx1"/>
-                </a:solidFill>
-                <a:latin typeface="Century Gothic" panose="020B0502020202020204" pitchFamily="34" charset="0"/>
-              </a:defRPr>
-            </a:lvl7pPr>
-            <a:lvl8pPr marL="3429000" indent="-228600" defTabSz="457200" eaLnBrk="0" fontAlgn="base" hangingPunct="0">
-              <a:spcBef>
-                <a:spcPct val="0"/>
-              </a:spcBef>
-              <a:spcAft>
-                <a:spcPct val="0"/>
-              </a:spcAft>
-              <a:defRPr>
-                <a:solidFill>
-                  <a:schemeClr val="tx1"/>
-                </a:solidFill>
-                <a:latin typeface="Century Gothic" panose="020B0502020202020204" pitchFamily="34" charset="0"/>
-              </a:defRPr>
-            </a:lvl8pPr>
-            <a:lvl9pPr marL="3886200" indent="-228600" defTabSz="457200" eaLnBrk="0" fontAlgn="base" hangingPunct="0">
-              <a:spcBef>
-                <a:spcPct val="0"/>
-              </a:spcBef>
-              <a:spcAft>
-                <a:spcPct val="0"/>
-              </a:spcAft>
-              <a:defRPr>
-                <a:solidFill>
-                  <a:schemeClr val="tx1"/>
-                </a:solidFill>
-                <a:latin typeface="Century Gothic" panose="020B0502020202020204" pitchFamily="34" charset="0"/>
-              </a:defRPr>
-            </a:lvl9pPr>
-          </a:lstStyle>
-          <a:p>
-            <a:pPr fontAlgn="base">
-              <a:spcBef>
-                <a:spcPct val="0"/>
-              </a:spcBef>
-              <a:spcAft>
-                <a:spcPct val="0"/>
-              </a:spcAft>
-            </a:pPr>
-            <a:fld id="{ACF7EC36-ADCA-456B-A4BA-AE63D9D26E2D}" type="slidenum">
-              <a:rPr lang="en-US" altLang="en-US" smtClean="0">
-                <a:solidFill>
-                  <a:srgbClr val="898989"/>
-                </a:solidFill>
-              </a:rPr>
-              <a:pPr fontAlgn="base">
-                <a:spcBef>
-                  <a:spcPct val="0"/>
-                </a:spcBef>
-                <a:spcAft>
-                  <a:spcPct val="0"/>
-                </a:spcAft>
-              </a:pPr>
-              <a:t>2</a:t>
-            </a:fld>
-            <a:r>
-              <a:rPr lang="en-US" altLang="en-US" dirty="0">
-                <a:solidFill>
-                  <a:srgbClr val="898989"/>
-                </a:solidFill>
-              </a:rPr>
-              <a:t> of 24</a:t>
-            </a:r>
-          </a:p>
-        </p:txBody>
-      </p:sp>
-      <p:sp>
-        <p:nvSpPr>
           <p:cNvPr id="3" name="TextBox 2">
             <a:extLst>
               <a:ext uri="{FF2B5EF4-FFF2-40B4-BE49-F238E27FC236}">
@@ -22988,10 +22582,10 @@
       </p:grpSpPr>
       <p:sp>
         <p:nvSpPr>
-          <p:cNvPr id="2" name="Date Placeholder 1">
+          <p:cNvPr id="2" name="Title 1">
             <a:extLst>
               <a:ext uri="{FF2B5EF4-FFF2-40B4-BE49-F238E27FC236}">
-                <a16:creationId xmlns:a16="http://schemas.microsoft.com/office/drawing/2014/main" id="{BE088F88-939C-418A-BEBE-DAD80BBE831A}"/>
+                <a16:creationId xmlns:a16="http://schemas.microsoft.com/office/drawing/2014/main" id="{C28AF645-F14F-D7F5-CEF0-369E03EAAB23}"/>
               </a:ext>
             </a:extLst>
           </p:cNvPr>
@@ -22999,194 +22593,68 @@
             <a:spLocks noGrp="1"/>
           </p:cNvSpPr>
           <p:nvPr>
-            <p:ph type="dt" sz="half" idx="10"/>
-          </p:nvPr>
-        </p:nvSpPr>
-        <p:spPr/>
-        <p:txBody>
-          <a:bodyPr/>
-          <a:lstStyle/>
-          <a:p>
-            <a:pPr>
-              <a:defRPr/>
-            </a:pPr>
-            <a:r>
-              <a:rPr lang="en-US" altLang="en-US" dirty="0"/>
-              <a:t>6/6/2023</a:t>
-            </a:r>
-          </a:p>
-        </p:txBody>
-      </p:sp>
-      <p:sp>
-        <p:nvSpPr>
-          <p:cNvPr id="3" name="Footer Placeholder 2">
-            <a:extLst>
-              <a:ext uri="{FF2B5EF4-FFF2-40B4-BE49-F238E27FC236}">
-                <a16:creationId xmlns:a16="http://schemas.microsoft.com/office/drawing/2014/main" id="{3BC84C7E-F4E4-40BA-8F78-81DDB7ABEE18}"/>
-              </a:ext>
-            </a:extLst>
-          </p:cNvPr>
-          <p:cNvSpPr>
-            <a:spLocks noGrp="1"/>
-          </p:cNvSpPr>
-          <p:nvPr>
-            <p:ph type="ftr" sz="quarter" idx="11"/>
-          </p:nvPr>
-        </p:nvSpPr>
-        <p:spPr/>
-        <p:txBody>
-          <a:bodyPr/>
-          <a:lstStyle/>
-          <a:p>
-            <a:pPr>
-              <a:defRPr/>
-            </a:pPr>
-            <a:r>
-              <a:rPr lang="en-US" altLang="en-US"/>
-              <a:t>Dept of CSE., SOE-Dayananda Sagar University</a:t>
-            </a:r>
-          </a:p>
-        </p:txBody>
-      </p:sp>
-      <p:sp>
-        <p:nvSpPr>
-          <p:cNvPr id="4" name="Slide Number Placeholder 3">
-            <a:extLst>
-              <a:ext uri="{FF2B5EF4-FFF2-40B4-BE49-F238E27FC236}">
-                <a16:creationId xmlns:a16="http://schemas.microsoft.com/office/drawing/2014/main" id="{15B4F9B8-31FE-40A2-B0DD-ED1FB6C8E12E}"/>
-              </a:ext>
-            </a:extLst>
-          </p:cNvPr>
-          <p:cNvSpPr>
-            <a:spLocks noGrp="1"/>
-          </p:cNvSpPr>
-          <p:nvPr>
-            <p:ph type="sldNum" sz="quarter" idx="12"/>
+            <p:ph type="title"/>
           </p:nvPr>
         </p:nvSpPr>
         <p:spPr>
           <a:xfrm>
-            <a:off x="609600" y="792092"/>
-            <a:ext cx="585788" cy="365125"/>
+            <a:off x="152400" y="14511"/>
+            <a:ext cx="6589200" cy="1280890"/>
           </a:xfrm>
         </p:spPr>
         <p:txBody>
           <a:bodyPr/>
           <a:lstStyle/>
           <a:p>
-            <a:fld id="{BFA22BDA-A4D6-4347-A697-4C2AFBD80B78}" type="slidenum">
-              <a:rPr lang="en-US" altLang="en-US" smtClean="0"/>
-              <a:pPr/>
-              <a:t>20</a:t>
-            </a:fld>
-            <a:endParaRPr lang="en-US" altLang="en-US" dirty="0"/>
+            <a:r>
+              <a:rPr lang="en-US" b="1" u="sng" dirty="0"/>
+              <a:t>Code in andrew.py:</a:t>
+            </a:r>
+            <a:endParaRPr lang="en-IN" dirty="0"/>
           </a:p>
         </p:txBody>
       </p:sp>
-      <p:sp>
-        <p:nvSpPr>
-          <p:cNvPr id="5" name="TextBox 4">
+      <p:pic>
+        <p:nvPicPr>
+          <p:cNvPr id="4" name="Picture 3" descr="Screenshot 2023-06-06 011343">
             <a:extLst>
               <a:ext uri="{FF2B5EF4-FFF2-40B4-BE49-F238E27FC236}">
-                <a16:creationId xmlns:a16="http://schemas.microsoft.com/office/drawing/2014/main" id="{ED89D75B-8B85-4E97-B588-562C4BB45BBE}"/>
+                <a16:creationId xmlns:a16="http://schemas.microsoft.com/office/drawing/2014/main" id="{89908167-6DE6-255F-B04B-674908D8AC9E}"/>
               </a:ext>
             </a:extLst>
           </p:cNvPr>
-          <p:cNvSpPr txBox="1"/>
-          <p:nvPr/>
-        </p:nvSpPr>
+          <p:cNvPicPr>
+            <a:picLocks noGrp="1" noChangeAspect="1"/>
+          </p:cNvPicPr>
+          <p:nvPr isPhoto="1"/>
+        </p:nvPicPr>
+        <p:blipFill>
+          <a:blip r:embed="rId2">
+            <a:lum/>
+            <a:extLst>
+              <a:ext uri="{28A0092B-C50C-407E-A947-70E740481C1C}">
+                <a14:useLocalDpi xmlns:a14="http://schemas.microsoft.com/office/drawing/2010/main" val="0"/>
+              </a:ext>
+            </a:extLst>
+          </a:blip>
+          <a:stretch>
+            <a:fillRect/>
+          </a:stretch>
+        </p:blipFill>
         <p:spPr>
           <a:xfrm>
-            <a:off x="1394791" y="620712"/>
-            <a:ext cx="3009900" cy="707886"/>
+            <a:off x="167640" y="700311"/>
+            <a:ext cx="8991600" cy="6157689"/>
           </a:xfrm>
           <a:prstGeom prst="rect">
             <a:avLst/>
           </a:prstGeom>
-          <a:noFill/>
         </p:spPr>
-        <p:txBody>
-          <a:bodyPr wrap="square" rtlCol="0">
-            <a:spAutoFit/>
-          </a:bodyPr>
-          <a:lstStyle/>
-          <a:p>
-            <a:r>
-              <a:rPr lang="en-US" sz="4000" b="1" u="sng" dirty="0">
-                <a:solidFill>
-                  <a:schemeClr val="accent2">
-                    <a:lumMod val="75000"/>
-                  </a:schemeClr>
-                </a:solidFill>
-              </a:rPr>
-              <a:t>CODE</a:t>
-            </a:r>
-            <a:endParaRPr lang="en-IN" sz="4000" b="1" u="sng" dirty="0">
-              <a:solidFill>
-                <a:schemeClr val="accent2">
-                  <a:lumMod val="75000"/>
-                </a:schemeClr>
-              </a:solidFill>
-            </a:endParaRPr>
-          </a:p>
-        </p:txBody>
-      </p:sp>
-      <p:sp>
-        <p:nvSpPr>
-          <p:cNvPr id="6" name="TextBox 5">
-            <a:hlinkClick r:id="rId2"/>
-            <a:extLst>
-              <a:ext uri="{FF2B5EF4-FFF2-40B4-BE49-F238E27FC236}">
-                <a16:creationId xmlns:a16="http://schemas.microsoft.com/office/drawing/2014/main" id="{FD73189F-60D1-4077-B17E-57685EC70CA6}"/>
-              </a:ext>
-            </a:extLst>
-          </p:cNvPr>
-          <p:cNvSpPr txBox="1"/>
-          <p:nvPr/>
-        </p:nvSpPr>
-        <p:spPr>
-          <a:xfrm>
-            <a:off x="3581400" y="2895600"/>
-            <a:ext cx="3200400" cy="523220"/>
-          </a:xfrm>
-          <a:prstGeom prst="rect">
-            <a:avLst/>
-          </a:prstGeom>
-          <a:noFill/>
-        </p:spPr>
-        <p:txBody>
-          <a:bodyPr wrap="square" rtlCol="0">
-            <a:spAutoFit/>
-          </a:bodyPr>
-          <a:lstStyle/>
-          <a:p>
-            <a:r>
-              <a:rPr lang="en-IN" sz="2800" b="1" dirty="0">
-                <a:solidFill>
-                  <a:schemeClr val="accent2"/>
-                </a:solidFill>
-                <a:hlinkClick r:id="rId2">
-                  <a:extLst>
-                    <a:ext uri="{A12FA001-AC4F-418D-AE19-62706E023703}">
-                      <ahyp:hlinkClr xmlns:ahyp="http://schemas.microsoft.com/office/drawing/2018/hyperlinkcolor" val="tx"/>
-                    </a:ext>
-                  </a:extLst>
-                </a:hlinkClick>
-              </a:rPr>
-              <a:t>VOICE ASSISTANT </a:t>
-            </a:r>
-            <a:endParaRPr lang="en-IN" sz="2800" b="1" dirty="0">
-              <a:solidFill>
-                <a:schemeClr val="accent2"/>
-              </a:solidFill>
-            </a:endParaRPr>
-          </a:p>
-        </p:txBody>
-      </p:sp>
+      </p:pic>
     </p:spTree>
     <p:extLst>
       <p:ext uri="{BB962C8B-B14F-4D97-AF65-F5344CB8AC3E}">
-        <p14:creationId xmlns:p14="http://schemas.microsoft.com/office/powerpoint/2010/main" val="1745786703"/>
+        <p14:creationId xmlns:p14="http://schemas.microsoft.com/office/powerpoint/2010/main" val="3241152213"/>
       </p:ext>
     </p:extLst>
   </p:cSld>
@@ -23215,10 +22683,10 @@
       </p:grpSpPr>
       <p:sp>
         <p:nvSpPr>
-          <p:cNvPr id="2" name="Date Placeholder 1">
+          <p:cNvPr id="2" name="Title 1">
             <a:extLst>
               <a:ext uri="{FF2B5EF4-FFF2-40B4-BE49-F238E27FC236}">
-                <a16:creationId xmlns:a16="http://schemas.microsoft.com/office/drawing/2014/main" id="{39201850-0CD9-4F9A-8BE0-B29858154D75}"/>
+                <a16:creationId xmlns:a16="http://schemas.microsoft.com/office/drawing/2014/main" id="{0ED014D9-60D8-1E4C-65BF-282E3805B8B8}"/>
               </a:ext>
             </a:extLst>
           </p:cNvPr>
@@ -23226,209 +22694,68 @@
             <a:spLocks noGrp="1"/>
           </p:cNvSpPr>
           <p:nvPr>
-            <p:ph type="dt" sz="half" idx="10"/>
-          </p:nvPr>
-        </p:nvSpPr>
-        <p:spPr/>
-        <p:txBody>
-          <a:bodyPr/>
-          <a:lstStyle/>
-          <a:p>
-            <a:pPr>
-              <a:defRPr/>
-            </a:pPr>
-            <a:r>
-              <a:rPr lang="en-US" altLang="en-US" dirty="0"/>
-              <a:t>6/6/2023</a:t>
-            </a:r>
-          </a:p>
-        </p:txBody>
-      </p:sp>
-      <p:sp>
-        <p:nvSpPr>
-          <p:cNvPr id="3" name="Footer Placeholder 2">
-            <a:extLst>
-              <a:ext uri="{FF2B5EF4-FFF2-40B4-BE49-F238E27FC236}">
-                <a16:creationId xmlns:a16="http://schemas.microsoft.com/office/drawing/2014/main" id="{4B7EF8CD-88E0-4007-8406-F387B1CA78F1}"/>
-              </a:ext>
-            </a:extLst>
-          </p:cNvPr>
-          <p:cNvSpPr>
-            <a:spLocks noGrp="1"/>
-          </p:cNvSpPr>
-          <p:nvPr>
-            <p:ph type="ftr" sz="quarter" idx="11"/>
-          </p:nvPr>
-        </p:nvSpPr>
-        <p:spPr/>
-        <p:txBody>
-          <a:bodyPr/>
-          <a:lstStyle/>
-          <a:p>
-            <a:pPr>
-              <a:defRPr/>
-            </a:pPr>
-            <a:r>
-              <a:rPr lang="en-US" altLang="en-US"/>
-              <a:t>Dept of CSE., SOE-Dayananda Sagar University</a:t>
-            </a:r>
-          </a:p>
-        </p:txBody>
-      </p:sp>
-      <p:sp>
-        <p:nvSpPr>
-          <p:cNvPr id="4" name="Slide Number Placeholder 3">
-            <a:extLst>
-              <a:ext uri="{FF2B5EF4-FFF2-40B4-BE49-F238E27FC236}">
-                <a16:creationId xmlns:a16="http://schemas.microsoft.com/office/drawing/2014/main" id="{CCE28EC7-E62E-4D92-A3BD-D6053BD3E9DE}"/>
-              </a:ext>
-            </a:extLst>
-          </p:cNvPr>
-          <p:cNvSpPr>
-            <a:spLocks noGrp="1"/>
-          </p:cNvSpPr>
-          <p:nvPr>
-            <p:ph type="sldNum" sz="quarter" idx="12"/>
+            <p:ph type="title"/>
           </p:nvPr>
         </p:nvSpPr>
         <p:spPr>
           <a:xfrm>
-            <a:off x="609600" y="787398"/>
-            <a:ext cx="585788" cy="365125"/>
+            <a:off x="152400" y="0"/>
+            <a:ext cx="6589200" cy="1280890"/>
           </a:xfrm>
         </p:spPr>
         <p:txBody>
           <a:bodyPr/>
           <a:lstStyle/>
           <a:p>
-            <a:fld id="{BFA22BDA-A4D6-4347-A697-4C2AFBD80B78}" type="slidenum">
-              <a:rPr lang="en-US" altLang="en-US" smtClean="0"/>
-              <a:pPr/>
-              <a:t>21</a:t>
-            </a:fld>
-            <a:endParaRPr lang="en-US" altLang="en-US" dirty="0"/>
+            <a:r>
+              <a:rPr lang="en-US" b="1" u="sng" dirty="0"/>
+              <a:t>Code in andrew.py:</a:t>
+            </a:r>
+            <a:endParaRPr lang="en-IN" dirty="0"/>
           </a:p>
         </p:txBody>
       </p:sp>
-      <p:sp>
-        <p:nvSpPr>
-          <p:cNvPr id="5" name="TextBox 4">
+      <p:pic>
+        <p:nvPicPr>
+          <p:cNvPr id="4" name="Picture 3" descr="Screenshot 2023-06-06 011427">
             <a:extLst>
               <a:ext uri="{FF2B5EF4-FFF2-40B4-BE49-F238E27FC236}">
-                <a16:creationId xmlns:a16="http://schemas.microsoft.com/office/drawing/2014/main" id="{25B528A1-10B9-4D3D-9E3A-2C2F6B925F89}"/>
+                <a16:creationId xmlns:a16="http://schemas.microsoft.com/office/drawing/2014/main" id="{4DD0C27D-49F4-EB75-C22C-8961DF744D91}"/>
               </a:ext>
             </a:extLst>
           </p:cNvPr>
-          <p:cNvSpPr txBox="1"/>
-          <p:nvPr/>
-        </p:nvSpPr>
+          <p:cNvPicPr>
+            <a:picLocks noGrp="1" noChangeAspect="1"/>
+          </p:cNvPicPr>
+          <p:nvPr isPhoto="1"/>
+        </p:nvPicPr>
+        <p:blipFill>
+          <a:blip r:embed="rId2">
+            <a:lum/>
+            <a:extLst>
+              <a:ext uri="{28A0092B-C50C-407E-A947-70E740481C1C}">
+                <a14:useLocalDpi xmlns:a14="http://schemas.microsoft.com/office/drawing/2010/main" val="0"/>
+              </a:ext>
+            </a:extLst>
+          </a:blip>
+          <a:stretch>
+            <a:fillRect/>
+          </a:stretch>
+        </p:blipFill>
         <p:spPr>
           <a:xfrm>
-            <a:off x="1485900" y="646796"/>
-            <a:ext cx="3848100" cy="646331"/>
+            <a:off x="152401" y="685800"/>
+            <a:ext cx="8991600" cy="6172200"/>
           </a:xfrm>
           <a:prstGeom prst="rect">
             <a:avLst/>
           </a:prstGeom>
-          <a:noFill/>
         </p:spPr>
-        <p:txBody>
-          <a:bodyPr wrap="square" rtlCol="0">
-            <a:spAutoFit/>
-          </a:bodyPr>
-          <a:lstStyle/>
-          <a:p>
-            <a:r>
-              <a:rPr lang="en-US" sz="3600" b="1" u="sng" dirty="0">
-                <a:solidFill>
-                  <a:schemeClr val="accent2">
-                    <a:lumMod val="75000"/>
-                  </a:schemeClr>
-                </a:solidFill>
-              </a:rPr>
-              <a:t>CONCLUSION</a:t>
-            </a:r>
-            <a:endParaRPr lang="en-IN" sz="3600" b="1" u="sng" dirty="0">
-              <a:solidFill>
-                <a:schemeClr val="accent2">
-                  <a:lumMod val="75000"/>
-                </a:schemeClr>
-              </a:solidFill>
-            </a:endParaRPr>
-          </a:p>
-        </p:txBody>
-      </p:sp>
-      <p:sp>
-        <p:nvSpPr>
-          <p:cNvPr id="6" name="TextBox 5">
-            <a:extLst>
-              <a:ext uri="{FF2B5EF4-FFF2-40B4-BE49-F238E27FC236}">
-                <a16:creationId xmlns:a16="http://schemas.microsoft.com/office/drawing/2014/main" id="{B2F54115-FE74-4CFA-BAC9-FFCE8F33A1DA}"/>
-              </a:ext>
-            </a:extLst>
-          </p:cNvPr>
-          <p:cNvSpPr txBox="1"/>
-          <p:nvPr/>
-        </p:nvSpPr>
-        <p:spPr>
-          <a:xfrm>
-            <a:off x="804069" y="1582340"/>
-            <a:ext cx="7543800" cy="3693319"/>
-          </a:xfrm>
-          <a:prstGeom prst="rect">
-            <a:avLst/>
-          </a:prstGeom>
-          <a:noFill/>
-        </p:spPr>
-        <p:txBody>
-          <a:bodyPr wrap="square" rtlCol="0">
-            <a:spAutoFit/>
-          </a:bodyPr>
-          <a:lstStyle/>
-          <a:p>
-            <a:pPr marL="285750" indent="-285750" algn="just">
-              <a:buFont typeface="Wingdings" panose="05000000000000000000" pitchFamily="2" charset="2"/>
-              <a:buChar char="q"/>
-            </a:pPr>
-            <a:r>
-              <a:rPr lang="en-US" b="1" dirty="0"/>
-              <a:t>Voice assistants have become increasingly popular and widely used in various applications, including smartphones, smart speakers, cars, and home automation systems.</a:t>
-            </a:r>
-          </a:p>
-          <a:p>
-            <a:pPr marL="285750" indent="-285750" algn="just">
-              <a:buFont typeface="Wingdings" panose="05000000000000000000" pitchFamily="2" charset="2"/>
-              <a:buChar char="q"/>
-            </a:pPr>
-            <a:r>
-              <a:rPr lang="en-US" b="1" dirty="0"/>
-              <a:t> Here, we designed a voice assistant in such a way that which can offer a range of features and functionalities, such as answering questions, setting reminders, playing music, providing weather updates, managing calendars, controlling smart home devices, and much more.</a:t>
-            </a:r>
-          </a:p>
-          <a:p>
-            <a:pPr marL="285750" indent="-285750" algn="just">
-              <a:buFont typeface="Wingdings" panose="05000000000000000000" pitchFamily="2" charset="2"/>
-              <a:buChar char="q"/>
-            </a:pPr>
-            <a:r>
-              <a:rPr lang="en-US" b="1" dirty="0"/>
-              <a:t>With continuous advancements in natural language processing and machine learning, voice assistants are expected to become even more sophisticated and capable in the future, further enhancing our digital experiences.</a:t>
-            </a:r>
-            <a:br>
-              <a:rPr lang="en-US" b="1" dirty="0"/>
-            </a:br>
-            <a:r>
-              <a:rPr lang="en-US" b="1" dirty="0"/>
-              <a:t> </a:t>
-            </a:r>
-            <a:endParaRPr lang="en-IN" b="1" dirty="0"/>
-          </a:p>
-        </p:txBody>
-      </p:sp>
+      </p:pic>
     </p:spTree>
     <p:extLst>
       <p:ext uri="{BB962C8B-B14F-4D97-AF65-F5344CB8AC3E}">
-        <p14:creationId xmlns:p14="http://schemas.microsoft.com/office/powerpoint/2010/main" val="510478509"/>
+        <p14:creationId xmlns:p14="http://schemas.microsoft.com/office/powerpoint/2010/main" val="3327848054"/>
       </p:ext>
     </p:extLst>
   </p:cSld>
@@ -23457,10 +22784,10 @@
       </p:grpSpPr>
       <p:sp>
         <p:nvSpPr>
-          <p:cNvPr id="2" name="Date Placeholder 1">
+          <p:cNvPr id="2" name="Title 1">
             <a:extLst>
               <a:ext uri="{FF2B5EF4-FFF2-40B4-BE49-F238E27FC236}">
-                <a16:creationId xmlns:a16="http://schemas.microsoft.com/office/drawing/2014/main" id="{B8288730-53BD-4CB3-A32C-B8DF6696BF55}"/>
+                <a16:creationId xmlns:a16="http://schemas.microsoft.com/office/drawing/2014/main" id="{B3359BBE-1AA8-3956-C9C8-B4264E838B9C}"/>
               </a:ext>
             </a:extLst>
           </p:cNvPr>
@@ -23468,305 +22795,68 @@
             <a:spLocks noGrp="1"/>
           </p:cNvSpPr>
           <p:nvPr>
-            <p:ph type="dt" sz="half" idx="10"/>
-          </p:nvPr>
-        </p:nvSpPr>
-        <p:spPr/>
-        <p:txBody>
-          <a:bodyPr/>
-          <a:lstStyle/>
-          <a:p>
-            <a:pPr>
-              <a:defRPr/>
-            </a:pPr>
-            <a:r>
-              <a:rPr lang="en-US" altLang="en-US" dirty="0"/>
-              <a:t>6/6/2023</a:t>
-            </a:r>
-          </a:p>
-          <a:p>
-            <a:pPr>
-              <a:defRPr/>
-            </a:pPr>
-            <a:endParaRPr lang="en-US" altLang="en-US" dirty="0"/>
-          </a:p>
-        </p:txBody>
-      </p:sp>
-      <p:sp>
-        <p:nvSpPr>
-          <p:cNvPr id="3" name="Footer Placeholder 2">
-            <a:extLst>
-              <a:ext uri="{FF2B5EF4-FFF2-40B4-BE49-F238E27FC236}">
-                <a16:creationId xmlns:a16="http://schemas.microsoft.com/office/drawing/2014/main" id="{3F7634AC-33CD-4274-98FB-740E7BBB1A93}"/>
-              </a:ext>
-            </a:extLst>
-          </p:cNvPr>
-          <p:cNvSpPr>
-            <a:spLocks noGrp="1"/>
-          </p:cNvSpPr>
-          <p:nvPr>
-            <p:ph type="ftr" sz="quarter" idx="11"/>
-          </p:nvPr>
-        </p:nvSpPr>
-        <p:spPr/>
-        <p:txBody>
-          <a:bodyPr/>
-          <a:lstStyle/>
-          <a:p>
-            <a:pPr>
-              <a:defRPr/>
-            </a:pPr>
-            <a:r>
-              <a:rPr lang="en-US" altLang="en-US" dirty="0"/>
-              <a:t>Dept of CSE., SOE-Dayananda Sagar University</a:t>
-            </a:r>
-          </a:p>
-        </p:txBody>
-      </p:sp>
-      <p:sp>
-        <p:nvSpPr>
-          <p:cNvPr id="4" name="Slide Number Placeholder 3">
-            <a:extLst>
-              <a:ext uri="{FF2B5EF4-FFF2-40B4-BE49-F238E27FC236}">
-                <a16:creationId xmlns:a16="http://schemas.microsoft.com/office/drawing/2014/main" id="{2592F9C7-BBD7-46B5-9E7E-DF3815A0C668}"/>
-              </a:ext>
-            </a:extLst>
-          </p:cNvPr>
-          <p:cNvSpPr>
-            <a:spLocks noGrp="1"/>
-          </p:cNvSpPr>
-          <p:nvPr>
-            <p:ph type="sldNum" sz="quarter" idx="12"/>
+            <p:ph type="title"/>
           </p:nvPr>
         </p:nvSpPr>
         <p:spPr>
           <a:xfrm>
-            <a:off x="585969" y="762348"/>
-            <a:ext cx="585788" cy="365125"/>
+            <a:off x="152400" y="76200"/>
+            <a:ext cx="6589200" cy="1280890"/>
           </a:xfrm>
         </p:spPr>
         <p:txBody>
           <a:bodyPr/>
           <a:lstStyle/>
           <a:p>
-            <a:fld id="{BFA22BDA-A4D6-4347-A697-4C2AFBD80B78}" type="slidenum">
-              <a:rPr lang="en-US" altLang="en-US" smtClean="0"/>
-              <a:pPr/>
-              <a:t>22</a:t>
-            </a:fld>
-            <a:endParaRPr lang="en-US" altLang="en-US" dirty="0"/>
+            <a:r>
+              <a:rPr lang="en-US" b="1" u="sng" dirty="0"/>
+              <a:t>Code in andrew.py:</a:t>
+            </a:r>
+            <a:endParaRPr lang="en-IN" dirty="0"/>
           </a:p>
         </p:txBody>
       </p:sp>
-      <p:sp>
-        <p:nvSpPr>
-          <p:cNvPr id="5" name="TextBox 4">
+      <p:pic>
+        <p:nvPicPr>
+          <p:cNvPr id="4" name="Picture 3" descr="Screenshot 2023-06-06 011444">
             <a:extLst>
               <a:ext uri="{FF2B5EF4-FFF2-40B4-BE49-F238E27FC236}">
-                <a16:creationId xmlns:a16="http://schemas.microsoft.com/office/drawing/2014/main" id="{306F808E-9107-404F-9C04-B5FA27AB0EBD}"/>
+                <a16:creationId xmlns:a16="http://schemas.microsoft.com/office/drawing/2014/main" id="{063E77A5-0375-C815-84A8-597BF60705E6}"/>
               </a:ext>
             </a:extLst>
           </p:cNvPr>
-          <p:cNvSpPr txBox="1"/>
-          <p:nvPr/>
-        </p:nvSpPr>
+          <p:cNvPicPr>
+            <a:picLocks noGrp="1" noChangeAspect="1"/>
+          </p:cNvPicPr>
+          <p:nvPr isPhoto="1"/>
+        </p:nvPicPr>
+        <p:blipFill>
+          <a:blip r:embed="rId2">
+            <a:lum/>
+            <a:extLst>
+              <a:ext uri="{28A0092B-C50C-407E-A947-70E740481C1C}">
+                <a14:useLocalDpi xmlns:a14="http://schemas.microsoft.com/office/drawing/2010/main" val="0"/>
+              </a:ext>
+            </a:extLst>
+          </a:blip>
+          <a:stretch>
+            <a:fillRect/>
+          </a:stretch>
+        </p:blipFill>
         <p:spPr>
           <a:xfrm>
-            <a:off x="1371600" y="506194"/>
-            <a:ext cx="5791200" cy="646331"/>
+            <a:off x="152400" y="707500"/>
+            <a:ext cx="8991600" cy="6150499"/>
           </a:xfrm>
           <a:prstGeom prst="rect">
             <a:avLst/>
           </a:prstGeom>
-          <a:noFill/>
         </p:spPr>
-        <p:txBody>
-          <a:bodyPr wrap="square" rtlCol="0">
-            <a:spAutoFit/>
-          </a:bodyPr>
-          <a:lstStyle/>
-          <a:p>
-            <a:r>
-              <a:rPr lang="en-US" sz="3600" b="1" u="sng" dirty="0">
-                <a:solidFill>
-                  <a:schemeClr val="accent2">
-                    <a:lumMod val="75000"/>
-                  </a:schemeClr>
-                </a:solidFill>
-              </a:rPr>
-              <a:t>FUTURE ENHANCEMENT</a:t>
-            </a:r>
-            <a:endParaRPr lang="en-IN" sz="3600" b="1" u="sng" dirty="0">
-              <a:solidFill>
-                <a:schemeClr val="accent2">
-                  <a:lumMod val="75000"/>
-                </a:schemeClr>
-              </a:solidFill>
-            </a:endParaRPr>
-          </a:p>
-        </p:txBody>
-      </p:sp>
-      <p:sp>
-        <p:nvSpPr>
-          <p:cNvPr id="6" name="TextBox 5">
-            <a:extLst>
-              <a:ext uri="{FF2B5EF4-FFF2-40B4-BE49-F238E27FC236}">
-                <a16:creationId xmlns:a16="http://schemas.microsoft.com/office/drawing/2014/main" id="{E6EF7C73-9BFE-46FB-A899-57C163CE15FD}"/>
-              </a:ext>
-            </a:extLst>
-          </p:cNvPr>
-          <p:cNvSpPr txBox="1"/>
-          <p:nvPr/>
-        </p:nvSpPr>
-        <p:spPr>
-          <a:xfrm>
-            <a:off x="1169504" y="1305303"/>
-            <a:ext cx="6705600" cy="1200329"/>
-          </a:xfrm>
-          <a:prstGeom prst="rect">
-            <a:avLst/>
-          </a:prstGeom>
-          <a:noFill/>
-        </p:spPr>
-        <p:txBody>
-          <a:bodyPr wrap="square" rtlCol="0">
-            <a:spAutoFit/>
-          </a:bodyPr>
-          <a:lstStyle/>
-          <a:p>
-            <a:pPr algn="just"/>
-            <a:r>
-              <a:rPr lang="en-US" b="1" dirty="0"/>
-              <a:t>We are focusing on further improving the accuracy, scalability, and practicality of the system. Here are some potential areas for future development: -</a:t>
-            </a:r>
-            <a:endParaRPr lang="en-IN" b="1" dirty="0"/>
-          </a:p>
-          <a:p>
-            <a:endParaRPr lang="en-IN" dirty="0"/>
-          </a:p>
-        </p:txBody>
-      </p:sp>
-      <p:sp>
-        <p:nvSpPr>
-          <p:cNvPr id="7" name="TextBox 6">
-            <a:extLst>
-              <a:ext uri="{FF2B5EF4-FFF2-40B4-BE49-F238E27FC236}">
-                <a16:creationId xmlns:a16="http://schemas.microsoft.com/office/drawing/2014/main" id="{B856FCD4-32F3-4C3B-B0C9-1188575D0EEB}"/>
-              </a:ext>
-            </a:extLst>
-          </p:cNvPr>
-          <p:cNvSpPr txBox="1"/>
-          <p:nvPr/>
-        </p:nvSpPr>
-        <p:spPr>
-          <a:xfrm>
-            <a:off x="1159565" y="2472502"/>
-            <a:ext cx="6549887" cy="3693319"/>
-          </a:xfrm>
-          <a:prstGeom prst="rect">
-            <a:avLst/>
-          </a:prstGeom>
-          <a:noFill/>
-        </p:spPr>
-        <p:txBody>
-          <a:bodyPr wrap="square" rtlCol="0">
-            <a:spAutoFit/>
-          </a:bodyPr>
-          <a:lstStyle/>
-          <a:p>
-            <a:pPr marL="285750" lvl="0" indent="-285750">
-              <a:buFont typeface="Wingdings" panose="05000000000000000000" pitchFamily="2" charset="2"/>
-              <a:buChar char="q"/>
-            </a:pPr>
-            <a:r>
-              <a:rPr lang="en-US" b="1" dirty="0"/>
-              <a:t>Enhanced Natural Language Understanding</a:t>
-            </a:r>
-            <a:endParaRPr lang="en-IN" b="1" dirty="0"/>
-          </a:p>
-          <a:p>
-            <a:pPr lvl="0"/>
-            <a:endParaRPr lang="en-IN" b="1" dirty="0"/>
-          </a:p>
-          <a:p>
-            <a:pPr marL="285750" lvl="0" indent="-285750">
-              <a:buFont typeface="Wingdings" panose="05000000000000000000" pitchFamily="2" charset="2"/>
-              <a:buChar char="q"/>
-            </a:pPr>
-            <a:r>
-              <a:rPr lang="en-US" b="1" dirty="0"/>
-              <a:t>Emotional Intelligence</a:t>
-            </a:r>
-            <a:endParaRPr lang="en-IN" b="1" dirty="0"/>
-          </a:p>
-          <a:p>
-            <a:endParaRPr lang="en-IN" b="1" dirty="0"/>
-          </a:p>
-          <a:p>
-            <a:pPr marL="285750" lvl="0" indent="-285750">
-              <a:buFont typeface="Wingdings" panose="05000000000000000000" pitchFamily="2" charset="2"/>
-              <a:buChar char="q"/>
-            </a:pPr>
-            <a:r>
-              <a:rPr lang="en-US" b="1" dirty="0"/>
-              <a:t>Enhanced Personalization</a:t>
-            </a:r>
-            <a:endParaRPr lang="en-IN" b="1" dirty="0"/>
-          </a:p>
-          <a:p>
-            <a:endParaRPr lang="en-IN" b="1" dirty="0"/>
-          </a:p>
-          <a:p>
-            <a:pPr marL="285750" lvl="0" indent="-285750">
-              <a:buFont typeface="Wingdings" panose="05000000000000000000" pitchFamily="2" charset="2"/>
-              <a:buChar char="q"/>
-            </a:pPr>
-            <a:r>
-              <a:rPr lang="en-US" b="1" dirty="0"/>
-              <a:t>Increased Domain Expertise</a:t>
-            </a:r>
-            <a:endParaRPr lang="en-IN" b="1" dirty="0"/>
-          </a:p>
-          <a:p>
-            <a:endParaRPr lang="en-IN" b="1" dirty="0"/>
-          </a:p>
-          <a:p>
-            <a:pPr marL="285750" lvl="0" indent="-285750">
-              <a:buFont typeface="Wingdings" panose="05000000000000000000" pitchFamily="2" charset="2"/>
-              <a:buChar char="q"/>
-            </a:pPr>
-            <a:r>
-              <a:rPr lang="en-US" b="1" dirty="0"/>
-              <a:t>Smoother integration with Robotics</a:t>
-            </a:r>
-            <a:endParaRPr lang="en-IN" b="1" dirty="0"/>
-          </a:p>
-          <a:p>
-            <a:endParaRPr lang="en-IN" b="1" dirty="0"/>
-          </a:p>
-          <a:p>
-            <a:pPr marL="285750" lvl="0" indent="-285750">
-              <a:buFont typeface="Wingdings" panose="05000000000000000000" pitchFamily="2" charset="2"/>
-              <a:buChar char="q"/>
-            </a:pPr>
-            <a:r>
-              <a:rPr lang="en-US" b="1" dirty="0"/>
-              <a:t>Increased Offline Functionality</a:t>
-            </a:r>
-            <a:endParaRPr lang="en-IN" b="1" dirty="0"/>
-          </a:p>
-          <a:p>
-            <a:br>
-              <a:rPr lang="en-US" dirty="0"/>
-            </a:br>
-            <a:endParaRPr lang="en-IN" dirty="0"/>
-          </a:p>
-        </p:txBody>
-      </p:sp>
+      </p:pic>
     </p:spTree>
     <p:extLst>
       <p:ext uri="{BB962C8B-B14F-4D97-AF65-F5344CB8AC3E}">
-        <p14:creationId xmlns:p14="http://schemas.microsoft.com/office/powerpoint/2010/main" val="870264176"/>
+        <p14:creationId xmlns:p14="http://schemas.microsoft.com/office/powerpoint/2010/main" val="917051823"/>
       </p:ext>
     </p:extLst>
   </p:cSld>
@@ -23795,15 +22885,15 @@
       </p:grpSpPr>
       <p:sp>
         <p:nvSpPr>
-          <p:cNvPr id="29698" name="Title 1">
+          <p:cNvPr id="2" name="Title 1">
             <a:extLst>
               <a:ext uri="{FF2B5EF4-FFF2-40B4-BE49-F238E27FC236}">
-                <a16:creationId xmlns:a16="http://schemas.microsoft.com/office/drawing/2014/main" id="{E64DE8B1-4C4C-ED0B-317D-3327C2FDA984}"/>
+                <a16:creationId xmlns:a16="http://schemas.microsoft.com/office/drawing/2014/main" id="{7F35E851-A8B5-00D9-7AC0-923942165F18}"/>
               </a:ext>
             </a:extLst>
           </p:cNvPr>
           <p:cNvSpPr>
-            <a:spLocks noGrp="1" noChangeArrowheads="1"/>
+            <a:spLocks noGrp="1"/>
           </p:cNvSpPr>
           <p:nvPr>
             <p:ph type="title"/>
@@ -23811,477 +22901,65 @@
         </p:nvSpPr>
         <p:spPr>
           <a:xfrm>
-            <a:off x="1676400" y="573088"/>
-            <a:ext cx="6589713" cy="747712"/>
+            <a:off x="152400" y="76200"/>
+            <a:ext cx="6589200" cy="1280890"/>
           </a:xfrm>
         </p:spPr>
         <p:txBody>
           <a:bodyPr/>
           <a:lstStyle/>
           <a:p>
-            <a:pPr eaLnBrk="1" hangingPunct="1"/>
-            <a:r>
-              <a:rPr lang="en-IN" altLang="en-US" b="1" u="sng" dirty="0">
-                <a:latin typeface="Calibri" panose="020F0502020204030204" pitchFamily="34" charset="0"/>
-                <a:cs typeface="Calibri" panose="020F0502020204030204" pitchFamily="34" charset="0"/>
-              </a:rPr>
-              <a:t>References</a:t>
-            </a:r>
+            <a:r>
+              <a:rPr lang="en-US" b="1" u="sng" dirty="0"/>
+              <a:t>Code in andrew.py:</a:t>
+            </a:r>
+            <a:endParaRPr lang="en-IN" dirty="0"/>
           </a:p>
         </p:txBody>
       </p:sp>
-      <p:sp>
-        <p:nvSpPr>
-          <p:cNvPr id="29699" name="Content Placeholder 2">
+      <p:pic>
+        <p:nvPicPr>
+          <p:cNvPr id="4" name="Picture 3" descr="Screenshot 2023-06-06 011510">
             <a:extLst>
               <a:ext uri="{FF2B5EF4-FFF2-40B4-BE49-F238E27FC236}">
-                <a16:creationId xmlns:a16="http://schemas.microsoft.com/office/drawing/2014/main" id="{7FF1FE1B-22EE-9893-D074-B8AC5DD70A86}"/>
+                <a16:creationId xmlns:a16="http://schemas.microsoft.com/office/drawing/2014/main" id="{F3C4AF63-8FC0-01A5-80F5-19F5BE01B2FE}"/>
               </a:ext>
             </a:extLst>
           </p:cNvPr>
-          <p:cNvSpPr>
-            <a:spLocks noGrp="1" noChangeArrowheads="1"/>
-          </p:cNvSpPr>
-          <p:nvPr>
-            <p:ph idx="1"/>
-          </p:nvPr>
-        </p:nvSpPr>
+          <p:cNvPicPr>
+            <a:picLocks noGrp="1" noChangeAspect="1"/>
+          </p:cNvPicPr>
+          <p:nvPr isPhoto="1"/>
+        </p:nvPicPr>
+        <p:blipFill>
+          <a:blip r:embed="rId2">
+            <a:lum/>
+            <a:extLst>
+              <a:ext uri="{28A0092B-C50C-407E-A947-70E740481C1C}">
+                <a14:useLocalDpi xmlns:a14="http://schemas.microsoft.com/office/drawing/2010/main" val="0"/>
+              </a:ext>
+            </a:extLst>
+          </a:blip>
+          <a:stretch>
+            <a:fillRect/>
+          </a:stretch>
+        </p:blipFill>
         <p:spPr>
           <a:xfrm>
-            <a:off x="1676400" y="1531326"/>
-            <a:ext cx="6934200" cy="2514600"/>
-          </a:xfrm>
-        </p:spPr>
-        <p:txBody>
-          <a:bodyPr/>
-          <a:lstStyle/>
-          <a:p>
-            <a:pPr algn="just" defTabSz="673100" eaLnBrk="1" hangingPunct="1"/>
-            <a:r>
-              <a:rPr lang="en-IN" altLang="en-US" sz="1600" b="1" dirty="0">
-                <a:solidFill>
-                  <a:schemeClr val="tx1"/>
-                </a:solidFill>
-                <a:cs typeface="Calibri" panose="020F0502020204030204" pitchFamily="34" charset="0"/>
-              </a:rPr>
-              <a:t>Dekate, Abhay &amp; Kulkarni, Chaitanya &amp; Killedar, Rohan. (2016). Study of Voice Controlled Personal Assistant Device. International Journal of Computer Trends and Technology. 42. 42-46.</a:t>
-            </a:r>
-          </a:p>
-          <a:p>
-            <a:pPr algn="just" defTabSz="673100" eaLnBrk="1" hangingPunct="1"/>
-            <a:r>
-              <a:rPr lang="en-US" altLang="en-US" sz="1600" b="1" dirty="0">
-                <a:solidFill>
-                  <a:schemeClr val="tx1"/>
-                </a:solidFill>
-                <a:cs typeface="Calibri" panose="020F0502020204030204" pitchFamily="34" charset="0"/>
-              </a:rPr>
-              <a:t>Nasirian, Farzaneh &amp; Ahmadian, Mohsen &amp; Lee, One-Ki. (2017). AI-Based Voice Assistant Systems: Evaluating from the Interaction and Trust Perspectives.</a:t>
-            </a:r>
-            <a:endParaRPr lang="en-IN" altLang="en-US" sz="1600" b="1" dirty="0">
-              <a:solidFill>
-                <a:schemeClr val="tx1"/>
-              </a:solidFill>
-              <a:cs typeface="Calibri" panose="020F0502020204030204" pitchFamily="34" charset="0"/>
-            </a:endParaRPr>
-          </a:p>
-          <a:p>
-            <a:pPr algn="just" defTabSz="673100" eaLnBrk="1" hangingPunct="1"/>
-            <a:r>
-              <a:rPr lang="en-US" altLang="en-US" sz="1600" b="1" dirty="0">
-                <a:solidFill>
-                  <a:schemeClr val="tx1"/>
-                </a:solidFill>
-                <a:cs typeface="Calibri" panose="020F0502020204030204" pitchFamily="34" charset="0"/>
-              </a:rPr>
-              <a:t>Poushneh, Atieh. (2021). Humanizing voice assistant: The impact of voice assistant personality on consumers’ attitudes and behaviors. Journal of Retailing and Consumer Services. 58.</a:t>
-            </a:r>
-          </a:p>
-          <a:p>
-            <a:pPr algn="just" defTabSz="673100" eaLnBrk="1" hangingPunct="1"/>
-            <a:r>
-              <a:rPr lang="en-IN" sz="1600" b="1" dirty="0">
-                <a:solidFill>
-                  <a:schemeClr val="tx1"/>
-                </a:solidFill>
-              </a:rPr>
-              <a:t>Vishal Kumar Dhanraj</a:t>
-            </a:r>
-            <a:r>
-              <a:rPr lang="en-US" sz="1600" b="1" dirty="0">
-                <a:solidFill>
-                  <a:schemeClr val="tx1"/>
-                </a:solidFill>
-              </a:rPr>
-              <a:t>,</a:t>
-            </a:r>
-            <a:r>
-              <a:rPr lang="en-IN" sz="1600" b="1" dirty="0">
-                <a:solidFill>
-                  <a:schemeClr val="tx1"/>
-                </a:solidFill>
-              </a:rPr>
-              <a:t> Lokesh Kriplani Semal Mahajan</a:t>
-            </a:r>
-            <a:r>
-              <a:rPr lang="en-US" sz="1600" b="1" dirty="0">
-                <a:solidFill>
-                  <a:schemeClr val="tx1"/>
-                </a:solidFill>
-              </a:rPr>
-              <a:t>. Research Paper on Desktop Voice Assistant, International Journal of Research in Engineering and Science (IJRES) </a:t>
-            </a:r>
-            <a:r>
-              <a:rPr lang="en-IN" sz="1600" b="1" dirty="0">
-                <a:solidFill>
-                  <a:schemeClr val="tx1"/>
-                </a:solidFill>
-              </a:rPr>
-              <a:t>Volume 10 ,Issue 2,PP. 15-20 (</a:t>
-            </a:r>
-            <a:r>
-              <a:rPr lang="en-US" sz="1600" b="1" dirty="0">
-                <a:solidFill>
-                  <a:schemeClr val="tx1"/>
-                </a:solidFill>
-              </a:rPr>
-              <a:t>February 2022)</a:t>
-            </a:r>
-            <a:r>
-              <a:rPr lang="en-US" sz="1600" b="1" i="0" dirty="0">
-                <a:solidFill>
-                  <a:schemeClr val="tx1"/>
-                </a:solidFill>
-                <a:effectLst/>
-              </a:rPr>
-              <a:t> </a:t>
-            </a:r>
-          </a:p>
-          <a:p>
-            <a:pPr algn="just" defTabSz="673100" eaLnBrk="1" hangingPunct="1"/>
-            <a:r>
-              <a:rPr lang="en-US" sz="1600" b="1" i="0" dirty="0">
-                <a:solidFill>
-                  <a:schemeClr val="tx1"/>
-                </a:solidFill>
-                <a:effectLst/>
-              </a:rPr>
-              <a:t>G. Preethi , Abishek. K , Thiruppugal S , Vishwaa D A, 2022, Voice Assistant using Artificial Intelligence, INTERNATIONAL JOURNAL OF ENGINEERING RESEARCH &amp; TECHNOLOGY (IJERT) Volume 11, Issue 05 (May 2022)</a:t>
-            </a:r>
-          </a:p>
-          <a:p>
-            <a:pPr algn="just" defTabSz="673100" eaLnBrk="1" hangingPunct="1"/>
-            <a:endParaRPr lang="en-US" sz="1600" b="1" dirty="0">
-              <a:solidFill>
-                <a:schemeClr val="tx1"/>
-              </a:solidFill>
-            </a:endParaRPr>
-          </a:p>
-          <a:p>
-            <a:pPr algn="just" defTabSz="673100" eaLnBrk="1" hangingPunct="1">
-              <a:buFont typeface="Wingdings 3" panose="05040102010807070707" pitchFamily="18" charset="2"/>
-              <a:buNone/>
-            </a:pPr>
-            <a:endParaRPr lang="en-IN" altLang="en-US" sz="1600" b="1" dirty="0">
-              <a:latin typeface="Calibri" panose="020F0502020204030204" pitchFamily="34" charset="0"/>
-              <a:cs typeface="Calibri" panose="020F0502020204030204" pitchFamily="34" charset="0"/>
-            </a:endParaRPr>
-          </a:p>
-          <a:p>
-            <a:pPr algn="just" defTabSz="673100" eaLnBrk="1" hangingPunct="1"/>
-            <a:endParaRPr lang="en-IN" altLang="en-US" sz="1600" b="1" dirty="0">
-              <a:latin typeface="Calibri" panose="020F0502020204030204" pitchFamily="34" charset="0"/>
-              <a:cs typeface="Calibri" panose="020F0502020204030204" pitchFamily="34" charset="0"/>
-            </a:endParaRPr>
-          </a:p>
-          <a:p>
-            <a:pPr defTabSz="673100" eaLnBrk="1" hangingPunct="1"/>
-            <a:endParaRPr lang="en-IN" altLang="en-US" sz="1600" b="1" dirty="0">
-              <a:latin typeface="Calibri" panose="020F0502020204030204" pitchFamily="34" charset="0"/>
-              <a:cs typeface="Calibri" panose="020F0502020204030204" pitchFamily="34" charset="0"/>
-            </a:endParaRPr>
-          </a:p>
-          <a:p>
-            <a:pPr defTabSz="673100" eaLnBrk="1" hangingPunct="1"/>
-            <a:endParaRPr lang="en-IN" altLang="en-US" sz="1600" b="1" dirty="0">
-              <a:latin typeface="Calibri" panose="020F0502020204030204" pitchFamily="34" charset="0"/>
-              <a:cs typeface="Calibri" panose="020F0502020204030204" pitchFamily="34" charset="0"/>
-            </a:endParaRPr>
-          </a:p>
-        </p:txBody>
-      </p:sp>
-      <p:sp>
-        <p:nvSpPr>
-          <p:cNvPr id="4" name="Date Placeholder 3">
-            <a:extLst>
-              <a:ext uri="{FF2B5EF4-FFF2-40B4-BE49-F238E27FC236}">
-                <a16:creationId xmlns:a16="http://schemas.microsoft.com/office/drawing/2014/main" id="{E6CEF58E-3D78-DAEF-1BD5-FE5AC56D72E6}"/>
-              </a:ext>
-            </a:extLst>
-          </p:cNvPr>
-          <p:cNvSpPr>
-            <a:spLocks noGrp="1"/>
-          </p:cNvSpPr>
-          <p:nvPr>
-            <p:ph type="dt" sz="quarter" idx="10"/>
-          </p:nvPr>
-        </p:nvSpPr>
-        <p:spPr>
-          <a:xfrm>
-            <a:off x="895350" y="6328830"/>
-            <a:ext cx="952500" cy="369887"/>
-          </a:xfrm>
-        </p:spPr>
-        <p:txBody>
-          <a:bodyPr/>
-          <a:lstStyle/>
-          <a:p>
-            <a:pPr>
-              <a:defRPr/>
-            </a:pPr>
-            <a:r>
-              <a:rPr lang="en-US" altLang="en-US" dirty="0"/>
-              <a:t>4/5/2023</a:t>
-            </a:r>
-          </a:p>
-        </p:txBody>
-      </p:sp>
-      <p:sp>
-        <p:nvSpPr>
-          <p:cNvPr id="5" name="Footer Placeholder 4">
-            <a:extLst>
-              <a:ext uri="{FF2B5EF4-FFF2-40B4-BE49-F238E27FC236}">
-                <a16:creationId xmlns:a16="http://schemas.microsoft.com/office/drawing/2014/main" id="{02515A69-AAA9-2BC8-D6EB-D80407931D4A}"/>
-              </a:ext>
-            </a:extLst>
-          </p:cNvPr>
-          <p:cNvSpPr>
-            <a:spLocks noGrp="1"/>
-          </p:cNvSpPr>
-          <p:nvPr>
-            <p:ph type="ftr" sz="quarter" idx="11"/>
-          </p:nvPr>
-        </p:nvSpPr>
-        <p:spPr>
-          <a:xfrm>
-            <a:off x="2895600" y="6333592"/>
-            <a:ext cx="4876800" cy="365125"/>
-          </a:xfrm>
-        </p:spPr>
-        <p:txBody>
-          <a:bodyPr/>
-          <a:lstStyle/>
-          <a:p>
-            <a:pPr>
-              <a:defRPr/>
-            </a:pPr>
-            <a:r>
-              <a:rPr lang="en-US" altLang="en-US" dirty="0"/>
-              <a:t>Dept of CSE., SOE-Dayananda Sagar University</a:t>
-            </a:r>
-          </a:p>
-        </p:txBody>
-      </p:sp>
-      <p:sp>
-        <p:nvSpPr>
-          <p:cNvPr id="2" name="Slide Number Placeholder 1">
-            <a:extLst>
-              <a:ext uri="{FF2B5EF4-FFF2-40B4-BE49-F238E27FC236}">
-                <a16:creationId xmlns:a16="http://schemas.microsoft.com/office/drawing/2014/main" id="{F8F904A8-6026-7A47-B3F3-5602AA211926}"/>
-              </a:ext>
-            </a:extLst>
-          </p:cNvPr>
-          <p:cNvSpPr>
-            <a:spLocks noGrp="1"/>
-          </p:cNvSpPr>
-          <p:nvPr>
-            <p:ph type="sldNum" sz="quarter" idx="12"/>
-          </p:nvPr>
-        </p:nvSpPr>
-        <p:spPr>
-          <a:xfrm>
-            <a:off x="8043863" y="6333592"/>
-            <a:ext cx="776287" cy="365125"/>
-          </a:xfrm>
-        </p:spPr>
-        <p:txBody>
-          <a:bodyPr/>
-          <a:lstStyle>
-            <a:lvl1pPr>
-              <a:defRPr>
-                <a:solidFill>
-                  <a:schemeClr val="tx1"/>
-                </a:solidFill>
-                <a:latin typeface="Century Gothic" panose="020B0502020202020204" pitchFamily="34" charset="0"/>
-              </a:defRPr>
-            </a:lvl1pPr>
-            <a:lvl2pPr marL="742950" indent="-285750">
-              <a:defRPr>
-                <a:solidFill>
-                  <a:schemeClr val="tx1"/>
-                </a:solidFill>
-                <a:latin typeface="Century Gothic" panose="020B0502020202020204" pitchFamily="34" charset="0"/>
-              </a:defRPr>
-            </a:lvl2pPr>
-            <a:lvl3pPr marL="1143000" indent="-228600">
-              <a:defRPr>
-                <a:solidFill>
-                  <a:schemeClr val="tx1"/>
-                </a:solidFill>
-                <a:latin typeface="Century Gothic" panose="020B0502020202020204" pitchFamily="34" charset="0"/>
-              </a:defRPr>
-            </a:lvl3pPr>
-            <a:lvl4pPr marL="1600200" indent="-228600">
-              <a:defRPr>
-                <a:solidFill>
-                  <a:schemeClr val="tx1"/>
-                </a:solidFill>
-                <a:latin typeface="Century Gothic" panose="020B0502020202020204" pitchFamily="34" charset="0"/>
-              </a:defRPr>
-            </a:lvl4pPr>
-            <a:lvl5pPr marL="2057400" indent="-228600">
-              <a:defRPr>
-                <a:solidFill>
-                  <a:schemeClr val="tx1"/>
-                </a:solidFill>
-                <a:latin typeface="Century Gothic" panose="020B0502020202020204" pitchFamily="34" charset="0"/>
-              </a:defRPr>
-            </a:lvl5pPr>
-            <a:lvl6pPr marL="2514600" indent="-228600" defTabSz="457200" eaLnBrk="0" fontAlgn="base" hangingPunct="0">
-              <a:spcBef>
-                <a:spcPct val="0"/>
-              </a:spcBef>
-              <a:spcAft>
-                <a:spcPct val="0"/>
-              </a:spcAft>
-              <a:defRPr>
-                <a:solidFill>
-                  <a:schemeClr val="tx1"/>
-                </a:solidFill>
-                <a:latin typeface="Century Gothic" panose="020B0502020202020204" pitchFamily="34" charset="0"/>
-              </a:defRPr>
-            </a:lvl6pPr>
-            <a:lvl7pPr marL="2971800" indent="-228600" defTabSz="457200" eaLnBrk="0" fontAlgn="base" hangingPunct="0">
-              <a:spcBef>
-                <a:spcPct val="0"/>
-              </a:spcBef>
-              <a:spcAft>
-                <a:spcPct val="0"/>
-              </a:spcAft>
-              <a:defRPr>
-                <a:solidFill>
-                  <a:schemeClr val="tx1"/>
-                </a:solidFill>
-                <a:latin typeface="Century Gothic" panose="020B0502020202020204" pitchFamily="34" charset="0"/>
-              </a:defRPr>
-            </a:lvl7pPr>
-            <a:lvl8pPr marL="3429000" indent="-228600" defTabSz="457200" eaLnBrk="0" fontAlgn="base" hangingPunct="0">
-              <a:spcBef>
-                <a:spcPct val="0"/>
-              </a:spcBef>
-              <a:spcAft>
-                <a:spcPct val="0"/>
-              </a:spcAft>
-              <a:defRPr>
-                <a:solidFill>
-                  <a:schemeClr val="tx1"/>
-                </a:solidFill>
-                <a:latin typeface="Century Gothic" panose="020B0502020202020204" pitchFamily="34" charset="0"/>
-              </a:defRPr>
-            </a:lvl8pPr>
-            <a:lvl9pPr marL="3886200" indent="-228600" defTabSz="457200" eaLnBrk="0" fontAlgn="base" hangingPunct="0">
-              <a:spcBef>
-                <a:spcPct val="0"/>
-              </a:spcBef>
-              <a:spcAft>
-                <a:spcPct val="0"/>
-              </a:spcAft>
-              <a:defRPr>
-                <a:solidFill>
-                  <a:schemeClr val="tx1"/>
-                </a:solidFill>
-                <a:latin typeface="Century Gothic" panose="020B0502020202020204" pitchFamily="34" charset="0"/>
-              </a:defRPr>
-            </a:lvl9pPr>
-          </a:lstStyle>
-          <a:p>
-            <a:pPr fontAlgn="base">
-              <a:spcBef>
-                <a:spcPct val="0"/>
-              </a:spcBef>
-              <a:spcAft>
-                <a:spcPct val="0"/>
-              </a:spcAft>
-            </a:pPr>
-            <a:fld id="{D45B124F-6341-4D55-8C88-74580086051B}" type="slidenum">
-              <a:rPr lang="en-US" altLang="en-US" smtClean="0">
-                <a:solidFill>
-                  <a:srgbClr val="898989"/>
-                </a:solidFill>
-              </a:rPr>
-              <a:pPr fontAlgn="base">
-                <a:spcBef>
-                  <a:spcPct val="0"/>
-                </a:spcBef>
-                <a:spcAft>
-                  <a:spcPct val="0"/>
-                </a:spcAft>
-              </a:pPr>
-              <a:t>23</a:t>
-            </a:fld>
-            <a:r>
-              <a:rPr lang="en-US" altLang="en-US" dirty="0">
-                <a:solidFill>
-                  <a:srgbClr val="898989"/>
-                </a:solidFill>
-              </a:rPr>
-              <a:t> of 24</a:t>
-            </a:r>
-          </a:p>
-        </p:txBody>
-      </p:sp>
-      <p:sp>
-        <p:nvSpPr>
-          <p:cNvPr id="6" name="TextBox 5">
-            <a:extLst>
-              <a:ext uri="{FF2B5EF4-FFF2-40B4-BE49-F238E27FC236}">
-                <a16:creationId xmlns:a16="http://schemas.microsoft.com/office/drawing/2014/main" id="{4D106B4E-C80E-5AF4-3BF5-61AE27DE382C}"/>
-              </a:ext>
-            </a:extLst>
-          </p:cNvPr>
-          <p:cNvSpPr txBox="1"/>
-          <p:nvPr/>
-        </p:nvSpPr>
-        <p:spPr>
-          <a:xfrm>
-            <a:off x="762000" y="762278"/>
-            <a:ext cx="4572000" cy="369332"/>
+            <a:off x="179832" y="716644"/>
+            <a:ext cx="8964168" cy="6141355"/>
           </a:xfrm>
           <a:prstGeom prst="rect">
             <a:avLst/>
           </a:prstGeom>
-          <a:noFill/>
         </p:spPr>
-        <p:txBody>
-          <a:bodyPr wrap="square">
-            <a:spAutoFit/>
-          </a:bodyPr>
-          <a:lstStyle/>
-          <a:p>
-            <a:fld id="{BFA22BDA-A4D6-4347-A697-4C2AFBD80B78}" type="slidenum">
-              <a:rPr lang="en-US" altLang="en-US" smtClean="0">
-                <a:solidFill>
-                  <a:schemeClr val="bg1"/>
-                </a:solidFill>
-              </a:rPr>
-              <a:pPr/>
-              <a:t>23</a:t>
-            </a:fld>
-            <a:endParaRPr lang="en-IN" dirty="0"/>
-          </a:p>
-        </p:txBody>
-      </p:sp>
+      </p:pic>
     </p:spTree>
+    <p:extLst>
+      <p:ext uri="{BB962C8B-B14F-4D97-AF65-F5344CB8AC3E}">
+        <p14:creationId xmlns:p14="http://schemas.microsoft.com/office/powerpoint/2010/main" val="4059415053"/>
+      </p:ext>
+    </p:extLst>
   </p:cSld>
   <p:clrMapOvr>
     <a:masterClrMapping/>
@@ -24308,10 +22986,10 @@
       </p:grpSpPr>
       <p:sp>
         <p:nvSpPr>
-          <p:cNvPr id="30723" name="Content Placeholder 2">
+          <p:cNvPr id="2" name="Title 1">
             <a:extLst>
               <a:ext uri="{FF2B5EF4-FFF2-40B4-BE49-F238E27FC236}">
-                <a16:creationId xmlns:a16="http://schemas.microsoft.com/office/drawing/2014/main" id="{BF7FF8C9-6133-1F94-6905-2E254CB473B2}"/>
+                <a16:creationId xmlns:a16="http://schemas.microsoft.com/office/drawing/2014/main" id="{D89DFC56-1FC4-4BD4-29AE-B05B2912EDF9}"/>
               </a:ext>
             </a:extLst>
           </p:cNvPr>
@@ -24319,43 +22997,100 @@
             <a:spLocks noGrp="1"/>
           </p:cNvSpPr>
           <p:nvPr>
-            <p:ph idx="1"/>
+            <p:ph type="title"/>
           </p:nvPr>
         </p:nvSpPr>
         <p:spPr>
           <a:xfrm>
-            <a:off x="1943100" y="2133600"/>
-            <a:ext cx="6591300" cy="3778250"/>
+            <a:off x="152400" y="76200"/>
+            <a:ext cx="6589200" cy="1280890"/>
           </a:xfrm>
         </p:spPr>
         <p:txBody>
           <a:bodyPr/>
           <a:lstStyle/>
           <a:p>
-            <a:pPr algn="ctr">
-              <a:buFont typeface="Wingdings 3" panose="05040102010807070707" pitchFamily="18" charset="2"/>
-              <a:buNone/>
-            </a:pPr>
-            <a:endParaRPr lang="en-US" altLang="en-US" sz="3600" b="1" dirty="0"/>
-          </a:p>
-          <a:p>
-            <a:pPr algn="ctr">
-              <a:buFont typeface="Wingdings 3" panose="05040102010807070707" pitchFamily="18" charset="2"/>
-              <a:buNone/>
-            </a:pPr>
-            <a:r>
-              <a:rPr lang="en-US" altLang="en-US" sz="7200" b="1" dirty="0"/>
-              <a:t>THANK YOU</a:t>
-            </a:r>
+            <a:r>
+              <a:rPr lang="en-US" b="1" u="sng" dirty="0"/>
+              <a:t>Code in andrew.py:</a:t>
+            </a:r>
+            <a:endParaRPr lang="en-IN" dirty="0"/>
           </a:p>
         </p:txBody>
       </p:sp>
+      <p:pic>
+        <p:nvPicPr>
+          <p:cNvPr id="4" name="Picture 3" descr="Screenshot 2023-06-06 011535">
+            <a:extLst>
+              <a:ext uri="{FF2B5EF4-FFF2-40B4-BE49-F238E27FC236}">
+                <a16:creationId xmlns:a16="http://schemas.microsoft.com/office/drawing/2014/main" id="{721F657F-FF94-4C51-2223-6FCDDC48A1DD}"/>
+              </a:ext>
+            </a:extLst>
+          </p:cNvPr>
+          <p:cNvPicPr>
+            <a:picLocks noGrp="1" noChangeAspect="1"/>
+          </p:cNvPicPr>
+          <p:nvPr isPhoto="1"/>
+        </p:nvPicPr>
+        <p:blipFill>
+          <a:blip r:embed="rId2">
+            <a:lum/>
+            <a:extLst>
+              <a:ext uri="{28A0092B-C50C-407E-A947-70E740481C1C}">
+                <a14:useLocalDpi xmlns:a14="http://schemas.microsoft.com/office/drawing/2010/main" val="0"/>
+              </a:ext>
+            </a:extLst>
+          </a:blip>
+          <a:stretch>
+            <a:fillRect/>
+          </a:stretch>
+        </p:blipFill>
+        <p:spPr>
+          <a:xfrm>
+            <a:off x="152400" y="716644"/>
+            <a:ext cx="8991600" cy="6141355"/>
+          </a:xfrm>
+          <a:prstGeom prst="rect">
+            <a:avLst/>
+          </a:prstGeom>
+        </p:spPr>
+      </p:pic>
+    </p:spTree>
+    <p:extLst>
+      <p:ext uri="{BB962C8B-B14F-4D97-AF65-F5344CB8AC3E}">
+        <p14:creationId xmlns:p14="http://schemas.microsoft.com/office/powerpoint/2010/main" val="1156131839"/>
+      </p:ext>
+    </p:extLst>
+  </p:cSld>
+  <p:clrMapOvr>
+    <a:masterClrMapping/>
+  </p:clrMapOvr>
+</p:sld>
+</file>
+
+<file path=ppt/slides/slide25.xml><?xml version="1.0" encoding="utf-8"?>
+<p:sld xmlns:a="http://schemas.openxmlformats.org/drawingml/2006/main" xmlns:r="http://schemas.openxmlformats.org/officeDocument/2006/relationships" xmlns:p="http://schemas.openxmlformats.org/presentationml/2006/main">
+  <p:cSld>
+    <p:spTree>
+      <p:nvGrpSpPr>
+        <p:cNvPr id="1" name=""/>
+        <p:cNvGrpSpPr/>
+        <p:nvPr/>
+      </p:nvGrpSpPr>
+      <p:grpSpPr>
+        <a:xfrm>
+          <a:off x="0" y="0"/>
+          <a:ext cx="0" cy="0"/>
+          <a:chOff x="0" y="0"/>
+          <a:chExt cx="0" cy="0"/>
+        </a:xfrm>
+      </p:grpSpPr>
       <p:sp>
         <p:nvSpPr>
-          <p:cNvPr id="4" name="Date Placeholder 3">
+          <p:cNvPr id="2" name="Title 1">
             <a:extLst>
               <a:ext uri="{FF2B5EF4-FFF2-40B4-BE49-F238E27FC236}">
-                <a16:creationId xmlns:a16="http://schemas.microsoft.com/office/drawing/2014/main" id="{FCCA8155-0894-F88C-DB40-9E9D018D5D88}"/>
+                <a16:creationId xmlns:a16="http://schemas.microsoft.com/office/drawing/2014/main" id="{17943294-DDC6-FBB3-1B72-1A99BFE07450}"/>
               </a:ext>
             </a:extLst>
           </p:cNvPr>
@@ -24363,30 +23098,100 @@
             <a:spLocks noGrp="1"/>
           </p:cNvSpPr>
           <p:nvPr>
-            <p:ph type="dt" sz="quarter" idx="10"/>
+            <p:ph type="title"/>
           </p:nvPr>
         </p:nvSpPr>
-        <p:spPr/>
+        <p:spPr>
+          <a:xfrm>
+            <a:off x="152400" y="0"/>
+            <a:ext cx="6589200" cy="1280890"/>
+          </a:xfrm>
+        </p:spPr>
         <p:txBody>
           <a:bodyPr/>
           <a:lstStyle/>
           <a:p>
-            <a:pPr>
-              <a:defRPr/>
-            </a:pPr>
-            <a:r>
-              <a:rPr lang="en-US" altLang="en-US" dirty="0"/>
-              <a:t>6/6/2023</a:t>
-            </a:r>
+            <a:r>
+              <a:rPr lang="en-US" b="1" u="sng" dirty="0"/>
+              <a:t>Code in andrew.py:</a:t>
+            </a:r>
+            <a:endParaRPr lang="en-IN" dirty="0"/>
           </a:p>
         </p:txBody>
       </p:sp>
+      <p:pic>
+        <p:nvPicPr>
+          <p:cNvPr id="4" name="Picture 3" descr="Screenshot 2023-06-06 011614">
+            <a:extLst>
+              <a:ext uri="{FF2B5EF4-FFF2-40B4-BE49-F238E27FC236}">
+                <a16:creationId xmlns:a16="http://schemas.microsoft.com/office/drawing/2014/main" id="{EB79082C-B289-91FC-A240-AFE84F44105A}"/>
+              </a:ext>
+            </a:extLst>
+          </p:cNvPr>
+          <p:cNvPicPr>
+            <a:picLocks noGrp="1" noChangeAspect="1"/>
+          </p:cNvPicPr>
+          <p:nvPr isPhoto="1"/>
+        </p:nvPicPr>
+        <p:blipFill>
+          <a:blip r:embed="rId2">
+            <a:lum/>
+            <a:extLst>
+              <a:ext uri="{28A0092B-C50C-407E-A947-70E740481C1C}">
+                <a14:useLocalDpi xmlns:a14="http://schemas.microsoft.com/office/drawing/2010/main" val="0"/>
+              </a:ext>
+            </a:extLst>
+          </a:blip>
+          <a:stretch>
+            <a:fillRect/>
+          </a:stretch>
+        </p:blipFill>
+        <p:spPr>
+          <a:xfrm>
+            <a:off x="152400" y="685800"/>
+            <a:ext cx="8991600" cy="6172200"/>
+          </a:xfrm>
+          <a:prstGeom prst="rect">
+            <a:avLst/>
+          </a:prstGeom>
+        </p:spPr>
+      </p:pic>
+    </p:spTree>
+    <p:extLst>
+      <p:ext uri="{BB962C8B-B14F-4D97-AF65-F5344CB8AC3E}">
+        <p14:creationId xmlns:p14="http://schemas.microsoft.com/office/powerpoint/2010/main" val="4202178882"/>
+      </p:ext>
+    </p:extLst>
+  </p:cSld>
+  <p:clrMapOvr>
+    <a:masterClrMapping/>
+  </p:clrMapOvr>
+</p:sld>
+</file>
+
+<file path=ppt/slides/slide26.xml><?xml version="1.0" encoding="utf-8"?>
+<p:sld xmlns:a="http://schemas.openxmlformats.org/drawingml/2006/main" xmlns:r="http://schemas.openxmlformats.org/officeDocument/2006/relationships" xmlns:p="http://schemas.openxmlformats.org/presentationml/2006/main">
+  <p:cSld>
+    <p:spTree>
+      <p:nvGrpSpPr>
+        <p:cNvPr id="1" name=""/>
+        <p:cNvGrpSpPr/>
+        <p:nvPr/>
+      </p:nvGrpSpPr>
+      <p:grpSpPr>
+        <a:xfrm>
+          <a:off x="0" y="0"/>
+          <a:ext cx="0" cy="0"/>
+          <a:chOff x="0" y="0"/>
+          <a:chExt cx="0" cy="0"/>
+        </a:xfrm>
+      </p:grpSpPr>
       <p:sp>
         <p:nvSpPr>
-          <p:cNvPr id="5" name="Footer Placeholder 4">
+          <p:cNvPr id="2" name="Title 1">
             <a:extLst>
               <a:ext uri="{FF2B5EF4-FFF2-40B4-BE49-F238E27FC236}">
-                <a16:creationId xmlns:a16="http://schemas.microsoft.com/office/drawing/2014/main" id="{04BD95DB-AB65-9F03-23DC-57EB2F8B2D93}"/>
+                <a16:creationId xmlns:a16="http://schemas.microsoft.com/office/drawing/2014/main" id="{53857C06-DEF0-487C-D3E5-17CCC8F2B3A6}"/>
               </a:ext>
             </a:extLst>
           </p:cNvPr>
@@ -24394,30 +23199,100 @@
             <a:spLocks noGrp="1"/>
           </p:cNvSpPr>
           <p:nvPr>
-            <p:ph type="ftr" sz="quarter" idx="11"/>
+            <p:ph type="title"/>
           </p:nvPr>
         </p:nvSpPr>
-        <p:spPr/>
+        <p:spPr>
+          <a:xfrm>
+            <a:off x="152400" y="76200"/>
+            <a:ext cx="6589200" cy="1280890"/>
+          </a:xfrm>
+        </p:spPr>
         <p:txBody>
           <a:bodyPr/>
           <a:lstStyle/>
           <a:p>
-            <a:pPr>
-              <a:defRPr/>
-            </a:pPr>
-            <a:r>
-              <a:rPr lang="en-US" altLang="en-US"/>
-              <a:t>Dept of CSE., SOE-Dayananda Sagar University</a:t>
-            </a:r>
+            <a:r>
+              <a:rPr lang="en-US" b="1" u="sng" dirty="0"/>
+              <a:t>Code in andrew.py:</a:t>
+            </a:r>
+            <a:endParaRPr lang="en-IN" dirty="0"/>
           </a:p>
         </p:txBody>
       </p:sp>
+      <p:pic>
+        <p:nvPicPr>
+          <p:cNvPr id="4" name="Picture 3" descr="Screenshot 2023-06-06 011645">
+            <a:extLst>
+              <a:ext uri="{FF2B5EF4-FFF2-40B4-BE49-F238E27FC236}">
+                <a16:creationId xmlns:a16="http://schemas.microsoft.com/office/drawing/2014/main" id="{0C46EADD-E238-CB99-5399-97A2105BEA4B}"/>
+              </a:ext>
+            </a:extLst>
+          </p:cNvPr>
+          <p:cNvPicPr>
+            <a:picLocks noGrp="1" noChangeAspect="1"/>
+          </p:cNvPicPr>
+          <p:nvPr isPhoto="1"/>
+        </p:nvPicPr>
+        <p:blipFill>
+          <a:blip r:embed="rId2">
+            <a:lum/>
+            <a:extLst>
+              <a:ext uri="{28A0092B-C50C-407E-A947-70E740481C1C}">
+                <a14:useLocalDpi xmlns:a14="http://schemas.microsoft.com/office/drawing/2010/main" val="0"/>
+              </a:ext>
+            </a:extLst>
+          </a:blip>
+          <a:stretch>
+            <a:fillRect/>
+          </a:stretch>
+        </p:blipFill>
+        <p:spPr>
+          <a:xfrm>
+            <a:off x="152400" y="716645"/>
+            <a:ext cx="8991600" cy="6141356"/>
+          </a:xfrm>
+          <a:prstGeom prst="rect">
+            <a:avLst/>
+          </a:prstGeom>
+        </p:spPr>
+      </p:pic>
+    </p:spTree>
+    <p:extLst>
+      <p:ext uri="{BB962C8B-B14F-4D97-AF65-F5344CB8AC3E}">
+        <p14:creationId xmlns:p14="http://schemas.microsoft.com/office/powerpoint/2010/main" val="2882080158"/>
+      </p:ext>
+    </p:extLst>
+  </p:cSld>
+  <p:clrMapOvr>
+    <a:masterClrMapping/>
+  </p:clrMapOvr>
+</p:sld>
+</file>
+
+<file path=ppt/slides/slide27.xml><?xml version="1.0" encoding="utf-8"?>
+<p:sld xmlns:a="http://schemas.openxmlformats.org/drawingml/2006/main" xmlns:r="http://schemas.openxmlformats.org/officeDocument/2006/relationships" xmlns:p="http://schemas.openxmlformats.org/presentationml/2006/main">
+  <p:cSld>
+    <p:spTree>
+      <p:nvGrpSpPr>
+        <p:cNvPr id="1" name=""/>
+        <p:cNvGrpSpPr/>
+        <p:nvPr/>
+      </p:nvGrpSpPr>
+      <p:grpSpPr>
+        <a:xfrm>
+          <a:off x="0" y="0"/>
+          <a:ext cx="0" cy="0"/>
+          <a:chOff x="0" y="0"/>
+          <a:chExt cx="0" cy="0"/>
+        </a:xfrm>
+      </p:grpSpPr>
       <p:sp>
         <p:nvSpPr>
-          <p:cNvPr id="6" name="Slide Number Placeholder 5">
+          <p:cNvPr id="2" name="Title 1">
             <a:extLst>
               <a:ext uri="{FF2B5EF4-FFF2-40B4-BE49-F238E27FC236}">
-                <a16:creationId xmlns:a16="http://schemas.microsoft.com/office/drawing/2014/main" id="{7A60A4BA-779E-A953-E853-E46F98171ACE}"/>
+                <a16:creationId xmlns:a16="http://schemas.microsoft.com/office/drawing/2014/main" id="{267D525C-5BD0-7F3B-1F68-EFCD705CBD5B}"/>
               </a:ext>
             </a:extLst>
           </p:cNvPr>
@@ -24425,72 +23300,272 @@
             <a:spLocks noGrp="1"/>
           </p:cNvSpPr>
           <p:nvPr>
-            <p:ph type="sldNum" sz="quarter" idx="12"/>
+            <p:ph type="title"/>
           </p:nvPr>
         </p:nvSpPr>
-        <p:spPr/>
+        <p:spPr>
+          <a:xfrm>
+            <a:off x="152400" y="0"/>
+            <a:ext cx="6589200" cy="1280890"/>
+          </a:xfrm>
+        </p:spPr>
         <p:txBody>
           <a:bodyPr/>
           <a:lstStyle/>
           <a:p>
-            <a:pPr>
-              <a:defRPr/>
-            </a:pPr>
-            <a:r>
-              <a:rPr lang="en-US" dirty="0"/>
-              <a:t>24  of 24</a:t>
-            </a:r>
-          </a:p>
-          <a:p>
-            <a:pPr>
-              <a:defRPr/>
-            </a:pPr>
-            <a:endParaRPr lang="en-US" altLang="en-US" dirty="0"/>
+            <a:r>
+              <a:rPr lang="en-US" b="1" u="sng" dirty="0"/>
+              <a:t>Code in andrew.py:</a:t>
+            </a:r>
+            <a:endParaRPr lang="en-IN" dirty="0"/>
           </a:p>
         </p:txBody>
       </p:sp>
-      <p:sp>
-        <p:nvSpPr>
-          <p:cNvPr id="3" name="TextBox 2">
+      <p:pic>
+        <p:nvPicPr>
+          <p:cNvPr id="4" name="Picture 3" descr="Screenshot 2023-06-06 011701">
             <a:extLst>
               <a:ext uri="{FF2B5EF4-FFF2-40B4-BE49-F238E27FC236}">
-                <a16:creationId xmlns:a16="http://schemas.microsoft.com/office/drawing/2014/main" id="{E097DDDC-D970-4F1D-2E87-1D73C30F3031}"/>
+                <a16:creationId xmlns:a16="http://schemas.microsoft.com/office/drawing/2014/main" id="{76A25EBB-292A-0792-2088-D41A903BA1BD}"/>
               </a:ext>
             </a:extLst>
           </p:cNvPr>
-          <p:cNvSpPr txBox="1"/>
-          <p:nvPr/>
-        </p:nvSpPr>
+          <p:cNvPicPr>
+            <a:picLocks noGrp="1" noChangeAspect="1"/>
+          </p:cNvPicPr>
+          <p:nvPr isPhoto="1"/>
+        </p:nvPicPr>
+        <p:blipFill>
+          <a:blip r:embed="rId2">
+            <a:lum/>
+            <a:extLst>
+              <a:ext uri="{28A0092B-C50C-407E-A947-70E740481C1C}">
+                <a14:useLocalDpi xmlns:a14="http://schemas.microsoft.com/office/drawing/2010/main" val="0"/>
+              </a:ext>
+            </a:extLst>
+          </a:blip>
+          <a:stretch>
+            <a:fillRect/>
+          </a:stretch>
+        </p:blipFill>
         <p:spPr>
           <a:xfrm>
-            <a:off x="752856" y="761484"/>
-            <a:ext cx="4572000" cy="369332"/>
+            <a:off x="152400" y="667876"/>
+            <a:ext cx="8991600" cy="6190123"/>
           </a:xfrm>
           <a:prstGeom prst="rect">
             <a:avLst/>
           </a:prstGeom>
-          <a:noFill/>
+        </p:spPr>
+      </p:pic>
+    </p:spTree>
+    <p:extLst>
+      <p:ext uri="{BB962C8B-B14F-4D97-AF65-F5344CB8AC3E}">
+        <p14:creationId xmlns:p14="http://schemas.microsoft.com/office/powerpoint/2010/main" val="2371137119"/>
+      </p:ext>
+    </p:extLst>
+  </p:cSld>
+  <p:clrMapOvr>
+    <a:masterClrMapping/>
+  </p:clrMapOvr>
+</p:sld>
+</file>
+
+<file path=ppt/slides/slide28.xml><?xml version="1.0" encoding="utf-8"?>
+<p:sld xmlns:a="http://schemas.openxmlformats.org/drawingml/2006/main" xmlns:r="http://schemas.openxmlformats.org/officeDocument/2006/relationships" xmlns:p="http://schemas.openxmlformats.org/presentationml/2006/main">
+  <p:cSld>
+    <p:spTree>
+      <p:nvGrpSpPr>
+        <p:cNvPr id="1" name=""/>
+        <p:cNvGrpSpPr/>
+        <p:nvPr/>
+      </p:nvGrpSpPr>
+      <p:grpSpPr>
+        <a:xfrm>
+          <a:off x="0" y="0"/>
+          <a:ext cx="0" cy="0"/>
+          <a:chOff x="0" y="0"/>
+          <a:chExt cx="0" cy="0"/>
+        </a:xfrm>
+      </p:grpSpPr>
+      <p:sp>
+        <p:nvSpPr>
+          <p:cNvPr id="2" name="Title 1">
+            <a:extLst>
+              <a:ext uri="{FF2B5EF4-FFF2-40B4-BE49-F238E27FC236}">
+                <a16:creationId xmlns:a16="http://schemas.microsoft.com/office/drawing/2014/main" id="{A40AFCB1-A92B-3A46-4140-1A9F7574C957}"/>
+              </a:ext>
+            </a:extLst>
+          </p:cNvPr>
+          <p:cNvSpPr>
+            <a:spLocks noGrp="1"/>
+          </p:cNvSpPr>
+          <p:nvPr>
+            <p:ph type="title"/>
+          </p:nvPr>
+        </p:nvSpPr>
+        <p:spPr>
+          <a:xfrm>
+            <a:off x="152400" y="-34258"/>
+            <a:ext cx="6589200" cy="1280890"/>
+          </a:xfrm>
         </p:spPr>
         <p:txBody>
-          <a:bodyPr wrap="square">
-            <a:spAutoFit/>
-          </a:bodyPr>
+          <a:bodyPr/>
           <a:lstStyle/>
           <a:p>
-            <a:fld id="{BFA22BDA-A4D6-4347-A697-4C2AFBD80B78}" type="slidenum">
-              <a:rPr lang="en-US" altLang="en-US" smtClean="0">
-                <a:solidFill>
-                  <a:schemeClr val="bg1"/>
-                </a:solidFill>
-              </a:rPr>
-              <a:pPr/>
-              <a:t>24</a:t>
-            </a:fld>
+            <a:r>
+              <a:rPr lang="en-US" b="1" u="sng" dirty="0"/>
+              <a:t>Code in andrew.py:</a:t>
+            </a:r>
             <a:endParaRPr lang="en-IN" dirty="0"/>
           </a:p>
         </p:txBody>
       </p:sp>
+      <p:pic>
+        <p:nvPicPr>
+          <p:cNvPr id="4" name="Picture 3" descr="Screenshot 2023-06-06 011712">
+            <a:extLst>
+              <a:ext uri="{FF2B5EF4-FFF2-40B4-BE49-F238E27FC236}">
+                <a16:creationId xmlns:a16="http://schemas.microsoft.com/office/drawing/2014/main" id="{3EC0E509-8DC8-6293-4E49-49DB9033C31C}"/>
+              </a:ext>
+            </a:extLst>
+          </p:cNvPr>
+          <p:cNvPicPr>
+            <a:picLocks noGrp="1" noChangeAspect="1"/>
+          </p:cNvPicPr>
+          <p:nvPr isPhoto="1"/>
+        </p:nvPicPr>
+        <p:blipFill>
+          <a:blip r:embed="rId2">
+            <a:lum/>
+            <a:extLst>
+              <a:ext uri="{28A0092B-C50C-407E-A947-70E740481C1C}">
+                <a14:useLocalDpi xmlns:a14="http://schemas.microsoft.com/office/drawing/2010/main" val="0"/>
+              </a:ext>
+            </a:extLst>
+          </a:blip>
+          <a:stretch>
+            <a:fillRect/>
+          </a:stretch>
+        </p:blipFill>
+        <p:spPr>
+          <a:xfrm>
+            <a:off x="152400" y="633618"/>
+            <a:ext cx="8991600" cy="6224381"/>
+          </a:xfrm>
+          <a:prstGeom prst="rect">
+            <a:avLst/>
+          </a:prstGeom>
+        </p:spPr>
+      </p:pic>
     </p:spTree>
+    <p:extLst>
+      <p:ext uri="{BB962C8B-B14F-4D97-AF65-F5344CB8AC3E}">
+        <p14:creationId xmlns:p14="http://schemas.microsoft.com/office/powerpoint/2010/main" val="2035838598"/>
+      </p:ext>
+    </p:extLst>
+  </p:cSld>
+  <p:clrMapOvr>
+    <a:masterClrMapping/>
+  </p:clrMapOvr>
+</p:sld>
+</file>
+
+<file path=ppt/slides/slide29.xml><?xml version="1.0" encoding="utf-8"?>
+<p:sld xmlns:a="http://schemas.openxmlformats.org/drawingml/2006/main" xmlns:r="http://schemas.openxmlformats.org/officeDocument/2006/relationships" xmlns:p="http://schemas.openxmlformats.org/presentationml/2006/main">
+  <p:cSld>
+    <p:spTree>
+      <p:nvGrpSpPr>
+        <p:cNvPr id="1" name=""/>
+        <p:cNvGrpSpPr/>
+        <p:nvPr/>
+      </p:nvGrpSpPr>
+      <p:grpSpPr>
+        <a:xfrm>
+          <a:off x="0" y="0"/>
+          <a:ext cx="0" cy="0"/>
+          <a:chOff x="0" y="0"/>
+          <a:chExt cx="0" cy="0"/>
+        </a:xfrm>
+      </p:grpSpPr>
+      <p:sp>
+        <p:nvSpPr>
+          <p:cNvPr id="2" name="Title 1">
+            <a:extLst>
+              <a:ext uri="{FF2B5EF4-FFF2-40B4-BE49-F238E27FC236}">
+                <a16:creationId xmlns:a16="http://schemas.microsoft.com/office/drawing/2014/main" id="{98CBD96E-4218-8F3B-6598-370C76EC55D7}"/>
+              </a:ext>
+            </a:extLst>
+          </p:cNvPr>
+          <p:cNvSpPr>
+            <a:spLocks noGrp="1"/>
+          </p:cNvSpPr>
+          <p:nvPr>
+            <p:ph type="title"/>
+          </p:nvPr>
+        </p:nvSpPr>
+        <p:spPr>
+          <a:xfrm>
+            <a:off x="152400" y="76200"/>
+            <a:ext cx="6589200" cy="1280890"/>
+          </a:xfrm>
+        </p:spPr>
+        <p:txBody>
+          <a:bodyPr/>
+          <a:lstStyle/>
+          <a:p>
+            <a:r>
+              <a:rPr lang="en-US" b="1" u="sng" dirty="0"/>
+              <a:t>Code in commands.json:</a:t>
+            </a:r>
+            <a:endParaRPr lang="en-IN" dirty="0"/>
+          </a:p>
+        </p:txBody>
+      </p:sp>
+      <p:pic>
+        <p:nvPicPr>
+          <p:cNvPr id="4" name="Picture 3" descr="Screenshot 2023-06-06 012005">
+            <a:extLst>
+              <a:ext uri="{FF2B5EF4-FFF2-40B4-BE49-F238E27FC236}">
+                <a16:creationId xmlns:a16="http://schemas.microsoft.com/office/drawing/2014/main" id="{D82A5027-C686-E5C0-E145-AED36F48E234}"/>
+              </a:ext>
+            </a:extLst>
+          </p:cNvPr>
+          <p:cNvPicPr>
+            <a:picLocks noGrp="1" noChangeAspect="1"/>
+          </p:cNvPicPr>
+          <p:nvPr isPhoto="1"/>
+        </p:nvPicPr>
+        <p:blipFill>
+          <a:blip r:embed="rId2">
+            <a:lum/>
+            <a:extLst>
+              <a:ext uri="{28A0092B-C50C-407E-A947-70E740481C1C}">
+                <a14:useLocalDpi xmlns:a14="http://schemas.microsoft.com/office/drawing/2010/main" val="0"/>
+              </a:ext>
+            </a:extLst>
+          </a:blip>
+          <a:stretch>
+            <a:fillRect/>
+          </a:stretch>
+        </p:blipFill>
+        <p:spPr>
+          <a:xfrm>
+            <a:off x="179330" y="728836"/>
+            <a:ext cx="8964670" cy="6129163"/>
+          </a:xfrm>
+          <a:prstGeom prst="rect">
+            <a:avLst/>
+          </a:prstGeom>
+        </p:spPr>
+      </p:pic>
+    </p:spTree>
+    <p:extLst>
+      <p:ext uri="{BB962C8B-B14F-4D97-AF65-F5344CB8AC3E}">
+        <p14:creationId xmlns:p14="http://schemas.microsoft.com/office/powerpoint/2010/main" val="1540248409"/>
+      </p:ext>
+    </p:extLst>
   </p:cSld>
   <p:clrMapOvr>
     <a:masterClrMapping/>
@@ -24618,159 +23693,6 @@
       </p:sp>
       <p:sp>
         <p:nvSpPr>
-          <p:cNvPr id="2" name="Slide Number Placeholder 1">
-            <a:extLst>
-              <a:ext uri="{FF2B5EF4-FFF2-40B4-BE49-F238E27FC236}">
-                <a16:creationId xmlns:a16="http://schemas.microsoft.com/office/drawing/2014/main" id="{9E59C41F-8A8F-234E-1B26-A1FC9B711B75}"/>
-              </a:ext>
-            </a:extLst>
-          </p:cNvPr>
-          <p:cNvSpPr>
-            <a:spLocks noGrp="1"/>
-          </p:cNvSpPr>
-          <p:nvPr>
-            <p:ph type="sldNum" sz="quarter" idx="12"/>
-          </p:nvPr>
-        </p:nvSpPr>
-        <p:spPr/>
-        <p:txBody>
-          <a:bodyPr/>
-          <a:lstStyle>
-            <a:lvl1pPr>
-              <a:defRPr>
-                <a:solidFill>
-                  <a:schemeClr val="tx1"/>
-                </a:solidFill>
-                <a:latin typeface="Century Gothic" panose="020B0502020202020204" pitchFamily="34" charset="0"/>
-              </a:defRPr>
-            </a:lvl1pPr>
-            <a:lvl2pPr marL="742950" indent="-285750">
-              <a:defRPr>
-                <a:solidFill>
-                  <a:schemeClr val="tx1"/>
-                </a:solidFill>
-                <a:latin typeface="Century Gothic" panose="020B0502020202020204" pitchFamily="34" charset="0"/>
-              </a:defRPr>
-            </a:lvl2pPr>
-            <a:lvl3pPr marL="1143000" indent="-228600">
-              <a:defRPr>
-                <a:solidFill>
-                  <a:schemeClr val="tx1"/>
-                </a:solidFill>
-                <a:latin typeface="Century Gothic" panose="020B0502020202020204" pitchFamily="34" charset="0"/>
-              </a:defRPr>
-            </a:lvl3pPr>
-            <a:lvl4pPr marL="1600200" indent="-228600">
-              <a:defRPr>
-                <a:solidFill>
-                  <a:schemeClr val="tx1"/>
-                </a:solidFill>
-                <a:latin typeface="Century Gothic" panose="020B0502020202020204" pitchFamily="34" charset="0"/>
-              </a:defRPr>
-            </a:lvl4pPr>
-            <a:lvl5pPr marL="2057400" indent="-228600">
-              <a:defRPr>
-                <a:solidFill>
-                  <a:schemeClr val="tx1"/>
-                </a:solidFill>
-                <a:latin typeface="Century Gothic" panose="020B0502020202020204" pitchFamily="34" charset="0"/>
-              </a:defRPr>
-            </a:lvl5pPr>
-            <a:lvl6pPr marL="2514600" indent="-228600" defTabSz="457200" eaLnBrk="0" fontAlgn="base" hangingPunct="0">
-              <a:spcBef>
-                <a:spcPct val="0"/>
-              </a:spcBef>
-              <a:spcAft>
-                <a:spcPct val="0"/>
-              </a:spcAft>
-              <a:defRPr>
-                <a:solidFill>
-                  <a:schemeClr val="tx1"/>
-                </a:solidFill>
-                <a:latin typeface="Century Gothic" panose="020B0502020202020204" pitchFamily="34" charset="0"/>
-              </a:defRPr>
-            </a:lvl6pPr>
-            <a:lvl7pPr marL="2971800" indent="-228600" defTabSz="457200" eaLnBrk="0" fontAlgn="base" hangingPunct="0">
-              <a:spcBef>
-                <a:spcPct val="0"/>
-              </a:spcBef>
-              <a:spcAft>
-                <a:spcPct val="0"/>
-              </a:spcAft>
-              <a:defRPr>
-                <a:solidFill>
-                  <a:schemeClr val="tx1"/>
-                </a:solidFill>
-                <a:latin typeface="Century Gothic" panose="020B0502020202020204" pitchFamily="34" charset="0"/>
-              </a:defRPr>
-            </a:lvl7pPr>
-            <a:lvl8pPr marL="3429000" indent="-228600" defTabSz="457200" eaLnBrk="0" fontAlgn="base" hangingPunct="0">
-              <a:spcBef>
-                <a:spcPct val="0"/>
-              </a:spcBef>
-              <a:spcAft>
-                <a:spcPct val="0"/>
-              </a:spcAft>
-              <a:defRPr>
-                <a:solidFill>
-                  <a:schemeClr val="tx1"/>
-                </a:solidFill>
-                <a:latin typeface="Century Gothic" panose="020B0502020202020204" pitchFamily="34" charset="0"/>
-              </a:defRPr>
-            </a:lvl8pPr>
-            <a:lvl9pPr marL="3886200" indent="-228600" defTabSz="457200" eaLnBrk="0" fontAlgn="base" hangingPunct="0">
-              <a:spcBef>
-                <a:spcPct val="0"/>
-              </a:spcBef>
-              <a:spcAft>
-                <a:spcPct val="0"/>
-              </a:spcAft>
-              <a:defRPr>
-                <a:solidFill>
-                  <a:schemeClr val="tx1"/>
-                </a:solidFill>
-                <a:latin typeface="Century Gothic" panose="020B0502020202020204" pitchFamily="34" charset="0"/>
-              </a:defRPr>
-            </a:lvl9pPr>
-          </a:lstStyle>
-          <a:p>
-            <a:pPr fontAlgn="base">
-              <a:spcBef>
-                <a:spcPct val="0"/>
-              </a:spcBef>
-              <a:spcAft>
-                <a:spcPct val="0"/>
-              </a:spcAft>
-            </a:pPr>
-            <a:fld id="{9667DED7-9B2E-4D9C-B77E-52DA17075774}" type="slidenum">
-              <a:rPr lang="en-US" altLang="en-US" smtClean="0">
-                <a:solidFill>
-                  <a:srgbClr val="898989"/>
-                </a:solidFill>
-              </a:rPr>
-              <a:pPr fontAlgn="base">
-                <a:spcBef>
-                  <a:spcPct val="0"/>
-                </a:spcBef>
-                <a:spcAft>
-                  <a:spcPct val="0"/>
-                </a:spcAft>
-              </a:pPr>
-              <a:t>3</a:t>
-            </a:fld>
-            <a:r>
-              <a:rPr lang="en-US" altLang="en-US" dirty="0">
-                <a:solidFill>
-                  <a:srgbClr val="898989"/>
-                </a:solidFill>
-              </a:rPr>
-              <a:t> of 24</a:t>
-            </a:r>
-          </a:p>
-        </p:txBody>
-      </p:sp>
-      <p:sp>
-        <p:nvSpPr>
           <p:cNvPr id="7" name="Date Placeholder 1">
             <a:extLst>
               <a:ext uri="{FF2B5EF4-FFF2-40B4-BE49-F238E27FC236}">
@@ -24885,6 +23807,1924 @@
               </a:rPr>
               <a:pPr/>
               <a:t>3</a:t>
+            </a:fld>
+            <a:endParaRPr lang="en-IN" dirty="0"/>
+          </a:p>
+        </p:txBody>
+      </p:sp>
+    </p:spTree>
+  </p:cSld>
+  <p:clrMapOvr>
+    <a:masterClrMapping/>
+  </p:clrMapOvr>
+</p:sld>
+</file>
+
+<file path=ppt/slides/slide30.xml><?xml version="1.0" encoding="utf-8"?>
+<p:sld xmlns:a="http://schemas.openxmlformats.org/drawingml/2006/main" xmlns:r="http://schemas.openxmlformats.org/officeDocument/2006/relationships" xmlns:p="http://schemas.openxmlformats.org/presentationml/2006/main">
+  <p:cSld>
+    <p:spTree>
+      <p:nvGrpSpPr>
+        <p:cNvPr id="1" name=""/>
+        <p:cNvGrpSpPr/>
+        <p:nvPr/>
+      </p:nvGrpSpPr>
+      <p:grpSpPr>
+        <a:xfrm>
+          <a:off x="0" y="0"/>
+          <a:ext cx="0" cy="0"/>
+          <a:chOff x="0" y="0"/>
+          <a:chExt cx="0" cy="0"/>
+        </a:xfrm>
+      </p:grpSpPr>
+      <p:sp>
+        <p:nvSpPr>
+          <p:cNvPr id="2" name="Title 1">
+            <a:extLst>
+              <a:ext uri="{FF2B5EF4-FFF2-40B4-BE49-F238E27FC236}">
+                <a16:creationId xmlns:a16="http://schemas.microsoft.com/office/drawing/2014/main" id="{B33CBB3D-D77D-BF79-DF83-6B18CB450C17}"/>
+              </a:ext>
+            </a:extLst>
+          </p:cNvPr>
+          <p:cNvSpPr>
+            <a:spLocks noGrp="1"/>
+          </p:cNvSpPr>
+          <p:nvPr>
+            <p:ph type="title"/>
+          </p:nvPr>
+        </p:nvSpPr>
+        <p:spPr>
+          <a:xfrm>
+            <a:off x="152400" y="6096"/>
+            <a:ext cx="6589200" cy="1280890"/>
+          </a:xfrm>
+        </p:spPr>
+        <p:txBody>
+          <a:bodyPr/>
+          <a:lstStyle/>
+          <a:p>
+            <a:r>
+              <a:rPr lang="en-US" b="1" u="sng" dirty="0"/>
+              <a:t>Code in run.py:</a:t>
+            </a:r>
+            <a:endParaRPr lang="en-IN" dirty="0"/>
+          </a:p>
+        </p:txBody>
+      </p:sp>
+      <p:pic>
+        <p:nvPicPr>
+          <p:cNvPr id="4" name="Picture 3" descr="Screenshot 2023-06-06 011805">
+            <a:extLst>
+              <a:ext uri="{FF2B5EF4-FFF2-40B4-BE49-F238E27FC236}">
+                <a16:creationId xmlns:a16="http://schemas.microsoft.com/office/drawing/2014/main" id="{5A90E997-7FC8-706B-4DDF-B5CB5E57539E}"/>
+              </a:ext>
+            </a:extLst>
+          </p:cNvPr>
+          <p:cNvPicPr>
+            <a:picLocks noGrp="1" noChangeAspect="1"/>
+          </p:cNvPicPr>
+          <p:nvPr isPhoto="1"/>
+        </p:nvPicPr>
+        <p:blipFill>
+          <a:blip r:embed="rId2">
+            <a:lum/>
+            <a:extLst>
+              <a:ext uri="{28A0092B-C50C-407E-A947-70E740481C1C}">
+                <a14:useLocalDpi xmlns:a14="http://schemas.microsoft.com/office/drawing/2010/main" val="0"/>
+              </a:ext>
+            </a:extLst>
+          </a:blip>
+          <a:stretch>
+            <a:fillRect/>
+          </a:stretch>
+        </p:blipFill>
+        <p:spPr>
+          <a:xfrm>
+            <a:off x="158496" y="655685"/>
+            <a:ext cx="8985504" cy="4194126"/>
+          </a:xfrm>
+          <a:prstGeom prst="rect">
+            <a:avLst/>
+          </a:prstGeom>
+        </p:spPr>
+      </p:pic>
+      <p:pic>
+        <p:nvPicPr>
+          <p:cNvPr id="3" name="Picture 2" descr="Screenshot 2023-06-06 011815">
+            <a:extLst>
+              <a:ext uri="{FF2B5EF4-FFF2-40B4-BE49-F238E27FC236}">
+                <a16:creationId xmlns:a16="http://schemas.microsoft.com/office/drawing/2014/main" id="{96DA4950-5ACF-862F-0106-343667ECB336}"/>
+              </a:ext>
+            </a:extLst>
+          </p:cNvPr>
+          <p:cNvPicPr>
+            <a:picLocks noGrp="1" noChangeAspect="1"/>
+          </p:cNvPicPr>
+          <p:nvPr isPhoto="1"/>
+        </p:nvPicPr>
+        <p:blipFill>
+          <a:blip r:embed="rId3">
+            <a:lum/>
+            <a:extLst>
+              <a:ext uri="{28A0092B-C50C-407E-A947-70E740481C1C}">
+                <a14:useLocalDpi xmlns:a14="http://schemas.microsoft.com/office/drawing/2010/main" val="0"/>
+              </a:ext>
+            </a:extLst>
+          </a:blip>
+          <a:stretch>
+            <a:fillRect/>
+          </a:stretch>
+        </p:blipFill>
+        <p:spPr>
+          <a:xfrm>
+            <a:off x="152400" y="4849811"/>
+            <a:ext cx="8985504" cy="2008188"/>
+          </a:xfrm>
+          <a:prstGeom prst="rect">
+            <a:avLst/>
+          </a:prstGeom>
+        </p:spPr>
+      </p:pic>
+    </p:spTree>
+    <p:extLst>
+      <p:ext uri="{BB962C8B-B14F-4D97-AF65-F5344CB8AC3E}">
+        <p14:creationId xmlns:p14="http://schemas.microsoft.com/office/powerpoint/2010/main" val="1709239760"/>
+      </p:ext>
+    </p:extLst>
+  </p:cSld>
+  <p:clrMapOvr>
+    <a:masterClrMapping/>
+  </p:clrMapOvr>
+</p:sld>
+</file>
+
+<file path=ppt/slides/slide31.xml><?xml version="1.0" encoding="utf-8"?>
+<p:sld xmlns:a="http://schemas.openxmlformats.org/drawingml/2006/main" xmlns:r="http://schemas.openxmlformats.org/officeDocument/2006/relationships" xmlns:p="http://schemas.openxmlformats.org/presentationml/2006/main">
+  <p:cSld>
+    <p:spTree>
+      <p:nvGrpSpPr>
+        <p:cNvPr id="1" name=""/>
+        <p:cNvGrpSpPr/>
+        <p:nvPr/>
+      </p:nvGrpSpPr>
+      <p:grpSpPr>
+        <a:xfrm>
+          <a:off x="0" y="0"/>
+          <a:ext cx="0" cy="0"/>
+          <a:chOff x="0" y="0"/>
+          <a:chExt cx="0" cy="0"/>
+        </a:xfrm>
+      </p:grpSpPr>
+      <p:sp>
+        <p:nvSpPr>
+          <p:cNvPr id="2" name="Title 1">
+            <a:extLst>
+              <a:ext uri="{FF2B5EF4-FFF2-40B4-BE49-F238E27FC236}">
+                <a16:creationId xmlns:a16="http://schemas.microsoft.com/office/drawing/2014/main" id="{AB7082CD-4E00-26DC-35D1-83ACEF83B088}"/>
+              </a:ext>
+            </a:extLst>
+          </p:cNvPr>
+          <p:cNvSpPr>
+            <a:spLocks noGrp="1"/>
+          </p:cNvSpPr>
+          <p:nvPr>
+            <p:ph type="title"/>
+          </p:nvPr>
+        </p:nvSpPr>
+        <p:spPr>
+          <a:xfrm>
+            <a:off x="152400" y="15240"/>
+            <a:ext cx="6589200" cy="1280890"/>
+          </a:xfrm>
+        </p:spPr>
+        <p:txBody>
+          <a:bodyPr/>
+          <a:lstStyle/>
+          <a:p>
+            <a:r>
+              <a:rPr lang="en-US" b="1" u="sng" dirty="0"/>
+              <a:t>Code in index.html:</a:t>
+            </a:r>
+            <a:endParaRPr lang="en-IN" dirty="0"/>
+          </a:p>
+        </p:txBody>
+      </p:sp>
+      <p:pic>
+        <p:nvPicPr>
+          <p:cNvPr id="4" name="Picture 3" descr="Screenshot 2023-06-06 011923">
+            <a:extLst>
+              <a:ext uri="{FF2B5EF4-FFF2-40B4-BE49-F238E27FC236}">
+                <a16:creationId xmlns:a16="http://schemas.microsoft.com/office/drawing/2014/main" id="{1A886A91-7098-33FF-E36D-4FA8E27411F7}"/>
+              </a:ext>
+            </a:extLst>
+          </p:cNvPr>
+          <p:cNvPicPr>
+            <a:picLocks noGrp="1" noChangeAspect="1"/>
+          </p:cNvPicPr>
+          <p:nvPr isPhoto="1"/>
+        </p:nvPicPr>
+        <p:blipFill>
+          <a:blip r:embed="rId2">
+            <a:lum/>
+            <a:extLst>
+              <a:ext uri="{28A0092B-C50C-407E-A947-70E740481C1C}">
+                <a14:useLocalDpi xmlns:a14="http://schemas.microsoft.com/office/drawing/2010/main" val="0"/>
+              </a:ext>
+            </a:extLst>
+          </a:blip>
+          <a:stretch>
+            <a:fillRect/>
+          </a:stretch>
+        </p:blipFill>
+        <p:spPr>
+          <a:xfrm>
+            <a:off x="152400" y="655684"/>
+            <a:ext cx="8991600" cy="6202315"/>
+          </a:xfrm>
+          <a:prstGeom prst="rect">
+            <a:avLst/>
+          </a:prstGeom>
+        </p:spPr>
+      </p:pic>
+    </p:spTree>
+    <p:extLst>
+      <p:ext uri="{BB962C8B-B14F-4D97-AF65-F5344CB8AC3E}">
+        <p14:creationId xmlns:p14="http://schemas.microsoft.com/office/powerpoint/2010/main" val="2342930178"/>
+      </p:ext>
+    </p:extLst>
+  </p:cSld>
+  <p:clrMapOvr>
+    <a:masterClrMapping/>
+  </p:clrMapOvr>
+</p:sld>
+</file>
+
+<file path=ppt/slides/slide32.xml><?xml version="1.0" encoding="utf-8"?>
+<p:sld xmlns:a="http://schemas.openxmlformats.org/drawingml/2006/main" xmlns:r="http://schemas.openxmlformats.org/officeDocument/2006/relationships" xmlns:p="http://schemas.openxmlformats.org/presentationml/2006/main">
+  <p:cSld>
+    <p:spTree>
+      <p:nvGrpSpPr>
+        <p:cNvPr id="1" name=""/>
+        <p:cNvGrpSpPr/>
+        <p:nvPr/>
+      </p:nvGrpSpPr>
+      <p:grpSpPr>
+        <a:xfrm>
+          <a:off x="0" y="0"/>
+          <a:ext cx="0" cy="0"/>
+          <a:chOff x="0" y="0"/>
+          <a:chExt cx="0" cy="0"/>
+        </a:xfrm>
+      </p:grpSpPr>
+      <p:sp>
+        <p:nvSpPr>
+          <p:cNvPr id="2" name="Title 1">
+            <a:extLst>
+              <a:ext uri="{FF2B5EF4-FFF2-40B4-BE49-F238E27FC236}">
+                <a16:creationId xmlns:a16="http://schemas.microsoft.com/office/drawing/2014/main" id="{E53836E1-74B9-0E10-6B30-8920F540453B}"/>
+              </a:ext>
+            </a:extLst>
+          </p:cNvPr>
+          <p:cNvSpPr>
+            <a:spLocks noGrp="1"/>
+          </p:cNvSpPr>
+          <p:nvPr>
+            <p:ph type="title"/>
+          </p:nvPr>
+        </p:nvSpPr>
+        <p:spPr>
+          <a:xfrm>
+            <a:off x="152400" y="33528"/>
+            <a:ext cx="6589200" cy="1280890"/>
+          </a:xfrm>
+        </p:spPr>
+        <p:txBody>
+          <a:bodyPr/>
+          <a:lstStyle/>
+          <a:p>
+            <a:r>
+              <a:rPr lang="en-US" b="1" u="sng" dirty="0"/>
+              <a:t>Code in index.html:</a:t>
+            </a:r>
+            <a:endParaRPr lang="en-IN" dirty="0"/>
+          </a:p>
+        </p:txBody>
+      </p:sp>
+      <p:pic>
+        <p:nvPicPr>
+          <p:cNvPr id="4" name="Picture 3" descr="Screenshot 2023-06-06 011942">
+            <a:extLst>
+              <a:ext uri="{FF2B5EF4-FFF2-40B4-BE49-F238E27FC236}">
+                <a16:creationId xmlns:a16="http://schemas.microsoft.com/office/drawing/2014/main" id="{0C5D469E-5695-2E06-A0C8-DB41B45D7BCB}"/>
+              </a:ext>
+            </a:extLst>
+          </p:cNvPr>
+          <p:cNvPicPr>
+            <a:picLocks noGrp="1" noChangeAspect="1"/>
+          </p:cNvPicPr>
+          <p:nvPr isPhoto="1"/>
+        </p:nvPicPr>
+        <p:blipFill>
+          <a:blip r:embed="rId2">
+            <a:lum/>
+            <a:extLst>
+              <a:ext uri="{28A0092B-C50C-407E-A947-70E740481C1C}">
+                <a14:useLocalDpi xmlns:a14="http://schemas.microsoft.com/office/drawing/2010/main" val="0"/>
+              </a:ext>
+            </a:extLst>
+          </a:blip>
+          <a:stretch>
+            <a:fillRect/>
+          </a:stretch>
+        </p:blipFill>
+        <p:spPr>
+          <a:xfrm>
+            <a:off x="152400" y="683116"/>
+            <a:ext cx="8991600" cy="6174883"/>
+          </a:xfrm>
+          <a:prstGeom prst="rect">
+            <a:avLst/>
+          </a:prstGeom>
+        </p:spPr>
+      </p:pic>
+    </p:spTree>
+    <p:extLst>
+      <p:ext uri="{BB962C8B-B14F-4D97-AF65-F5344CB8AC3E}">
+        <p14:creationId xmlns:p14="http://schemas.microsoft.com/office/powerpoint/2010/main" val="1503995699"/>
+      </p:ext>
+    </p:extLst>
+  </p:cSld>
+  <p:clrMapOvr>
+    <a:masterClrMapping/>
+  </p:clrMapOvr>
+</p:sld>
+</file>
+
+<file path=ppt/slides/slide33.xml><?xml version="1.0" encoding="utf-8"?>
+<p:sld xmlns:a="http://schemas.openxmlformats.org/drawingml/2006/main" xmlns:r="http://schemas.openxmlformats.org/officeDocument/2006/relationships" xmlns:p="http://schemas.openxmlformats.org/presentationml/2006/main">
+  <p:cSld>
+    <p:spTree>
+      <p:nvGrpSpPr>
+        <p:cNvPr id="1" name=""/>
+        <p:cNvGrpSpPr/>
+        <p:nvPr/>
+      </p:nvGrpSpPr>
+      <p:grpSpPr>
+        <a:xfrm>
+          <a:off x="0" y="0"/>
+          <a:ext cx="0" cy="0"/>
+          <a:chOff x="0" y="0"/>
+          <a:chExt cx="0" cy="0"/>
+        </a:xfrm>
+      </p:grpSpPr>
+      <p:sp>
+        <p:nvSpPr>
+          <p:cNvPr id="2" name="Title 1">
+            <a:extLst>
+              <a:ext uri="{FF2B5EF4-FFF2-40B4-BE49-F238E27FC236}">
+                <a16:creationId xmlns:a16="http://schemas.microsoft.com/office/drawing/2014/main" id="{7ED39444-4FC4-121F-9BC8-B335B7C00A59}"/>
+              </a:ext>
+            </a:extLst>
+          </p:cNvPr>
+          <p:cNvSpPr>
+            <a:spLocks noGrp="1"/>
+          </p:cNvSpPr>
+          <p:nvPr>
+            <p:ph type="title"/>
+          </p:nvPr>
+        </p:nvSpPr>
+        <p:spPr>
+          <a:xfrm>
+            <a:off x="152400" y="0"/>
+            <a:ext cx="6589200" cy="1280890"/>
+          </a:xfrm>
+        </p:spPr>
+        <p:txBody>
+          <a:bodyPr/>
+          <a:lstStyle/>
+          <a:p>
+            <a:r>
+              <a:rPr lang="en-US" b="1" u="sng" dirty="0"/>
+              <a:t>Code in index.html:</a:t>
+            </a:r>
+            <a:endParaRPr lang="en-IN" dirty="0"/>
+          </a:p>
+        </p:txBody>
+      </p:sp>
+      <p:pic>
+        <p:nvPicPr>
+          <p:cNvPr id="4" name="Picture 3" descr="Screenshot 2023-06-06 011954">
+            <a:extLst>
+              <a:ext uri="{FF2B5EF4-FFF2-40B4-BE49-F238E27FC236}">
+                <a16:creationId xmlns:a16="http://schemas.microsoft.com/office/drawing/2014/main" id="{CB1C9C54-16BF-B03E-3652-0E387F3DD0B3}"/>
+              </a:ext>
+            </a:extLst>
+          </p:cNvPr>
+          <p:cNvPicPr>
+            <a:picLocks noGrp="1" noChangeAspect="1"/>
+          </p:cNvPicPr>
+          <p:nvPr isPhoto="1"/>
+        </p:nvPicPr>
+        <p:blipFill>
+          <a:blip r:embed="rId2">
+            <a:lum/>
+            <a:extLst>
+              <a:ext uri="{28A0092B-C50C-407E-A947-70E740481C1C}">
+                <a14:useLocalDpi xmlns:a14="http://schemas.microsoft.com/office/drawing/2010/main" val="0"/>
+              </a:ext>
+            </a:extLst>
+          </a:blip>
+          <a:stretch>
+            <a:fillRect/>
+          </a:stretch>
+        </p:blipFill>
+        <p:spPr>
+          <a:xfrm>
+            <a:off x="152400" y="685800"/>
+            <a:ext cx="8991600" cy="6172200"/>
+          </a:xfrm>
+          <a:prstGeom prst="rect">
+            <a:avLst/>
+          </a:prstGeom>
+        </p:spPr>
+      </p:pic>
+    </p:spTree>
+    <p:extLst>
+      <p:ext uri="{BB962C8B-B14F-4D97-AF65-F5344CB8AC3E}">
+        <p14:creationId xmlns:p14="http://schemas.microsoft.com/office/powerpoint/2010/main" val="3687985898"/>
+      </p:ext>
+    </p:extLst>
+  </p:cSld>
+  <p:clrMapOvr>
+    <a:masterClrMapping/>
+  </p:clrMapOvr>
+</p:sld>
+</file>
+
+<file path=ppt/slides/slide34.xml><?xml version="1.0" encoding="utf-8"?>
+<p:sld xmlns:a="http://schemas.openxmlformats.org/drawingml/2006/main" xmlns:r="http://schemas.openxmlformats.org/officeDocument/2006/relationships" xmlns:p="http://schemas.openxmlformats.org/presentationml/2006/main">
+  <p:cSld>
+    <p:spTree>
+      <p:nvGrpSpPr>
+        <p:cNvPr id="1" name=""/>
+        <p:cNvGrpSpPr/>
+        <p:nvPr/>
+      </p:nvGrpSpPr>
+      <p:grpSpPr>
+        <a:xfrm>
+          <a:off x="0" y="0"/>
+          <a:ext cx="0" cy="0"/>
+          <a:chOff x="0" y="0"/>
+          <a:chExt cx="0" cy="0"/>
+        </a:xfrm>
+      </p:grpSpPr>
+      <p:sp>
+        <p:nvSpPr>
+          <p:cNvPr id="2" name="Title 1">
+            <a:extLst>
+              <a:ext uri="{FF2B5EF4-FFF2-40B4-BE49-F238E27FC236}">
+                <a16:creationId xmlns:a16="http://schemas.microsoft.com/office/drawing/2014/main" id="{C4215AD8-5F0F-B3D3-C681-BD4E9ED64D8B}"/>
+              </a:ext>
+            </a:extLst>
+          </p:cNvPr>
+          <p:cNvSpPr>
+            <a:spLocks noGrp="1"/>
+          </p:cNvSpPr>
+          <p:nvPr>
+            <p:ph type="title"/>
+          </p:nvPr>
+        </p:nvSpPr>
+        <p:spPr>
+          <a:xfrm>
+            <a:off x="228600" y="76200"/>
+            <a:ext cx="6589200" cy="1280890"/>
+          </a:xfrm>
+        </p:spPr>
+        <p:txBody>
+          <a:bodyPr/>
+          <a:lstStyle/>
+          <a:p>
+            <a:r>
+              <a:rPr lang="en-US" b="1" u="sng" dirty="0"/>
+              <a:t>Code in gif.html:</a:t>
+            </a:r>
+            <a:endParaRPr lang="en-IN" dirty="0"/>
+          </a:p>
+        </p:txBody>
+      </p:sp>
+      <p:pic>
+        <p:nvPicPr>
+          <p:cNvPr id="4" name="Picture 3" descr="Screenshot 2023-06-06 011833">
+            <a:extLst>
+              <a:ext uri="{FF2B5EF4-FFF2-40B4-BE49-F238E27FC236}">
+                <a16:creationId xmlns:a16="http://schemas.microsoft.com/office/drawing/2014/main" id="{F7563492-7600-F1EC-9C98-23D4B72AC3CA}"/>
+              </a:ext>
+            </a:extLst>
+          </p:cNvPr>
+          <p:cNvPicPr>
+            <a:picLocks noGrp="1" noChangeAspect="1"/>
+          </p:cNvPicPr>
+          <p:nvPr isPhoto="1"/>
+        </p:nvPicPr>
+        <p:blipFill>
+          <a:blip r:embed="rId2">
+            <a:lum/>
+            <a:extLst>
+              <a:ext uri="{28A0092B-C50C-407E-A947-70E740481C1C}">
+                <a14:useLocalDpi xmlns:a14="http://schemas.microsoft.com/office/drawing/2010/main" val="0"/>
+              </a:ext>
+            </a:extLst>
+          </a:blip>
+          <a:stretch>
+            <a:fillRect/>
+          </a:stretch>
+        </p:blipFill>
+        <p:spPr>
+          <a:xfrm>
+            <a:off x="152400" y="716644"/>
+            <a:ext cx="8991600" cy="4312555"/>
+          </a:xfrm>
+          <a:prstGeom prst="rect">
+            <a:avLst/>
+          </a:prstGeom>
+        </p:spPr>
+      </p:pic>
+      <p:pic>
+        <p:nvPicPr>
+          <p:cNvPr id="5" name="Picture 4" descr="Screenshot 2023-06-06 011859">
+            <a:extLst>
+              <a:ext uri="{FF2B5EF4-FFF2-40B4-BE49-F238E27FC236}">
+                <a16:creationId xmlns:a16="http://schemas.microsoft.com/office/drawing/2014/main" id="{3264A129-D3DF-8215-2AC4-65C507957F1F}"/>
+              </a:ext>
+            </a:extLst>
+          </p:cNvPr>
+          <p:cNvPicPr>
+            <a:picLocks noGrp="1" noChangeAspect="1"/>
+          </p:cNvPicPr>
+          <p:nvPr isPhoto="1"/>
+        </p:nvPicPr>
+        <p:blipFill>
+          <a:blip r:embed="rId3">
+            <a:lum/>
+            <a:extLst>
+              <a:ext uri="{28A0092B-C50C-407E-A947-70E740481C1C}">
+                <a14:useLocalDpi xmlns:a14="http://schemas.microsoft.com/office/drawing/2010/main" val="0"/>
+              </a:ext>
+            </a:extLst>
+          </a:blip>
+          <a:stretch>
+            <a:fillRect/>
+          </a:stretch>
+        </p:blipFill>
+        <p:spPr>
+          <a:xfrm>
+            <a:off x="152400" y="4176712"/>
+            <a:ext cx="8991600" cy="2681288"/>
+          </a:xfrm>
+          <a:prstGeom prst="rect">
+            <a:avLst/>
+          </a:prstGeom>
+        </p:spPr>
+      </p:pic>
+    </p:spTree>
+    <p:extLst>
+      <p:ext uri="{BB962C8B-B14F-4D97-AF65-F5344CB8AC3E}">
+        <p14:creationId xmlns:p14="http://schemas.microsoft.com/office/powerpoint/2010/main" val="3504533419"/>
+      </p:ext>
+    </p:extLst>
+  </p:cSld>
+  <p:clrMapOvr>
+    <a:masterClrMapping/>
+  </p:clrMapOvr>
+</p:sld>
+</file>
+
+<file path=ppt/slides/slide35.xml><?xml version="1.0" encoding="utf-8"?>
+<p:sld xmlns:a="http://schemas.openxmlformats.org/drawingml/2006/main" xmlns:r="http://schemas.openxmlformats.org/officeDocument/2006/relationships" xmlns:p="http://schemas.openxmlformats.org/presentationml/2006/main">
+  <p:cSld>
+    <p:spTree>
+      <p:nvGrpSpPr>
+        <p:cNvPr id="1" name=""/>
+        <p:cNvGrpSpPr/>
+        <p:nvPr/>
+      </p:nvGrpSpPr>
+      <p:grpSpPr>
+        <a:xfrm>
+          <a:off x="0" y="0"/>
+          <a:ext cx="0" cy="0"/>
+          <a:chOff x="0" y="0"/>
+          <a:chExt cx="0" cy="0"/>
+        </a:xfrm>
+      </p:grpSpPr>
+      <p:sp>
+        <p:nvSpPr>
+          <p:cNvPr id="2" name="Date Placeholder 1">
+            <a:extLst>
+              <a:ext uri="{FF2B5EF4-FFF2-40B4-BE49-F238E27FC236}">
+                <a16:creationId xmlns:a16="http://schemas.microsoft.com/office/drawing/2014/main" id="{BE088F88-939C-418A-BEBE-DAD80BBE831A}"/>
+              </a:ext>
+            </a:extLst>
+          </p:cNvPr>
+          <p:cNvSpPr>
+            <a:spLocks noGrp="1"/>
+          </p:cNvSpPr>
+          <p:nvPr>
+            <p:ph type="dt" sz="half" idx="10"/>
+          </p:nvPr>
+        </p:nvSpPr>
+        <p:spPr/>
+        <p:txBody>
+          <a:bodyPr/>
+          <a:lstStyle/>
+          <a:p>
+            <a:pPr>
+              <a:defRPr/>
+            </a:pPr>
+            <a:r>
+              <a:rPr lang="en-US" altLang="en-US" dirty="0"/>
+              <a:t>6/6/2023</a:t>
+            </a:r>
+          </a:p>
+        </p:txBody>
+      </p:sp>
+      <p:sp>
+        <p:nvSpPr>
+          <p:cNvPr id="3" name="Footer Placeholder 2">
+            <a:extLst>
+              <a:ext uri="{FF2B5EF4-FFF2-40B4-BE49-F238E27FC236}">
+                <a16:creationId xmlns:a16="http://schemas.microsoft.com/office/drawing/2014/main" id="{3BC84C7E-F4E4-40BA-8F78-81DDB7ABEE18}"/>
+              </a:ext>
+            </a:extLst>
+          </p:cNvPr>
+          <p:cNvSpPr>
+            <a:spLocks noGrp="1"/>
+          </p:cNvSpPr>
+          <p:nvPr>
+            <p:ph type="ftr" sz="quarter" idx="11"/>
+          </p:nvPr>
+        </p:nvSpPr>
+        <p:spPr/>
+        <p:txBody>
+          <a:bodyPr/>
+          <a:lstStyle/>
+          <a:p>
+            <a:pPr>
+              <a:defRPr/>
+            </a:pPr>
+            <a:r>
+              <a:rPr lang="en-US" altLang="en-US"/>
+              <a:t>Dept of CSE., SOE-Dayananda Sagar University</a:t>
+            </a:r>
+          </a:p>
+        </p:txBody>
+      </p:sp>
+      <p:sp>
+        <p:nvSpPr>
+          <p:cNvPr id="4" name="Slide Number Placeholder 3">
+            <a:extLst>
+              <a:ext uri="{FF2B5EF4-FFF2-40B4-BE49-F238E27FC236}">
+                <a16:creationId xmlns:a16="http://schemas.microsoft.com/office/drawing/2014/main" id="{15B4F9B8-31FE-40A2-B0DD-ED1FB6C8E12E}"/>
+              </a:ext>
+            </a:extLst>
+          </p:cNvPr>
+          <p:cNvSpPr>
+            <a:spLocks noGrp="1"/>
+          </p:cNvSpPr>
+          <p:nvPr>
+            <p:ph type="sldNum" sz="quarter" idx="12"/>
+          </p:nvPr>
+        </p:nvSpPr>
+        <p:spPr>
+          <a:xfrm>
+            <a:off x="609600" y="792092"/>
+            <a:ext cx="585788" cy="365125"/>
+          </a:xfrm>
+        </p:spPr>
+        <p:txBody>
+          <a:bodyPr/>
+          <a:lstStyle/>
+          <a:p>
+            <a:fld id="{BFA22BDA-A4D6-4347-A697-4C2AFBD80B78}" type="slidenum">
+              <a:rPr lang="en-US" altLang="en-US" smtClean="0"/>
+              <a:pPr/>
+              <a:t>35</a:t>
+            </a:fld>
+            <a:endParaRPr lang="en-US" altLang="en-US" dirty="0"/>
+          </a:p>
+        </p:txBody>
+      </p:sp>
+      <p:sp>
+        <p:nvSpPr>
+          <p:cNvPr id="5" name="TextBox 4">
+            <a:extLst>
+              <a:ext uri="{FF2B5EF4-FFF2-40B4-BE49-F238E27FC236}">
+                <a16:creationId xmlns:a16="http://schemas.microsoft.com/office/drawing/2014/main" id="{ED89D75B-8B85-4E97-B588-562C4BB45BBE}"/>
+              </a:ext>
+            </a:extLst>
+          </p:cNvPr>
+          <p:cNvSpPr txBox="1"/>
+          <p:nvPr/>
+        </p:nvSpPr>
+        <p:spPr>
+          <a:xfrm>
+            <a:off x="1676400" y="312934"/>
+            <a:ext cx="3009900" cy="1323439"/>
+          </a:xfrm>
+          <a:prstGeom prst="rect">
+            <a:avLst/>
+          </a:prstGeom>
+          <a:noFill/>
+        </p:spPr>
+        <p:txBody>
+          <a:bodyPr wrap="square" rtlCol="0">
+            <a:spAutoFit/>
+          </a:bodyPr>
+          <a:lstStyle/>
+          <a:p>
+            <a:r>
+              <a:rPr lang="en-US" sz="4000" b="1" u="sng" dirty="0">
+                <a:solidFill>
+                  <a:schemeClr val="accent2">
+                    <a:lumMod val="75000"/>
+                  </a:schemeClr>
+                </a:solidFill>
+              </a:rPr>
+              <a:t>Code On GitHub:-</a:t>
+            </a:r>
+            <a:endParaRPr lang="en-IN" sz="4000" b="1" u="sng" dirty="0">
+              <a:solidFill>
+                <a:schemeClr val="accent2">
+                  <a:lumMod val="75000"/>
+                </a:schemeClr>
+              </a:solidFill>
+            </a:endParaRPr>
+          </a:p>
+        </p:txBody>
+      </p:sp>
+      <p:sp>
+        <p:nvSpPr>
+          <p:cNvPr id="6" name="TextBox 5">
+            <a:hlinkClick r:id="rId2"/>
+            <a:extLst>
+              <a:ext uri="{FF2B5EF4-FFF2-40B4-BE49-F238E27FC236}">
+                <a16:creationId xmlns:a16="http://schemas.microsoft.com/office/drawing/2014/main" id="{FD73189F-60D1-4077-B17E-57685EC70CA6}"/>
+              </a:ext>
+            </a:extLst>
+          </p:cNvPr>
+          <p:cNvSpPr txBox="1"/>
+          <p:nvPr/>
+        </p:nvSpPr>
+        <p:spPr>
+          <a:xfrm>
+            <a:off x="2628900" y="3167390"/>
+            <a:ext cx="4114800" cy="523220"/>
+          </a:xfrm>
+          <a:prstGeom prst="rect">
+            <a:avLst/>
+          </a:prstGeom>
+          <a:noFill/>
+        </p:spPr>
+        <p:txBody>
+          <a:bodyPr wrap="square" rtlCol="0">
+            <a:spAutoFit/>
+          </a:bodyPr>
+          <a:lstStyle/>
+          <a:p>
+            <a:pPr algn="ctr"/>
+            <a:r>
+              <a:rPr lang="en-IN" sz="2800" b="1" dirty="0">
+                <a:solidFill>
+                  <a:schemeClr val="accent1">
+                    <a:lumMod val="50000"/>
+                  </a:schemeClr>
+                </a:solidFill>
+                <a:hlinkClick r:id="rId2">
+                  <a:extLst>
+                    <a:ext uri="{A12FA001-AC4F-418D-AE19-62706E023703}">
+                      <ahyp:hlinkClr xmlns:ahyp="http://schemas.microsoft.com/office/drawing/2018/hyperlinkcolor" val="tx"/>
+                    </a:ext>
+                  </a:extLst>
+                </a:hlinkClick>
+              </a:rPr>
+              <a:t>VOICE ASSISTANT </a:t>
+            </a:r>
+            <a:endParaRPr lang="en-IN" sz="2800" b="1" dirty="0">
+              <a:solidFill>
+                <a:schemeClr val="accent1">
+                  <a:lumMod val="50000"/>
+                </a:schemeClr>
+              </a:solidFill>
+            </a:endParaRPr>
+          </a:p>
+        </p:txBody>
+      </p:sp>
+    </p:spTree>
+    <p:extLst>
+      <p:ext uri="{BB962C8B-B14F-4D97-AF65-F5344CB8AC3E}">
+        <p14:creationId xmlns:p14="http://schemas.microsoft.com/office/powerpoint/2010/main" val="1745786703"/>
+      </p:ext>
+    </p:extLst>
+  </p:cSld>
+  <p:clrMapOvr>
+    <a:masterClrMapping/>
+  </p:clrMapOvr>
+</p:sld>
+</file>
+
+<file path=ppt/slides/slide36.xml><?xml version="1.0" encoding="utf-8"?>
+<p:sld xmlns:a="http://schemas.openxmlformats.org/drawingml/2006/main" xmlns:r="http://schemas.openxmlformats.org/officeDocument/2006/relationships" xmlns:p="http://schemas.openxmlformats.org/presentationml/2006/main">
+  <p:cSld>
+    <p:spTree>
+      <p:nvGrpSpPr>
+        <p:cNvPr id="1" name=""/>
+        <p:cNvGrpSpPr/>
+        <p:nvPr/>
+      </p:nvGrpSpPr>
+      <p:grpSpPr>
+        <a:xfrm>
+          <a:off x="0" y="0"/>
+          <a:ext cx="0" cy="0"/>
+          <a:chOff x="0" y="0"/>
+          <a:chExt cx="0" cy="0"/>
+        </a:xfrm>
+      </p:grpSpPr>
+      <p:sp>
+        <p:nvSpPr>
+          <p:cNvPr id="2" name="Date Placeholder 1">
+            <a:extLst>
+              <a:ext uri="{FF2B5EF4-FFF2-40B4-BE49-F238E27FC236}">
+                <a16:creationId xmlns:a16="http://schemas.microsoft.com/office/drawing/2014/main" id="{39201850-0CD9-4F9A-8BE0-B29858154D75}"/>
+              </a:ext>
+            </a:extLst>
+          </p:cNvPr>
+          <p:cNvSpPr>
+            <a:spLocks noGrp="1"/>
+          </p:cNvSpPr>
+          <p:nvPr>
+            <p:ph type="dt" sz="half" idx="10"/>
+          </p:nvPr>
+        </p:nvSpPr>
+        <p:spPr/>
+        <p:txBody>
+          <a:bodyPr/>
+          <a:lstStyle/>
+          <a:p>
+            <a:pPr>
+              <a:defRPr/>
+            </a:pPr>
+            <a:r>
+              <a:rPr lang="en-US" altLang="en-US" dirty="0"/>
+              <a:t>6/6/2023</a:t>
+            </a:r>
+          </a:p>
+        </p:txBody>
+      </p:sp>
+      <p:sp>
+        <p:nvSpPr>
+          <p:cNvPr id="3" name="Footer Placeholder 2">
+            <a:extLst>
+              <a:ext uri="{FF2B5EF4-FFF2-40B4-BE49-F238E27FC236}">
+                <a16:creationId xmlns:a16="http://schemas.microsoft.com/office/drawing/2014/main" id="{4B7EF8CD-88E0-4007-8406-F387B1CA78F1}"/>
+              </a:ext>
+            </a:extLst>
+          </p:cNvPr>
+          <p:cNvSpPr>
+            <a:spLocks noGrp="1"/>
+          </p:cNvSpPr>
+          <p:nvPr>
+            <p:ph type="ftr" sz="quarter" idx="11"/>
+          </p:nvPr>
+        </p:nvSpPr>
+        <p:spPr/>
+        <p:txBody>
+          <a:bodyPr/>
+          <a:lstStyle/>
+          <a:p>
+            <a:pPr>
+              <a:defRPr/>
+            </a:pPr>
+            <a:r>
+              <a:rPr lang="en-US" altLang="en-US"/>
+              <a:t>Dept of CSE., SOE-Dayananda Sagar University</a:t>
+            </a:r>
+          </a:p>
+        </p:txBody>
+      </p:sp>
+      <p:sp>
+        <p:nvSpPr>
+          <p:cNvPr id="4" name="Slide Number Placeholder 3">
+            <a:extLst>
+              <a:ext uri="{FF2B5EF4-FFF2-40B4-BE49-F238E27FC236}">
+                <a16:creationId xmlns:a16="http://schemas.microsoft.com/office/drawing/2014/main" id="{CCE28EC7-E62E-4D92-A3BD-D6053BD3E9DE}"/>
+              </a:ext>
+            </a:extLst>
+          </p:cNvPr>
+          <p:cNvSpPr>
+            <a:spLocks noGrp="1"/>
+          </p:cNvSpPr>
+          <p:nvPr>
+            <p:ph type="sldNum" sz="quarter" idx="12"/>
+          </p:nvPr>
+        </p:nvSpPr>
+        <p:spPr>
+          <a:xfrm>
+            <a:off x="609600" y="787398"/>
+            <a:ext cx="585788" cy="365125"/>
+          </a:xfrm>
+        </p:spPr>
+        <p:txBody>
+          <a:bodyPr/>
+          <a:lstStyle/>
+          <a:p>
+            <a:fld id="{BFA22BDA-A4D6-4347-A697-4C2AFBD80B78}" type="slidenum">
+              <a:rPr lang="en-US" altLang="en-US" smtClean="0"/>
+              <a:pPr/>
+              <a:t>36</a:t>
+            </a:fld>
+            <a:endParaRPr lang="en-US" altLang="en-US" dirty="0"/>
+          </a:p>
+        </p:txBody>
+      </p:sp>
+      <p:sp>
+        <p:nvSpPr>
+          <p:cNvPr id="5" name="TextBox 4">
+            <a:extLst>
+              <a:ext uri="{FF2B5EF4-FFF2-40B4-BE49-F238E27FC236}">
+                <a16:creationId xmlns:a16="http://schemas.microsoft.com/office/drawing/2014/main" id="{25B528A1-10B9-4D3D-9E3A-2C2F6B925F89}"/>
+              </a:ext>
+            </a:extLst>
+          </p:cNvPr>
+          <p:cNvSpPr txBox="1"/>
+          <p:nvPr/>
+        </p:nvSpPr>
+        <p:spPr>
+          <a:xfrm>
+            <a:off x="1485900" y="646796"/>
+            <a:ext cx="3848100" cy="646331"/>
+          </a:xfrm>
+          <a:prstGeom prst="rect">
+            <a:avLst/>
+          </a:prstGeom>
+          <a:noFill/>
+        </p:spPr>
+        <p:txBody>
+          <a:bodyPr wrap="square" rtlCol="0">
+            <a:spAutoFit/>
+          </a:bodyPr>
+          <a:lstStyle/>
+          <a:p>
+            <a:r>
+              <a:rPr lang="en-US" sz="3600" b="1" u="sng" dirty="0">
+                <a:solidFill>
+                  <a:schemeClr val="accent2">
+                    <a:lumMod val="75000"/>
+                  </a:schemeClr>
+                </a:solidFill>
+              </a:rPr>
+              <a:t>CONCLUSION</a:t>
+            </a:r>
+            <a:endParaRPr lang="en-IN" sz="3600" b="1" u="sng" dirty="0">
+              <a:solidFill>
+                <a:schemeClr val="accent2">
+                  <a:lumMod val="75000"/>
+                </a:schemeClr>
+              </a:solidFill>
+            </a:endParaRPr>
+          </a:p>
+        </p:txBody>
+      </p:sp>
+      <p:sp>
+        <p:nvSpPr>
+          <p:cNvPr id="6" name="TextBox 5">
+            <a:extLst>
+              <a:ext uri="{FF2B5EF4-FFF2-40B4-BE49-F238E27FC236}">
+                <a16:creationId xmlns:a16="http://schemas.microsoft.com/office/drawing/2014/main" id="{B2F54115-FE74-4CFA-BAC9-FFCE8F33A1DA}"/>
+              </a:ext>
+            </a:extLst>
+          </p:cNvPr>
+          <p:cNvSpPr txBox="1"/>
+          <p:nvPr/>
+        </p:nvSpPr>
+        <p:spPr>
+          <a:xfrm>
+            <a:off x="804069" y="1582340"/>
+            <a:ext cx="7543800" cy="3693319"/>
+          </a:xfrm>
+          <a:prstGeom prst="rect">
+            <a:avLst/>
+          </a:prstGeom>
+          <a:noFill/>
+        </p:spPr>
+        <p:txBody>
+          <a:bodyPr wrap="square" rtlCol="0">
+            <a:spAutoFit/>
+          </a:bodyPr>
+          <a:lstStyle/>
+          <a:p>
+            <a:pPr marL="285750" indent="-285750" algn="just">
+              <a:buFont typeface="Wingdings" panose="05000000000000000000" pitchFamily="2" charset="2"/>
+              <a:buChar char="q"/>
+            </a:pPr>
+            <a:r>
+              <a:rPr lang="en-US" b="1" dirty="0"/>
+              <a:t>Voice assistants have become increasingly popular and widely used in various applications, including smartphones, smart speakers, cars, and home automation systems.</a:t>
+            </a:r>
+          </a:p>
+          <a:p>
+            <a:pPr marL="285750" indent="-285750" algn="just">
+              <a:buFont typeface="Wingdings" panose="05000000000000000000" pitchFamily="2" charset="2"/>
+              <a:buChar char="q"/>
+            </a:pPr>
+            <a:r>
+              <a:rPr lang="en-US" b="1" dirty="0"/>
+              <a:t> Here, we designed a voice assistant in such a way that which can offer a range of features and functionalities, such as answering questions, setting reminders, playing music, providing weather updates, managing calendars, controlling smart home devices, and much more.</a:t>
+            </a:r>
+          </a:p>
+          <a:p>
+            <a:pPr marL="285750" indent="-285750" algn="just">
+              <a:buFont typeface="Wingdings" panose="05000000000000000000" pitchFamily="2" charset="2"/>
+              <a:buChar char="q"/>
+            </a:pPr>
+            <a:r>
+              <a:rPr lang="en-US" b="1" dirty="0"/>
+              <a:t>With continuous advancements in natural language processing and machine learning, voice assistants are expected to become even more sophisticated and capable in the future, further enhancing our digital experiences.</a:t>
+            </a:r>
+            <a:br>
+              <a:rPr lang="en-US" b="1" dirty="0"/>
+            </a:br>
+            <a:r>
+              <a:rPr lang="en-US" b="1" dirty="0"/>
+              <a:t> </a:t>
+            </a:r>
+            <a:endParaRPr lang="en-IN" b="1" dirty="0"/>
+          </a:p>
+        </p:txBody>
+      </p:sp>
+    </p:spTree>
+    <p:extLst>
+      <p:ext uri="{BB962C8B-B14F-4D97-AF65-F5344CB8AC3E}">
+        <p14:creationId xmlns:p14="http://schemas.microsoft.com/office/powerpoint/2010/main" val="510478509"/>
+      </p:ext>
+    </p:extLst>
+  </p:cSld>
+  <p:clrMapOvr>
+    <a:masterClrMapping/>
+  </p:clrMapOvr>
+</p:sld>
+</file>
+
+<file path=ppt/slides/slide37.xml><?xml version="1.0" encoding="utf-8"?>
+<p:sld xmlns:a="http://schemas.openxmlformats.org/drawingml/2006/main" xmlns:r="http://schemas.openxmlformats.org/officeDocument/2006/relationships" xmlns:p="http://schemas.openxmlformats.org/presentationml/2006/main">
+  <p:cSld>
+    <p:spTree>
+      <p:nvGrpSpPr>
+        <p:cNvPr id="1" name=""/>
+        <p:cNvGrpSpPr/>
+        <p:nvPr/>
+      </p:nvGrpSpPr>
+      <p:grpSpPr>
+        <a:xfrm>
+          <a:off x="0" y="0"/>
+          <a:ext cx="0" cy="0"/>
+          <a:chOff x="0" y="0"/>
+          <a:chExt cx="0" cy="0"/>
+        </a:xfrm>
+      </p:grpSpPr>
+      <p:sp>
+        <p:nvSpPr>
+          <p:cNvPr id="2" name="Date Placeholder 1">
+            <a:extLst>
+              <a:ext uri="{FF2B5EF4-FFF2-40B4-BE49-F238E27FC236}">
+                <a16:creationId xmlns:a16="http://schemas.microsoft.com/office/drawing/2014/main" id="{B8288730-53BD-4CB3-A32C-B8DF6696BF55}"/>
+              </a:ext>
+            </a:extLst>
+          </p:cNvPr>
+          <p:cNvSpPr>
+            <a:spLocks noGrp="1"/>
+          </p:cNvSpPr>
+          <p:nvPr>
+            <p:ph type="dt" sz="half" idx="10"/>
+          </p:nvPr>
+        </p:nvSpPr>
+        <p:spPr/>
+        <p:txBody>
+          <a:bodyPr/>
+          <a:lstStyle/>
+          <a:p>
+            <a:pPr>
+              <a:defRPr/>
+            </a:pPr>
+            <a:r>
+              <a:rPr lang="en-US" altLang="en-US" dirty="0"/>
+              <a:t>6/6/2023</a:t>
+            </a:r>
+          </a:p>
+          <a:p>
+            <a:pPr>
+              <a:defRPr/>
+            </a:pPr>
+            <a:endParaRPr lang="en-US" altLang="en-US" dirty="0"/>
+          </a:p>
+        </p:txBody>
+      </p:sp>
+      <p:sp>
+        <p:nvSpPr>
+          <p:cNvPr id="3" name="Footer Placeholder 2">
+            <a:extLst>
+              <a:ext uri="{FF2B5EF4-FFF2-40B4-BE49-F238E27FC236}">
+                <a16:creationId xmlns:a16="http://schemas.microsoft.com/office/drawing/2014/main" id="{3F7634AC-33CD-4274-98FB-740E7BBB1A93}"/>
+              </a:ext>
+            </a:extLst>
+          </p:cNvPr>
+          <p:cNvSpPr>
+            <a:spLocks noGrp="1"/>
+          </p:cNvSpPr>
+          <p:nvPr>
+            <p:ph type="ftr" sz="quarter" idx="11"/>
+          </p:nvPr>
+        </p:nvSpPr>
+        <p:spPr/>
+        <p:txBody>
+          <a:bodyPr/>
+          <a:lstStyle/>
+          <a:p>
+            <a:pPr>
+              <a:defRPr/>
+            </a:pPr>
+            <a:r>
+              <a:rPr lang="en-US" altLang="en-US" dirty="0"/>
+              <a:t>Dept of CSE., SOE-Dayananda Sagar University</a:t>
+            </a:r>
+          </a:p>
+        </p:txBody>
+      </p:sp>
+      <p:sp>
+        <p:nvSpPr>
+          <p:cNvPr id="4" name="Slide Number Placeholder 3">
+            <a:extLst>
+              <a:ext uri="{FF2B5EF4-FFF2-40B4-BE49-F238E27FC236}">
+                <a16:creationId xmlns:a16="http://schemas.microsoft.com/office/drawing/2014/main" id="{2592F9C7-BBD7-46B5-9E7E-DF3815A0C668}"/>
+              </a:ext>
+            </a:extLst>
+          </p:cNvPr>
+          <p:cNvSpPr>
+            <a:spLocks noGrp="1"/>
+          </p:cNvSpPr>
+          <p:nvPr>
+            <p:ph type="sldNum" sz="quarter" idx="12"/>
+          </p:nvPr>
+        </p:nvSpPr>
+        <p:spPr>
+          <a:xfrm>
+            <a:off x="585969" y="762348"/>
+            <a:ext cx="585788" cy="365125"/>
+          </a:xfrm>
+        </p:spPr>
+        <p:txBody>
+          <a:bodyPr/>
+          <a:lstStyle/>
+          <a:p>
+            <a:fld id="{BFA22BDA-A4D6-4347-A697-4C2AFBD80B78}" type="slidenum">
+              <a:rPr lang="en-US" altLang="en-US" smtClean="0"/>
+              <a:pPr/>
+              <a:t>37</a:t>
+            </a:fld>
+            <a:endParaRPr lang="en-US" altLang="en-US" dirty="0"/>
+          </a:p>
+        </p:txBody>
+      </p:sp>
+      <p:sp>
+        <p:nvSpPr>
+          <p:cNvPr id="5" name="TextBox 4">
+            <a:extLst>
+              <a:ext uri="{FF2B5EF4-FFF2-40B4-BE49-F238E27FC236}">
+                <a16:creationId xmlns:a16="http://schemas.microsoft.com/office/drawing/2014/main" id="{306F808E-9107-404F-9C04-B5FA27AB0EBD}"/>
+              </a:ext>
+            </a:extLst>
+          </p:cNvPr>
+          <p:cNvSpPr txBox="1"/>
+          <p:nvPr/>
+        </p:nvSpPr>
+        <p:spPr>
+          <a:xfrm>
+            <a:off x="1371600" y="506194"/>
+            <a:ext cx="5791200" cy="646331"/>
+          </a:xfrm>
+          <a:prstGeom prst="rect">
+            <a:avLst/>
+          </a:prstGeom>
+          <a:noFill/>
+        </p:spPr>
+        <p:txBody>
+          <a:bodyPr wrap="square" rtlCol="0">
+            <a:spAutoFit/>
+          </a:bodyPr>
+          <a:lstStyle/>
+          <a:p>
+            <a:r>
+              <a:rPr lang="en-US" sz="3600" b="1" u="sng" dirty="0">
+                <a:solidFill>
+                  <a:schemeClr val="accent2">
+                    <a:lumMod val="75000"/>
+                  </a:schemeClr>
+                </a:solidFill>
+              </a:rPr>
+              <a:t>FUTURE ENHANCEMENT</a:t>
+            </a:r>
+            <a:endParaRPr lang="en-IN" sz="3600" b="1" u="sng" dirty="0">
+              <a:solidFill>
+                <a:schemeClr val="accent2">
+                  <a:lumMod val="75000"/>
+                </a:schemeClr>
+              </a:solidFill>
+            </a:endParaRPr>
+          </a:p>
+        </p:txBody>
+      </p:sp>
+      <p:sp>
+        <p:nvSpPr>
+          <p:cNvPr id="6" name="TextBox 5">
+            <a:extLst>
+              <a:ext uri="{FF2B5EF4-FFF2-40B4-BE49-F238E27FC236}">
+                <a16:creationId xmlns:a16="http://schemas.microsoft.com/office/drawing/2014/main" id="{E6EF7C73-9BFE-46FB-A899-57C163CE15FD}"/>
+              </a:ext>
+            </a:extLst>
+          </p:cNvPr>
+          <p:cNvSpPr txBox="1"/>
+          <p:nvPr/>
+        </p:nvSpPr>
+        <p:spPr>
+          <a:xfrm>
+            <a:off x="1169504" y="1305303"/>
+            <a:ext cx="6705600" cy="1200329"/>
+          </a:xfrm>
+          <a:prstGeom prst="rect">
+            <a:avLst/>
+          </a:prstGeom>
+          <a:noFill/>
+        </p:spPr>
+        <p:txBody>
+          <a:bodyPr wrap="square" rtlCol="0">
+            <a:spAutoFit/>
+          </a:bodyPr>
+          <a:lstStyle/>
+          <a:p>
+            <a:pPr algn="just"/>
+            <a:r>
+              <a:rPr lang="en-US" b="1" dirty="0"/>
+              <a:t>We are focusing on further improving the accuracy, scalability, and practicality of the system. Here are some potential areas for future development: -</a:t>
+            </a:r>
+            <a:endParaRPr lang="en-IN" b="1" dirty="0"/>
+          </a:p>
+          <a:p>
+            <a:endParaRPr lang="en-IN" dirty="0"/>
+          </a:p>
+        </p:txBody>
+      </p:sp>
+      <p:sp>
+        <p:nvSpPr>
+          <p:cNvPr id="7" name="TextBox 6">
+            <a:extLst>
+              <a:ext uri="{FF2B5EF4-FFF2-40B4-BE49-F238E27FC236}">
+                <a16:creationId xmlns:a16="http://schemas.microsoft.com/office/drawing/2014/main" id="{B856FCD4-32F3-4C3B-B0C9-1188575D0EEB}"/>
+              </a:ext>
+            </a:extLst>
+          </p:cNvPr>
+          <p:cNvSpPr txBox="1"/>
+          <p:nvPr/>
+        </p:nvSpPr>
+        <p:spPr>
+          <a:xfrm>
+            <a:off x="1159565" y="2472502"/>
+            <a:ext cx="6549887" cy="3693319"/>
+          </a:xfrm>
+          <a:prstGeom prst="rect">
+            <a:avLst/>
+          </a:prstGeom>
+          <a:noFill/>
+        </p:spPr>
+        <p:txBody>
+          <a:bodyPr wrap="square" rtlCol="0">
+            <a:spAutoFit/>
+          </a:bodyPr>
+          <a:lstStyle/>
+          <a:p>
+            <a:pPr marL="285750" lvl="0" indent="-285750">
+              <a:buFont typeface="Wingdings" panose="05000000000000000000" pitchFamily="2" charset="2"/>
+              <a:buChar char="q"/>
+            </a:pPr>
+            <a:r>
+              <a:rPr lang="en-US" b="1" dirty="0"/>
+              <a:t>Enhanced Natural Language Understanding</a:t>
+            </a:r>
+            <a:endParaRPr lang="en-IN" b="1" dirty="0"/>
+          </a:p>
+          <a:p>
+            <a:pPr lvl="0"/>
+            <a:endParaRPr lang="en-IN" b="1" dirty="0"/>
+          </a:p>
+          <a:p>
+            <a:pPr marL="285750" lvl="0" indent="-285750">
+              <a:buFont typeface="Wingdings" panose="05000000000000000000" pitchFamily="2" charset="2"/>
+              <a:buChar char="q"/>
+            </a:pPr>
+            <a:r>
+              <a:rPr lang="en-US" b="1" dirty="0"/>
+              <a:t>Emotional Intelligence</a:t>
+            </a:r>
+            <a:endParaRPr lang="en-IN" b="1" dirty="0"/>
+          </a:p>
+          <a:p>
+            <a:endParaRPr lang="en-IN" b="1" dirty="0"/>
+          </a:p>
+          <a:p>
+            <a:pPr marL="285750" lvl="0" indent="-285750">
+              <a:buFont typeface="Wingdings" panose="05000000000000000000" pitchFamily="2" charset="2"/>
+              <a:buChar char="q"/>
+            </a:pPr>
+            <a:r>
+              <a:rPr lang="en-US" b="1" dirty="0"/>
+              <a:t>Enhanced Personalization</a:t>
+            </a:r>
+            <a:endParaRPr lang="en-IN" b="1" dirty="0"/>
+          </a:p>
+          <a:p>
+            <a:endParaRPr lang="en-IN" b="1" dirty="0"/>
+          </a:p>
+          <a:p>
+            <a:pPr marL="285750" lvl="0" indent="-285750">
+              <a:buFont typeface="Wingdings" panose="05000000000000000000" pitchFamily="2" charset="2"/>
+              <a:buChar char="q"/>
+            </a:pPr>
+            <a:r>
+              <a:rPr lang="en-US" b="1" dirty="0"/>
+              <a:t>Increased Domain Expertise</a:t>
+            </a:r>
+            <a:endParaRPr lang="en-IN" b="1" dirty="0"/>
+          </a:p>
+          <a:p>
+            <a:endParaRPr lang="en-IN" b="1" dirty="0"/>
+          </a:p>
+          <a:p>
+            <a:pPr marL="285750" lvl="0" indent="-285750">
+              <a:buFont typeface="Wingdings" panose="05000000000000000000" pitchFamily="2" charset="2"/>
+              <a:buChar char="q"/>
+            </a:pPr>
+            <a:r>
+              <a:rPr lang="en-US" b="1" dirty="0"/>
+              <a:t>Smoother integration with Robotics</a:t>
+            </a:r>
+            <a:endParaRPr lang="en-IN" b="1" dirty="0"/>
+          </a:p>
+          <a:p>
+            <a:endParaRPr lang="en-IN" b="1" dirty="0"/>
+          </a:p>
+          <a:p>
+            <a:pPr marL="285750" lvl="0" indent="-285750">
+              <a:buFont typeface="Wingdings" panose="05000000000000000000" pitchFamily="2" charset="2"/>
+              <a:buChar char="q"/>
+            </a:pPr>
+            <a:r>
+              <a:rPr lang="en-US" b="1" dirty="0"/>
+              <a:t>Increased Offline Functionality</a:t>
+            </a:r>
+            <a:endParaRPr lang="en-IN" b="1" dirty="0"/>
+          </a:p>
+          <a:p>
+            <a:br>
+              <a:rPr lang="en-US" dirty="0"/>
+            </a:br>
+            <a:endParaRPr lang="en-IN" dirty="0"/>
+          </a:p>
+        </p:txBody>
+      </p:sp>
+    </p:spTree>
+    <p:extLst>
+      <p:ext uri="{BB962C8B-B14F-4D97-AF65-F5344CB8AC3E}">
+        <p14:creationId xmlns:p14="http://schemas.microsoft.com/office/powerpoint/2010/main" val="870264176"/>
+      </p:ext>
+    </p:extLst>
+  </p:cSld>
+  <p:clrMapOvr>
+    <a:masterClrMapping/>
+  </p:clrMapOvr>
+</p:sld>
+</file>
+
+<file path=ppt/slides/slide38.xml><?xml version="1.0" encoding="utf-8"?>
+<p:sld xmlns:a="http://schemas.openxmlformats.org/drawingml/2006/main" xmlns:r="http://schemas.openxmlformats.org/officeDocument/2006/relationships" xmlns:p="http://schemas.openxmlformats.org/presentationml/2006/main">
+  <p:cSld>
+    <p:spTree>
+      <p:nvGrpSpPr>
+        <p:cNvPr id="1" name=""/>
+        <p:cNvGrpSpPr/>
+        <p:nvPr/>
+      </p:nvGrpSpPr>
+      <p:grpSpPr>
+        <a:xfrm>
+          <a:off x="0" y="0"/>
+          <a:ext cx="0" cy="0"/>
+          <a:chOff x="0" y="0"/>
+          <a:chExt cx="0" cy="0"/>
+        </a:xfrm>
+      </p:grpSpPr>
+      <p:sp>
+        <p:nvSpPr>
+          <p:cNvPr id="29698" name="Title 1">
+            <a:extLst>
+              <a:ext uri="{FF2B5EF4-FFF2-40B4-BE49-F238E27FC236}">
+                <a16:creationId xmlns:a16="http://schemas.microsoft.com/office/drawing/2014/main" id="{E64DE8B1-4C4C-ED0B-317D-3327C2FDA984}"/>
+              </a:ext>
+            </a:extLst>
+          </p:cNvPr>
+          <p:cNvSpPr>
+            <a:spLocks noGrp="1" noChangeArrowheads="1"/>
+          </p:cNvSpPr>
+          <p:nvPr>
+            <p:ph type="title"/>
+          </p:nvPr>
+        </p:nvSpPr>
+        <p:spPr>
+          <a:xfrm>
+            <a:off x="1676400" y="573088"/>
+            <a:ext cx="6589713" cy="747712"/>
+          </a:xfrm>
+        </p:spPr>
+        <p:txBody>
+          <a:bodyPr/>
+          <a:lstStyle/>
+          <a:p>
+            <a:pPr eaLnBrk="1" hangingPunct="1"/>
+            <a:r>
+              <a:rPr lang="en-IN" altLang="en-US" b="1" u="sng" dirty="0">
+                <a:latin typeface="Calibri" panose="020F0502020204030204" pitchFamily="34" charset="0"/>
+                <a:cs typeface="Calibri" panose="020F0502020204030204" pitchFamily="34" charset="0"/>
+              </a:rPr>
+              <a:t>References</a:t>
+            </a:r>
+          </a:p>
+        </p:txBody>
+      </p:sp>
+      <p:sp>
+        <p:nvSpPr>
+          <p:cNvPr id="29699" name="Content Placeholder 2">
+            <a:extLst>
+              <a:ext uri="{FF2B5EF4-FFF2-40B4-BE49-F238E27FC236}">
+                <a16:creationId xmlns:a16="http://schemas.microsoft.com/office/drawing/2014/main" id="{7FF1FE1B-22EE-9893-D074-B8AC5DD70A86}"/>
+              </a:ext>
+            </a:extLst>
+          </p:cNvPr>
+          <p:cNvSpPr>
+            <a:spLocks noGrp="1" noChangeArrowheads="1"/>
+          </p:cNvSpPr>
+          <p:nvPr>
+            <p:ph idx="1"/>
+          </p:nvPr>
+        </p:nvSpPr>
+        <p:spPr>
+          <a:xfrm>
+            <a:off x="1676400" y="1531326"/>
+            <a:ext cx="6934200" cy="2514600"/>
+          </a:xfrm>
+        </p:spPr>
+        <p:txBody>
+          <a:bodyPr/>
+          <a:lstStyle/>
+          <a:p>
+            <a:pPr algn="just" defTabSz="673100" eaLnBrk="1" hangingPunct="1"/>
+            <a:r>
+              <a:rPr lang="en-IN" altLang="en-US" sz="1600" b="1" dirty="0">
+                <a:solidFill>
+                  <a:schemeClr val="tx1"/>
+                </a:solidFill>
+                <a:cs typeface="Calibri" panose="020F0502020204030204" pitchFamily="34" charset="0"/>
+              </a:rPr>
+              <a:t>Dekate, Abhay &amp; Kulkarni, Chaitanya &amp; Killedar, Rohan. (2016). Study of Voice Controlled Personal Assistant Device. International Journal of Computer Trends and Technology. 42. 42-46.</a:t>
+            </a:r>
+          </a:p>
+          <a:p>
+            <a:pPr algn="just" defTabSz="673100" eaLnBrk="1" hangingPunct="1"/>
+            <a:r>
+              <a:rPr lang="en-US" altLang="en-US" sz="1600" b="1" dirty="0">
+                <a:solidFill>
+                  <a:schemeClr val="tx1"/>
+                </a:solidFill>
+                <a:cs typeface="Calibri" panose="020F0502020204030204" pitchFamily="34" charset="0"/>
+              </a:rPr>
+              <a:t>Nasirian, Farzaneh &amp; Ahmadian, Mohsen &amp; Lee, One-Ki. (2017). AI-Based Voice Assistant Systems: Evaluating from the Interaction and Trust Perspectives.</a:t>
+            </a:r>
+            <a:endParaRPr lang="en-IN" altLang="en-US" sz="1600" b="1" dirty="0">
+              <a:solidFill>
+                <a:schemeClr val="tx1"/>
+              </a:solidFill>
+              <a:cs typeface="Calibri" panose="020F0502020204030204" pitchFamily="34" charset="0"/>
+            </a:endParaRPr>
+          </a:p>
+          <a:p>
+            <a:pPr algn="just" defTabSz="673100" eaLnBrk="1" hangingPunct="1"/>
+            <a:r>
+              <a:rPr lang="en-US" altLang="en-US" sz="1600" b="1" dirty="0">
+                <a:solidFill>
+                  <a:schemeClr val="tx1"/>
+                </a:solidFill>
+                <a:cs typeface="Calibri" panose="020F0502020204030204" pitchFamily="34" charset="0"/>
+              </a:rPr>
+              <a:t>Poushneh, Atieh. (2021). Humanizing voice assistant: The impact of voice assistant personality on consumers’ attitudes and behaviors. Journal of Retailing and Consumer Services. 58.</a:t>
+            </a:r>
+          </a:p>
+          <a:p>
+            <a:pPr algn="just" defTabSz="673100" eaLnBrk="1" hangingPunct="1"/>
+            <a:r>
+              <a:rPr lang="en-IN" sz="1600" b="1" dirty="0">
+                <a:solidFill>
+                  <a:schemeClr val="tx1"/>
+                </a:solidFill>
+              </a:rPr>
+              <a:t>Vishal Kumar Dhanraj</a:t>
+            </a:r>
+            <a:r>
+              <a:rPr lang="en-US" sz="1600" b="1" dirty="0">
+                <a:solidFill>
+                  <a:schemeClr val="tx1"/>
+                </a:solidFill>
+              </a:rPr>
+              <a:t>,</a:t>
+            </a:r>
+            <a:r>
+              <a:rPr lang="en-IN" sz="1600" b="1" dirty="0">
+                <a:solidFill>
+                  <a:schemeClr val="tx1"/>
+                </a:solidFill>
+              </a:rPr>
+              <a:t> Lokesh Kriplani Semal Mahajan</a:t>
+            </a:r>
+            <a:r>
+              <a:rPr lang="en-US" sz="1600" b="1" dirty="0">
+                <a:solidFill>
+                  <a:schemeClr val="tx1"/>
+                </a:solidFill>
+              </a:rPr>
+              <a:t>. Research Paper on Desktop Voice Assistant, International Journal of Research in Engineering and Science (IJRES) </a:t>
+            </a:r>
+            <a:r>
+              <a:rPr lang="en-IN" sz="1600" b="1" dirty="0">
+                <a:solidFill>
+                  <a:schemeClr val="tx1"/>
+                </a:solidFill>
+              </a:rPr>
+              <a:t>Volume 10 ,Issue 2,PP. 15-20 (</a:t>
+            </a:r>
+            <a:r>
+              <a:rPr lang="en-US" sz="1600" b="1" dirty="0">
+                <a:solidFill>
+                  <a:schemeClr val="tx1"/>
+                </a:solidFill>
+              </a:rPr>
+              <a:t>February 2022)</a:t>
+            </a:r>
+            <a:r>
+              <a:rPr lang="en-US" sz="1600" b="1" i="0" dirty="0">
+                <a:solidFill>
+                  <a:schemeClr val="tx1"/>
+                </a:solidFill>
+                <a:effectLst/>
+              </a:rPr>
+              <a:t> </a:t>
+            </a:r>
+          </a:p>
+          <a:p>
+            <a:pPr algn="just" defTabSz="673100" eaLnBrk="1" hangingPunct="1"/>
+            <a:r>
+              <a:rPr lang="en-US" sz="1600" b="1" i="0" dirty="0">
+                <a:solidFill>
+                  <a:schemeClr val="tx1"/>
+                </a:solidFill>
+                <a:effectLst/>
+              </a:rPr>
+              <a:t>G. Preethi , Abishek. K , Thiruppugal S , Vishwaa D A, 2022, Voice Assistant using Artificial Intelligence, INTERNATIONAL JOURNAL OF ENGINEERING RESEARCH &amp; TECHNOLOGY (IJERT) Volume 11, Issue 05 (May 2022)</a:t>
+            </a:r>
+          </a:p>
+          <a:p>
+            <a:pPr algn="just" defTabSz="673100" eaLnBrk="1" hangingPunct="1"/>
+            <a:endParaRPr lang="en-US" sz="1600" b="1" dirty="0">
+              <a:solidFill>
+                <a:schemeClr val="tx1"/>
+              </a:solidFill>
+            </a:endParaRPr>
+          </a:p>
+          <a:p>
+            <a:pPr algn="just" defTabSz="673100" eaLnBrk="1" hangingPunct="1">
+              <a:buFont typeface="Wingdings 3" panose="05040102010807070707" pitchFamily="18" charset="2"/>
+              <a:buNone/>
+            </a:pPr>
+            <a:endParaRPr lang="en-IN" altLang="en-US" sz="1600" b="1" dirty="0">
+              <a:latin typeface="Calibri" panose="020F0502020204030204" pitchFamily="34" charset="0"/>
+              <a:cs typeface="Calibri" panose="020F0502020204030204" pitchFamily="34" charset="0"/>
+            </a:endParaRPr>
+          </a:p>
+          <a:p>
+            <a:pPr algn="just" defTabSz="673100" eaLnBrk="1" hangingPunct="1"/>
+            <a:endParaRPr lang="en-IN" altLang="en-US" sz="1600" b="1" dirty="0">
+              <a:latin typeface="Calibri" panose="020F0502020204030204" pitchFamily="34" charset="0"/>
+              <a:cs typeface="Calibri" panose="020F0502020204030204" pitchFamily="34" charset="0"/>
+            </a:endParaRPr>
+          </a:p>
+          <a:p>
+            <a:pPr defTabSz="673100" eaLnBrk="1" hangingPunct="1"/>
+            <a:endParaRPr lang="en-IN" altLang="en-US" sz="1600" b="1" dirty="0">
+              <a:latin typeface="Calibri" panose="020F0502020204030204" pitchFamily="34" charset="0"/>
+              <a:cs typeface="Calibri" panose="020F0502020204030204" pitchFamily="34" charset="0"/>
+            </a:endParaRPr>
+          </a:p>
+          <a:p>
+            <a:pPr defTabSz="673100" eaLnBrk="1" hangingPunct="1"/>
+            <a:endParaRPr lang="en-IN" altLang="en-US" sz="1600" b="1" dirty="0">
+              <a:latin typeface="Calibri" panose="020F0502020204030204" pitchFamily="34" charset="0"/>
+              <a:cs typeface="Calibri" panose="020F0502020204030204" pitchFamily="34" charset="0"/>
+            </a:endParaRPr>
+          </a:p>
+        </p:txBody>
+      </p:sp>
+      <p:sp>
+        <p:nvSpPr>
+          <p:cNvPr id="4" name="Date Placeholder 3">
+            <a:extLst>
+              <a:ext uri="{FF2B5EF4-FFF2-40B4-BE49-F238E27FC236}">
+                <a16:creationId xmlns:a16="http://schemas.microsoft.com/office/drawing/2014/main" id="{E6CEF58E-3D78-DAEF-1BD5-FE5AC56D72E6}"/>
+              </a:ext>
+            </a:extLst>
+          </p:cNvPr>
+          <p:cNvSpPr>
+            <a:spLocks noGrp="1"/>
+          </p:cNvSpPr>
+          <p:nvPr>
+            <p:ph type="dt" sz="quarter" idx="10"/>
+          </p:nvPr>
+        </p:nvSpPr>
+        <p:spPr>
+          <a:xfrm>
+            <a:off x="895350" y="6328830"/>
+            <a:ext cx="952500" cy="369887"/>
+          </a:xfrm>
+        </p:spPr>
+        <p:txBody>
+          <a:bodyPr/>
+          <a:lstStyle/>
+          <a:p>
+            <a:pPr>
+              <a:defRPr/>
+            </a:pPr>
+            <a:r>
+              <a:rPr lang="en-US" altLang="en-US" dirty="0"/>
+              <a:t>4/5/2023</a:t>
+            </a:r>
+          </a:p>
+        </p:txBody>
+      </p:sp>
+      <p:sp>
+        <p:nvSpPr>
+          <p:cNvPr id="5" name="Footer Placeholder 4">
+            <a:extLst>
+              <a:ext uri="{FF2B5EF4-FFF2-40B4-BE49-F238E27FC236}">
+                <a16:creationId xmlns:a16="http://schemas.microsoft.com/office/drawing/2014/main" id="{02515A69-AAA9-2BC8-D6EB-D80407931D4A}"/>
+              </a:ext>
+            </a:extLst>
+          </p:cNvPr>
+          <p:cNvSpPr>
+            <a:spLocks noGrp="1"/>
+          </p:cNvSpPr>
+          <p:nvPr>
+            <p:ph type="ftr" sz="quarter" idx="11"/>
+          </p:nvPr>
+        </p:nvSpPr>
+        <p:spPr>
+          <a:xfrm>
+            <a:off x="2895600" y="6333592"/>
+            <a:ext cx="4876800" cy="365125"/>
+          </a:xfrm>
+        </p:spPr>
+        <p:txBody>
+          <a:bodyPr/>
+          <a:lstStyle/>
+          <a:p>
+            <a:pPr>
+              <a:defRPr/>
+            </a:pPr>
+            <a:r>
+              <a:rPr lang="en-US" altLang="en-US" dirty="0"/>
+              <a:t>Dept of CSE., SOE-Dayananda Sagar University</a:t>
+            </a:r>
+          </a:p>
+        </p:txBody>
+      </p:sp>
+      <p:sp>
+        <p:nvSpPr>
+          <p:cNvPr id="6" name="TextBox 5">
+            <a:extLst>
+              <a:ext uri="{FF2B5EF4-FFF2-40B4-BE49-F238E27FC236}">
+                <a16:creationId xmlns:a16="http://schemas.microsoft.com/office/drawing/2014/main" id="{4D106B4E-C80E-5AF4-3BF5-61AE27DE382C}"/>
+              </a:ext>
+            </a:extLst>
+          </p:cNvPr>
+          <p:cNvSpPr txBox="1"/>
+          <p:nvPr/>
+        </p:nvSpPr>
+        <p:spPr>
+          <a:xfrm>
+            <a:off x="762000" y="762278"/>
+            <a:ext cx="4572000" cy="369332"/>
+          </a:xfrm>
+          <a:prstGeom prst="rect">
+            <a:avLst/>
+          </a:prstGeom>
+          <a:noFill/>
+        </p:spPr>
+        <p:txBody>
+          <a:bodyPr wrap="square">
+            <a:spAutoFit/>
+          </a:bodyPr>
+          <a:lstStyle/>
+          <a:p>
+            <a:fld id="{BFA22BDA-A4D6-4347-A697-4C2AFBD80B78}" type="slidenum">
+              <a:rPr lang="en-US" altLang="en-US" smtClean="0">
+                <a:solidFill>
+                  <a:schemeClr val="bg1"/>
+                </a:solidFill>
+              </a:rPr>
+              <a:pPr/>
+              <a:t>38</a:t>
+            </a:fld>
+            <a:endParaRPr lang="en-IN" dirty="0"/>
+          </a:p>
+        </p:txBody>
+      </p:sp>
+    </p:spTree>
+  </p:cSld>
+  <p:clrMapOvr>
+    <a:masterClrMapping/>
+  </p:clrMapOvr>
+</p:sld>
+</file>
+
+<file path=ppt/slides/slide39.xml><?xml version="1.0" encoding="utf-8"?>
+<p:sld xmlns:a="http://schemas.openxmlformats.org/drawingml/2006/main" xmlns:r="http://schemas.openxmlformats.org/officeDocument/2006/relationships" xmlns:p="http://schemas.openxmlformats.org/presentationml/2006/main">
+  <p:cSld>
+    <p:spTree>
+      <p:nvGrpSpPr>
+        <p:cNvPr id="1" name=""/>
+        <p:cNvGrpSpPr/>
+        <p:nvPr/>
+      </p:nvGrpSpPr>
+      <p:grpSpPr>
+        <a:xfrm>
+          <a:off x="0" y="0"/>
+          <a:ext cx="0" cy="0"/>
+          <a:chOff x="0" y="0"/>
+          <a:chExt cx="0" cy="0"/>
+        </a:xfrm>
+      </p:grpSpPr>
+      <p:sp>
+        <p:nvSpPr>
+          <p:cNvPr id="30723" name="Content Placeholder 2">
+            <a:extLst>
+              <a:ext uri="{FF2B5EF4-FFF2-40B4-BE49-F238E27FC236}">
+                <a16:creationId xmlns:a16="http://schemas.microsoft.com/office/drawing/2014/main" id="{BF7FF8C9-6133-1F94-6905-2E254CB473B2}"/>
+              </a:ext>
+            </a:extLst>
+          </p:cNvPr>
+          <p:cNvSpPr>
+            <a:spLocks noGrp="1"/>
+          </p:cNvSpPr>
+          <p:nvPr>
+            <p:ph idx="1"/>
+          </p:nvPr>
+        </p:nvSpPr>
+        <p:spPr>
+          <a:xfrm>
+            <a:off x="1943100" y="2133600"/>
+            <a:ext cx="6591300" cy="3778250"/>
+          </a:xfrm>
+        </p:spPr>
+        <p:txBody>
+          <a:bodyPr/>
+          <a:lstStyle/>
+          <a:p>
+            <a:pPr algn="ctr">
+              <a:buFont typeface="Wingdings 3" panose="05040102010807070707" pitchFamily="18" charset="2"/>
+              <a:buNone/>
+            </a:pPr>
+            <a:endParaRPr lang="en-US" altLang="en-US" sz="3600" b="1" dirty="0"/>
+          </a:p>
+          <a:p>
+            <a:pPr algn="ctr">
+              <a:buFont typeface="Wingdings 3" panose="05040102010807070707" pitchFamily="18" charset="2"/>
+              <a:buNone/>
+            </a:pPr>
+            <a:r>
+              <a:rPr lang="en-US" altLang="en-US" sz="7200" b="1" dirty="0"/>
+              <a:t>THANK YOU</a:t>
+            </a:r>
+          </a:p>
+        </p:txBody>
+      </p:sp>
+      <p:sp>
+        <p:nvSpPr>
+          <p:cNvPr id="4" name="Date Placeholder 3">
+            <a:extLst>
+              <a:ext uri="{FF2B5EF4-FFF2-40B4-BE49-F238E27FC236}">
+                <a16:creationId xmlns:a16="http://schemas.microsoft.com/office/drawing/2014/main" id="{FCCA8155-0894-F88C-DB40-9E9D018D5D88}"/>
+              </a:ext>
+            </a:extLst>
+          </p:cNvPr>
+          <p:cNvSpPr>
+            <a:spLocks noGrp="1"/>
+          </p:cNvSpPr>
+          <p:nvPr>
+            <p:ph type="dt" sz="quarter" idx="10"/>
+          </p:nvPr>
+        </p:nvSpPr>
+        <p:spPr/>
+        <p:txBody>
+          <a:bodyPr/>
+          <a:lstStyle/>
+          <a:p>
+            <a:pPr>
+              <a:defRPr/>
+            </a:pPr>
+            <a:r>
+              <a:rPr lang="en-US" altLang="en-US" dirty="0"/>
+              <a:t>6/6/2023</a:t>
+            </a:r>
+          </a:p>
+        </p:txBody>
+      </p:sp>
+      <p:sp>
+        <p:nvSpPr>
+          <p:cNvPr id="5" name="Footer Placeholder 4">
+            <a:extLst>
+              <a:ext uri="{FF2B5EF4-FFF2-40B4-BE49-F238E27FC236}">
+                <a16:creationId xmlns:a16="http://schemas.microsoft.com/office/drawing/2014/main" id="{04BD95DB-AB65-9F03-23DC-57EB2F8B2D93}"/>
+              </a:ext>
+            </a:extLst>
+          </p:cNvPr>
+          <p:cNvSpPr>
+            <a:spLocks noGrp="1"/>
+          </p:cNvSpPr>
+          <p:nvPr>
+            <p:ph type="ftr" sz="quarter" idx="11"/>
+          </p:nvPr>
+        </p:nvSpPr>
+        <p:spPr/>
+        <p:txBody>
+          <a:bodyPr/>
+          <a:lstStyle/>
+          <a:p>
+            <a:pPr>
+              <a:defRPr/>
+            </a:pPr>
+            <a:r>
+              <a:rPr lang="en-US" altLang="en-US"/>
+              <a:t>Dept of CSE., SOE-Dayananda Sagar University</a:t>
+            </a:r>
+          </a:p>
+        </p:txBody>
+      </p:sp>
+      <p:sp>
+        <p:nvSpPr>
+          <p:cNvPr id="3" name="TextBox 2">
+            <a:extLst>
+              <a:ext uri="{FF2B5EF4-FFF2-40B4-BE49-F238E27FC236}">
+                <a16:creationId xmlns:a16="http://schemas.microsoft.com/office/drawing/2014/main" id="{E097DDDC-D970-4F1D-2E87-1D73C30F3031}"/>
+              </a:ext>
+            </a:extLst>
+          </p:cNvPr>
+          <p:cNvSpPr txBox="1"/>
+          <p:nvPr/>
+        </p:nvSpPr>
+        <p:spPr>
+          <a:xfrm>
+            <a:off x="752856" y="761484"/>
+            <a:ext cx="4572000" cy="369332"/>
+          </a:xfrm>
+          <a:prstGeom prst="rect">
+            <a:avLst/>
+          </a:prstGeom>
+          <a:noFill/>
+        </p:spPr>
+        <p:txBody>
+          <a:bodyPr wrap="square">
+            <a:spAutoFit/>
+          </a:bodyPr>
+          <a:lstStyle/>
+          <a:p>
+            <a:fld id="{BFA22BDA-A4D6-4347-A697-4C2AFBD80B78}" type="slidenum">
+              <a:rPr lang="en-US" altLang="en-US" smtClean="0">
+                <a:solidFill>
+                  <a:schemeClr val="bg1"/>
+                </a:solidFill>
+              </a:rPr>
+              <a:pPr/>
+              <a:t>39</a:t>
             </a:fld>
             <a:endParaRPr lang="en-IN" dirty="0"/>
           </a:p>
@@ -25075,46 +25915,6 @@
               <a:rPr lang="en-US" altLang="en-US"/>
               <a:t>Dept of CSE., SOE-Dayananda Sagar University</a:t>
             </a:r>
-          </a:p>
-        </p:txBody>
-      </p:sp>
-      <p:sp>
-        <p:nvSpPr>
-          <p:cNvPr id="6" name="Slide Number Placeholder 5">
-            <a:extLst>
-              <a:ext uri="{FF2B5EF4-FFF2-40B4-BE49-F238E27FC236}">
-                <a16:creationId xmlns:a16="http://schemas.microsoft.com/office/drawing/2014/main" id="{0B531C2E-5A21-B7B4-FB3F-B52AA7573EAF}"/>
-              </a:ext>
-            </a:extLst>
-          </p:cNvPr>
-          <p:cNvSpPr>
-            <a:spLocks noGrp="1"/>
-          </p:cNvSpPr>
-          <p:nvPr>
-            <p:ph type="sldNum" sz="quarter" idx="12"/>
-          </p:nvPr>
-        </p:nvSpPr>
-        <p:spPr/>
-        <p:txBody>
-          <a:bodyPr/>
-          <a:lstStyle/>
-          <a:p>
-            <a:pPr>
-              <a:defRPr/>
-            </a:pPr>
-            <a:r>
-              <a:rPr lang="en-IN" dirty="0"/>
-              <a:t>4  of </a:t>
-            </a:r>
-            <a:r>
-              <a:rPr lang="en-US" altLang="en-US" dirty="0">
-                <a:solidFill>
-                  <a:srgbClr val="898989"/>
-                </a:solidFill>
-              </a:rPr>
-              <a:t>24</a:t>
-            </a:r>
-            <a:endParaRPr lang="en-IN" altLang="en-US" dirty="0"/>
           </a:p>
         </p:txBody>
       </p:sp>
@@ -25327,164 +26127,6 @@
       </p:sp>
       <p:sp>
         <p:nvSpPr>
-          <p:cNvPr id="3" name="Slide Number Placeholder 2">
-            <a:extLst>
-              <a:ext uri="{FF2B5EF4-FFF2-40B4-BE49-F238E27FC236}">
-                <a16:creationId xmlns:a16="http://schemas.microsoft.com/office/drawing/2014/main" id="{AC8F5737-309A-04F8-4178-5B4D246D50DC}"/>
-              </a:ext>
-            </a:extLst>
-          </p:cNvPr>
-          <p:cNvSpPr>
-            <a:spLocks noGrp="1"/>
-          </p:cNvSpPr>
-          <p:nvPr>
-            <p:ph type="sldNum" sz="quarter" idx="12"/>
-          </p:nvPr>
-        </p:nvSpPr>
-        <p:spPr>
-          <a:xfrm>
-            <a:off x="8243888" y="6156325"/>
-            <a:ext cx="585787" cy="365125"/>
-          </a:xfrm>
-        </p:spPr>
-        <p:txBody>
-          <a:bodyPr/>
-          <a:lstStyle>
-            <a:lvl1pPr>
-              <a:defRPr>
-                <a:solidFill>
-                  <a:schemeClr val="tx1"/>
-                </a:solidFill>
-                <a:latin typeface="Century Gothic" panose="020B0502020202020204" pitchFamily="34" charset="0"/>
-              </a:defRPr>
-            </a:lvl1pPr>
-            <a:lvl2pPr marL="742950" indent="-285750">
-              <a:defRPr>
-                <a:solidFill>
-                  <a:schemeClr val="tx1"/>
-                </a:solidFill>
-                <a:latin typeface="Century Gothic" panose="020B0502020202020204" pitchFamily="34" charset="0"/>
-              </a:defRPr>
-            </a:lvl2pPr>
-            <a:lvl3pPr marL="1143000" indent="-228600">
-              <a:defRPr>
-                <a:solidFill>
-                  <a:schemeClr val="tx1"/>
-                </a:solidFill>
-                <a:latin typeface="Century Gothic" panose="020B0502020202020204" pitchFamily="34" charset="0"/>
-              </a:defRPr>
-            </a:lvl3pPr>
-            <a:lvl4pPr marL="1600200" indent="-228600">
-              <a:defRPr>
-                <a:solidFill>
-                  <a:schemeClr val="tx1"/>
-                </a:solidFill>
-                <a:latin typeface="Century Gothic" panose="020B0502020202020204" pitchFamily="34" charset="0"/>
-              </a:defRPr>
-            </a:lvl4pPr>
-            <a:lvl5pPr marL="2057400" indent="-228600">
-              <a:defRPr>
-                <a:solidFill>
-                  <a:schemeClr val="tx1"/>
-                </a:solidFill>
-                <a:latin typeface="Century Gothic" panose="020B0502020202020204" pitchFamily="34" charset="0"/>
-              </a:defRPr>
-            </a:lvl5pPr>
-            <a:lvl6pPr marL="2514600" indent="-228600" defTabSz="457200" eaLnBrk="0" fontAlgn="base" hangingPunct="0">
-              <a:spcBef>
-                <a:spcPct val="0"/>
-              </a:spcBef>
-              <a:spcAft>
-                <a:spcPct val="0"/>
-              </a:spcAft>
-              <a:defRPr>
-                <a:solidFill>
-                  <a:schemeClr val="tx1"/>
-                </a:solidFill>
-                <a:latin typeface="Century Gothic" panose="020B0502020202020204" pitchFamily="34" charset="0"/>
-              </a:defRPr>
-            </a:lvl6pPr>
-            <a:lvl7pPr marL="2971800" indent="-228600" defTabSz="457200" eaLnBrk="0" fontAlgn="base" hangingPunct="0">
-              <a:spcBef>
-                <a:spcPct val="0"/>
-              </a:spcBef>
-              <a:spcAft>
-                <a:spcPct val="0"/>
-              </a:spcAft>
-              <a:defRPr>
-                <a:solidFill>
-                  <a:schemeClr val="tx1"/>
-                </a:solidFill>
-                <a:latin typeface="Century Gothic" panose="020B0502020202020204" pitchFamily="34" charset="0"/>
-              </a:defRPr>
-            </a:lvl7pPr>
-            <a:lvl8pPr marL="3429000" indent="-228600" defTabSz="457200" eaLnBrk="0" fontAlgn="base" hangingPunct="0">
-              <a:spcBef>
-                <a:spcPct val="0"/>
-              </a:spcBef>
-              <a:spcAft>
-                <a:spcPct val="0"/>
-              </a:spcAft>
-              <a:defRPr>
-                <a:solidFill>
-                  <a:schemeClr val="tx1"/>
-                </a:solidFill>
-                <a:latin typeface="Century Gothic" panose="020B0502020202020204" pitchFamily="34" charset="0"/>
-              </a:defRPr>
-            </a:lvl8pPr>
-            <a:lvl9pPr marL="3886200" indent="-228600" defTabSz="457200" eaLnBrk="0" fontAlgn="base" hangingPunct="0">
-              <a:spcBef>
-                <a:spcPct val="0"/>
-              </a:spcBef>
-              <a:spcAft>
-                <a:spcPct val="0"/>
-              </a:spcAft>
-              <a:defRPr>
-                <a:solidFill>
-                  <a:schemeClr val="tx1"/>
-                </a:solidFill>
-                <a:latin typeface="Century Gothic" panose="020B0502020202020204" pitchFamily="34" charset="0"/>
-              </a:defRPr>
-            </a:lvl9pPr>
-          </a:lstStyle>
-          <a:p>
-            <a:pPr fontAlgn="base">
-              <a:spcBef>
-                <a:spcPct val="0"/>
-              </a:spcBef>
-              <a:spcAft>
-                <a:spcPct val="0"/>
-              </a:spcAft>
-            </a:pPr>
-            <a:fld id="{613FDA77-B7BB-4BF8-A484-1C02A7FBD97F}" type="slidenum">
-              <a:rPr lang="en-US" altLang="en-US" smtClean="0">
-                <a:solidFill>
-                  <a:srgbClr val="898989"/>
-                </a:solidFill>
-              </a:rPr>
-              <a:pPr fontAlgn="base">
-                <a:spcBef>
-                  <a:spcPct val="0"/>
-                </a:spcBef>
-                <a:spcAft>
-                  <a:spcPct val="0"/>
-                </a:spcAft>
-              </a:pPr>
-              <a:t>5</a:t>
-            </a:fld>
-            <a:r>
-              <a:rPr lang="en-US" altLang="en-US" dirty="0">
-                <a:solidFill>
-                  <a:srgbClr val="898989"/>
-                </a:solidFill>
-              </a:rPr>
-              <a:t> of 24</a:t>
-            </a:r>
-          </a:p>
-        </p:txBody>
-      </p:sp>
-      <p:sp>
-        <p:nvSpPr>
           <p:cNvPr id="7" name="Date Placeholder 1">
             <a:extLst>
               <a:ext uri="{FF2B5EF4-FFF2-40B4-BE49-F238E27FC236}">
@@ -25743,159 +26385,6 @@
       </p:sp>
       <p:sp>
         <p:nvSpPr>
-          <p:cNvPr id="2" name="Slide Number Placeholder 1">
-            <a:extLst>
-              <a:ext uri="{FF2B5EF4-FFF2-40B4-BE49-F238E27FC236}">
-                <a16:creationId xmlns:a16="http://schemas.microsoft.com/office/drawing/2014/main" id="{F2B572F5-861F-0A91-4908-29DA4807FE50}"/>
-              </a:ext>
-            </a:extLst>
-          </p:cNvPr>
-          <p:cNvSpPr>
-            <a:spLocks noGrp="1"/>
-          </p:cNvSpPr>
-          <p:nvPr>
-            <p:ph type="sldNum" sz="quarter" idx="12"/>
-          </p:nvPr>
-        </p:nvSpPr>
-        <p:spPr/>
-        <p:txBody>
-          <a:bodyPr/>
-          <a:lstStyle>
-            <a:lvl1pPr>
-              <a:defRPr>
-                <a:solidFill>
-                  <a:schemeClr val="tx1"/>
-                </a:solidFill>
-                <a:latin typeface="Century Gothic" panose="020B0502020202020204" pitchFamily="34" charset="0"/>
-              </a:defRPr>
-            </a:lvl1pPr>
-            <a:lvl2pPr marL="742950" indent="-285750">
-              <a:defRPr>
-                <a:solidFill>
-                  <a:schemeClr val="tx1"/>
-                </a:solidFill>
-                <a:latin typeface="Century Gothic" panose="020B0502020202020204" pitchFamily="34" charset="0"/>
-              </a:defRPr>
-            </a:lvl2pPr>
-            <a:lvl3pPr marL="1143000" indent="-228600">
-              <a:defRPr>
-                <a:solidFill>
-                  <a:schemeClr val="tx1"/>
-                </a:solidFill>
-                <a:latin typeface="Century Gothic" panose="020B0502020202020204" pitchFamily="34" charset="0"/>
-              </a:defRPr>
-            </a:lvl3pPr>
-            <a:lvl4pPr marL="1600200" indent="-228600">
-              <a:defRPr>
-                <a:solidFill>
-                  <a:schemeClr val="tx1"/>
-                </a:solidFill>
-                <a:latin typeface="Century Gothic" panose="020B0502020202020204" pitchFamily="34" charset="0"/>
-              </a:defRPr>
-            </a:lvl4pPr>
-            <a:lvl5pPr marL="2057400" indent="-228600">
-              <a:defRPr>
-                <a:solidFill>
-                  <a:schemeClr val="tx1"/>
-                </a:solidFill>
-                <a:latin typeface="Century Gothic" panose="020B0502020202020204" pitchFamily="34" charset="0"/>
-              </a:defRPr>
-            </a:lvl5pPr>
-            <a:lvl6pPr marL="2514600" indent="-228600" defTabSz="457200" eaLnBrk="0" fontAlgn="base" hangingPunct="0">
-              <a:spcBef>
-                <a:spcPct val="0"/>
-              </a:spcBef>
-              <a:spcAft>
-                <a:spcPct val="0"/>
-              </a:spcAft>
-              <a:defRPr>
-                <a:solidFill>
-                  <a:schemeClr val="tx1"/>
-                </a:solidFill>
-                <a:latin typeface="Century Gothic" panose="020B0502020202020204" pitchFamily="34" charset="0"/>
-              </a:defRPr>
-            </a:lvl6pPr>
-            <a:lvl7pPr marL="2971800" indent="-228600" defTabSz="457200" eaLnBrk="0" fontAlgn="base" hangingPunct="0">
-              <a:spcBef>
-                <a:spcPct val="0"/>
-              </a:spcBef>
-              <a:spcAft>
-                <a:spcPct val="0"/>
-              </a:spcAft>
-              <a:defRPr>
-                <a:solidFill>
-                  <a:schemeClr val="tx1"/>
-                </a:solidFill>
-                <a:latin typeface="Century Gothic" panose="020B0502020202020204" pitchFamily="34" charset="0"/>
-              </a:defRPr>
-            </a:lvl7pPr>
-            <a:lvl8pPr marL="3429000" indent="-228600" defTabSz="457200" eaLnBrk="0" fontAlgn="base" hangingPunct="0">
-              <a:spcBef>
-                <a:spcPct val="0"/>
-              </a:spcBef>
-              <a:spcAft>
-                <a:spcPct val="0"/>
-              </a:spcAft>
-              <a:defRPr>
-                <a:solidFill>
-                  <a:schemeClr val="tx1"/>
-                </a:solidFill>
-                <a:latin typeface="Century Gothic" panose="020B0502020202020204" pitchFamily="34" charset="0"/>
-              </a:defRPr>
-            </a:lvl8pPr>
-            <a:lvl9pPr marL="3886200" indent="-228600" defTabSz="457200" eaLnBrk="0" fontAlgn="base" hangingPunct="0">
-              <a:spcBef>
-                <a:spcPct val="0"/>
-              </a:spcBef>
-              <a:spcAft>
-                <a:spcPct val="0"/>
-              </a:spcAft>
-              <a:defRPr>
-                <a:solidFill>
-                  <a:schemeClr val="tx1"/>
-                </a:solidFill>
-                <a:latin typeface="Century Gothic" panose="020B0502020202020204" pitchFamily="34" charset="0"/>
-              </a:defRPr>
-            </a:lvl9pPr>
-          </a:lstStyle>
-          <a:p>
-            <a:pPr fontAlgn="base">
-              <a:spcBef>
-                <a:spcPct val="0"/>
-              </a:spcBef>
-              <a:spcAft>
-                <a:spcPct val="0"/>
-              </a:spcAft>
-            </a:pPr>
-            <a:fld id="{65E9E084-4039-45EE-8FC7-0DE365C267AF}" type="slidenum">
-              <a:rPr lang="en-US" altLang="en-US" smtClean="0">
-                <a:solidFill>
-                  <a:srgbClr val="898989"/>
-                </a:solidFill>
-              </a:rPr>
-              <a:pPr fontAlgn="base">
-                <a:spcBef>
-                  <a:spcPct val="0"/>
-                </a:spcBef>
-                <a:spcAft>
-                  <a:spcPct val="0"/>
-                </a:spcAft>
-              </a:pPr>
-              <a:t>6</a:t>
-            </a:fld>
-            <a:r>
-              <a:rPr lang="en-US" altLang="en-US" dirty="0">
-                <a:solidFill>
-                  <a:srgbClr val="898989"/>
-                </a:solidFill>
-              </a:rPr>
-              <a:t> of 24</a:t>
-            </a:r>
-          </a:p>
-        </p:txBody>
-      </p:sp>
-      <p:sp>
-        <p:nvSpPr>
           <p:cNvPr id="7" name="Date Placeholder 1">
             <a:extLst>
               <a:ext uri="{FF2B5EF4-FFF2-40B4-BE49-F238E27FC236}">
@@ -26175,46 +26664,6 @@
               <a:rPr lang="en-US" altLang="en-US"/>
               <a:t>Dept of CSE., SOE-Dayananda Sagar University</a:t>
             </a:r>
-          </a:p>
-        </p:txBody>
-      </p:sp>
-      <p:sp>
-        <p:nvSpPr>
-          <p:cNvPr id="6" name="Slide Number Placeholder 5">
-            <a:extLst>
-              <a:ext uri="{FF2B5EF4-FFF2-40B4-BE49-F238E27FC236}">
-                <a16:creationId xmlns:a16="http://schemas.microsoft.com/office/drawing/2014/main" id="{19057D03-FE9E-D280-2C9A-52DC58D3FAE7}"/>
-              </a:ext>
-            </a:extLst>
-          </p:cNvPr>
-          <p:cNvSpPr>
-            <a:spLocks noGrp="1"/>
-          </p:cNvSpPr>
-          <p:nvPr>
-            <p:ph type="sldNum" sz="quarter" idx="12"/>
-          </p:nvPr>
-        </p:nvSpPr>
-        <p:spPr/>
-        <p:txBody>
-          <a:bodyPr/>
-          <a:lstStyle/>
-          <a:p>
-            <a:pPr>
-              <a:defRPr/>
-            </a:pPr>
-            <a:r>
-              <a:rPr lang="en-IN" dirty="0"/>
-              <a:t>7  of </a:t>
-            </a:r>
-            <a:r>
-              <a:rPr lang="en-US" altLang="en-US" dirty="0">
-                <a:solidFill>
-                  <a:srgbClr val="898989"/>
-                </a:solidFill>
-              </a:rPr>
-              <a:t>24</a:t>
-            </a:r>
-            <a:endParaRPr lang="en-IN" altLang="en-US" dirty="0"/>
           </a:p>
         </p:txBody>
       </p:sp>
@@ -26414,46 +26863,6 @@
           </a:p>
         </p:txBody>
       </p:sp>
-      <p:sp>
-        <p:nvSpPr>
-          <p:cNvPr id="6" name="Slide Number Placeholder 5">
-            <a:extLst>
-              <a:ext uri="{FF2B5EF4-FFF2-40B4-BE49-F238E27FC236}">
-                <a16:creationId xmlns:a16="http://schemas.microsoft.com/office/drawing/2014/main" id="{F0429B52-275E-DD18-51A9-7C3A9927E81C}"/>
-              </a:ext>
-            </a:extLst>
-          </p:cNvPr>
-          <p:cNvSpPr>
-            <a:spLocks noGrp="1"/>
-          </p:cNvSpPr>
-          <p:nvPr>
-            <p:ph type="sldNum" sz="quarter" idx="12"/>
-          </p:nvPr>
-        </p:nvSpPr>
-        <p:spPr/>
-        <p:txBody>
-          <a:bodyPr/>
-          <a:lstStyle/>
-          <a:p>
-            <a:pPr>
-              <a:defRPr/>
-            </a:pPr>
-            <a:r>
-              <a:rPr lang="en-IN" dirty="0"/>
-              <a:t>8  of </a:t>
-            </a:r>
-            <a:r>
-              <a:rPr lang="en-US" altLang="en-US" dirty="0">
-                <a:solidFill>
-                  <a:srgbClr val="898989"/>
-                </a:solidFill>
-              </a:rPr>
-              <a:t>24</a:t>
-            </a:r>
-            <a:endParaRPr lang="en-IN" altLang="en-US" dirty="0"/>
-          </a:p>
-        </p:txBody>
-      </p:sp>
       <p:pic>
         <p:nvPicPr>
           <p:cNvPr id="10" name="Picture 9">
@@ -26658,46 +27067,6 @@
               <a:rPr lang="en-US" altLang="en-US"/>
               <a:t>Dept of CSE., SOE-Dayananda Sagar University</a:t>
             </a:r>
-          </a:p>
-        </p:txBody>
-      </p:sp>
-      <p:sp>
-        <p:nvSpPr>
-          <p:cNvPr id="6" name="Slide Number Placeholder 5">
-            <a:extLst>
-              <a:ext uri="{FF2B5EF4-FFF2-40B4-BE49-F238E27FC236}">
-                <a16:creationId xmlns:a16="http://schemas.microsoft.com/office/drawing/2014/main" id="{53A3715B-1EF1-9076-21C2-FAE6D41D37AA}"/>
-              </a:ext>
-            </a:extLst>
-          </p:cNvPr>
-          <p:cNvSpPr>
-            <a:spLocks noGrp="1"/>
-          </p:cNvSpPr>
-          <p:nvPr>
-            <p:ph type="sldNum" sz="quarter" idx="12"/>
-          </p:nvPr>
-        </p:nvSpPr>
-        <p:spPr/>
-        <p:txBody>
-          <a:bodyPr/>
-          <a:lstStyle/>
-          <a:p>
-            <a:pPr>
-              <a:defRPr/>
-            </a:pPr>
-            <a:r>
-              <a:rPr lang="en-IN" dirty="0"/>
-              <a:t>9  of </a:t>
-            </a:r>
-            <a:r>
-              <a:rPr lang="en-US" altLang="en-US" dirty="0">
-                <a:solidFill>
-                  <a:srgbClr val="898989"/>
-                </a:solidFill>
-              </a:rPr>
-              <a:t>24</a:t>
-            </a:r>
-            <a:endParaRPr lang="en-IN" altLang="en-US" dirty="0"/>
           </a:p>
         </p:txBody>
       </p:sp>

--- a/app/Personal_Robot_with_AI_enabled_Voice_Assistant.pptx
+++ b/app/Personal_Robot_with_AI_enabled_Voice_Assistant.pptx
@@ -24527,8 +24527,8 @@
         </p:nvSpPr>
         <p:spPr>
           <a:xfrm>
-            <a:off x="1676400" y="312934"/>
-            <a:ext cx="3009900" cy="1323439"/>
+            <a:off x="152400" y="-22156"/>
+            <a:ext cx="5638800" cy="707886"/>
           </a:xfrm>
           <a:prstGeom prst="rect">
             <a:avLst/>
@@ -24576,7 +24576,7 @@
         </p:nvSpPr>
         <p:spPr>
           <a:xfrm>
-            <a:off x="2628900" y="3167390"/>
+            <a:off x="2514600" y="895607"/>
             <a:ext cx="4114800" cy="523220"/>
           </a:xfrm>
           <a:prstGeom prst="rect">
@@ -24618,6 +24618,36 @@
           </a:p>
         </p:txBody>
       </p:sp>
+      <p:pic>
+        <p:nvPicPr>
+          <p:cNvPr id="8" name="Picture 7">
+            <a:extLst>
+              <a:ext uri="{FF2B5EF4-FFF2-40B4-BE49-F238E27FC236}">
+                <a16:creationId xmlns:a16="http://schemas.microsoft.com/office/drawing/2014/main" id="{A83A7A82-01E6-4FB7-F7EE-6F5B2BF278BD}"/>
+              </a:ext>
+            </a:extLst>
+          </p:cNvPr>
+          <p:cNvPicPr>
+            <a:picLocks noChangeAspect="1"/>
+          </p:cNvPicPr>
+          <p:nvPr/>
+        </p:nvPicPr>
+        <p:blipFill>
+          <a:blip r:embed="rId3"/>
+          <a:stretch>
+            <a:fillRect/>
+          </a:stretch>
+        </p:blipFill>
+        <p:spPr>
+          <a:xfrm>
+            <a:off x="12192" y="1752600"/>
+            <a:ext cx="9144000" cy="4662510"/>
+          </a:xfrm>
+          <a:prstGeom prst="rect">
+            <a:avLst/>
+          </a:prstGeom>
+        </p:spPr>
+      </p:pic>
     </p:spTree>
     <p:extLst>
       <p:ext uri="{BB962C8B-B14F-4D97-AF65-F5344CB8AC3E}">

--- a/app/Personal_Robot_with_AI_enabled_Voice_Assistant.pptx
+++ b/app/Personal_Robot_with_AI_enabled_Voice_Assistant.pptx
@@ -5,10 +5,10 @@
     <p:sldMasterId id="2147483875" r:id="rId1"/>
   </p:sldMasterIdLst>
   <p:notesMasterIdLst>
-    <p:notesMasterId r:id="rId41"/>
+    <p:notesMasterId r:id="rId42"/>
   </p:notesMasterIdLst>
   <p:handoutMasterIdLst>
-    <p:handoutMasterId r:id="rId42"/>
+    <p:handoutMasterId r:id="rId43"/>
   </p:handoutMasterIdLst>
   <p:sldIdLst>
     <p:sldId id="256" r:id="rId2"/>
@@ -31,25 +31,26 @@
     <p:sldId id="267" r:id="rId19"/>
     <p:sldId id="274" r:id="rId20"/>
     <p:sldId id="257" r:id="rId21"/>
-    <p:sldId id="259" r:id="rId22"/>
-    <p:sldId id="290" r:id="rId23"/>
-    <p:sldId id="291" r:id="rId24"/>
-    <p:sldId id="292" r:id="rId25"/>
-    <p:sldId id="263" r:id="rId26"/>
-    <p:sldId id="293" r:id="rId27"/>
-    <p:sldId id="265" r:id="rId28"/>
-    <p:sldId id="294" r:id="rId29"/>
-    <p:sldId id="300" r:id="rId30"/>
-    <p:sldId id="295" r:id="rId31"/>
-    <p:sldId id="271" r:id="rId32"/>
-    <p:sldId id="298" r:id="rId33"/>
-    <p:sldId id="299" r:id="rId34"/>
-    <p:sldId id="297" r:id="rId35"/>
-    <p:sldId id="285" r:id="rId36"/>
-    <p:sldId id="286" r:id="rId37"/>
-    <p:sldId id="287" r:id="rId38"/>
-    <p:sldId id="268" r:id="rId39"/>
-    <p:sldId id="269" r:id="rId40"/>
+    <p:sldId id="301" r:id="rId22"/>
+    <p:sldId id="259" r:id="rId23"/>
+    <p:sldId id="290" r:id="rId24"/>
+    <p:sldId id="291" r:id="rId25"/>
+    <p:sldId id="292" r:id="rId26"/>
+    <p:sldId id="263" r:id="rId27"/>
+    <p:sldId id="293" r:id="rId28"/>
+    <p:sldId id="265" r:id="rId29"/>
+    <p:sldId id="294" r:id="rId30"/>
+    <p:sldId id="300" r:id="rId31"/>
+    <p:sldId id="295" r:id="rId32"/>
+    <p:sldId id="271" r:id="rId33"/>
+    <p:sldId id="298" r:id="rId34"/>
+    <p:sldId id="299" r:id="rId35"/>
+    <p:sldId id="297" r:id="rId36"/>
+    <p:sldId id="285" r:id="rId37"/>
+    <p:sldId id="286" r:id="rId38"/>
+    <p:sldId id="287" r:id="rId39"/>
+    <p:sldId id="268" r:id="rId40"/>
+    <p:sldId id="269" r:id="rId41"/>
   </p:sldIdLst>
   <p:sldSz cx="9144000" cy="6858000" type="screen4x3"/>
   <p:notesSz cx="6858000" cy="9144000"/>
@@ -22686,7 +22687,7 @@
           <p:cNvPr id="2" name="Title 1">
             <a:extLst>
               <a:ext uri="{FF2B5EF4-FFF2-40B4-BE49-F238E27FC236}">
-                <a16:creationId xmlns:a16="http://schemas.microsoft.com/office/drawing/2014/main" id="{0ED014D9-60D8-1E4C-65BF-282E3805B8B8}"/>
+                <a16:creationId xmlns:a16="http://schemas.microsoft.com/office/drawing/2014/main" id="{C28AF645-F14F-D7F5-CEF0-369E03EAAB23}"/>
               </a:ext>
             </a:extLst>
           </p:cNvPr>
@@ -22699,7 +22700,7 @@
         </p:nvSpPr>
         <p:spPr>
           <a:xfrm>
-            <a:off x="152400" y="0"/>
+            <a:off x="152400" y="14511"/>
             <a:ext cx="6589200" cy="1280890"/>
           </a:xfrm>
         </p:spPr>
@@ -22717,21 +22718,20 @@
       </p:sp>
       <p:pic>
         <p:nvPicPr>
-          <p:cNvPr id="4" name="Picture 3" descr="Screenshot 2023-06-06 011427">
+          <p:cNvPr id="5" name="Picture 4">
             <a:extLst>
               <a:ext uri="{FF2B5EF4-FFF2-40B4-BE49-F238E27FC236}">
-                <a16:creationId xmlns:a16="http://schemas.microsoft.com/office/drawing/2014/main" id="{4DD0C27D-49F4-EB75-C22C-8961DF744D91}"/>
+                <a16:creationId xmlns:a16="http://schemas.microsoft.com/office/drawing/2014/main" id="{364E9BD6-5A44-F7F3-24B9-D30B01FD54DE}"/>
               </a:ext>
             </a:extLst>
           </p:cNvPr>
           <p:cNvPicPr>
-            <a:picLocks noGrp="1" noChangeAspect="1"/>
+            <a:picLocks noChangeAspect="1"/>
           </p:cNvPicPr>
-          <p:nvPr isPhoto="1"/>
+          <p:nvPr/>
         </p:nvPicPr>
         <p:blipFill>
           <a:blip r:embed="rId2">
-            <a:lum/>
             <a:extLst>
               <a:ext uri="{28A0092B-C50C-407E-A947-70E740481C1C}">
                 <a14:useLocalDpi xmlns:a14="http://schemas.microsoft.com/office/drawing/2010/main" val="0"/>
@@ -22744,7 +22744,7 @@
         </p:blipFill>
         <p:spPr>
           <a:xfrm>
-            <a:off x="152401" y="685800"/>
+            <a:off x="152400" y="685800"/>
             <a:ext cx="8991600" cy="6172200"/>
           </a:xfrm>
           <a:prstGeom prst="rect">
@@ -22755,7 +22755,7 @@
     </p:spTree>
     <p:extLst>
       <p:ext uri="{BB962C8B-B14F-4D97-AF65-F5344CB8AC3E}">
-        <p14:creationId xmlns:p14="http://schemas.microsoft.com/office/powerpoint/2010/main" val="3327848054"/>
+        <p14:creationId xmlns:p14="http://schemas.microsoft.com/office/powerpoint/2010/main" val="113388536"/>
       </p:ext>
     </p:extLst>
   </p:cSld>
@@ -22787,7 +22787,7 @@
           <p:cNvPr id="2" name="Title 1">
             <a:extLst>
               <a:ext uri="{FF2B5EF4-FFF2-40B4-BE49-F238E27FC236}">
-                <a16:creationId xmlns:a16="http://schemas.microsoft.com/office/drawing/2014/main" id="{B3359BBE-1AA8-3956-C9C8-B4264E838B9C}"/>
+                <a16:creationId xmlns:a16="http://schemas.microsoft.com/office/drawing/2014/main" id="{0ED014D9-60D8-1E4C-65BF-282E3805B8B8}"/>
               </a:ext>
             </a:extLst>
           </p:cNvPr>
@@ -22800,7 +22800,7 @@
         </p:nvSpPr>
         <p:spPr>
           <a:xfrm>
-            <a:off x="152400" y="76200"/>
+            <a:off x="152400" y="0"/>
             <a:ext cx="6589200" cy="1280890"/>
           </a:xfrm>
         </p:spPr>
@@ -22818,10 +22818,10 @@
       </p:sp>
       <p:pic>
         <p:nvPicPr>
-          <p:cNvPr id="4" name="Picture 3" descr="Screenshot 2023-06-06 011444">
+          <p:cNvPr id="4" name="Picture 3" descr="Screenshot 2023-06-06 011427">
             <a:extLst>
               <a:ext uri="{FF2B5EF4-FFF2-40B4-BE49-F238E27FC236}">
-                <a16:creationId xmlns:a16="http://schemas.microsoft.com/office/drawing/2014/main" id="{063E77A5-0375-C815-84A8-597BF60705E6}"/>
+                <a16:creationId xmlns:a16="http://schemas.microsoft.com/office/drawing/2014/main" id="{4DD0C27D-49F4-EB75-C22C-8961DF744D91}"/>
               </a:ext>
             </a:extLst>
           </p:cNvPr>
@@ -22845,8 +22845,8 @@
         </p:blipFill>
         <p:spPr>
           <a:xfrm>
-            <a:off x="152400" y="707500"/>
-            <a:ext cx="8991600" cy="6150499"/>
+            <a:off x="152401" y="685800"/>
+            <a:ext cx="8991600" cy="6172200"/>
           </a:xfrm>
           <a:prstGeom prst="rect">
             <a:avLst/>
@@ -22856,7 +22856,7 @@
     </p:spTree>
     <p:extLst>
       <p:ext uri="{BB962C8B-B14F-4D97-AF65-F5344CB8AC3E}">
-        <p14:creationId xmlns:p14="http://schemas.microsoft.com/office/powerpoint/2010/main" val="917051823"/>
+        <p14:creationId xmlns:p14="http://schemas.microsoft.com/office/powerpoint/2010/main" val="3327848054"/>
       </p:ext>
     </p:extLst>
   </p:cSld>
@@ -22888,7 +22888,7 @@
           <p:cNvPr id="2" name="Title 1">
             <a:extLst>
               <a:ext uri="{FF2B5EF4-FFF2-40B4-BE49-F238E27FC236}">
-                <a16:creationId xmlns:a16="http://schemas.microsoft.com/office/drawing/2014/main" id="{7F35E851-A8B5-00D9-7AC0-923942165F18}"/>
+                <a16:creationId xmlns:a16="http://schemas.microsoft.com/office/drawing/2014/main" id="{B3359BBE-1AA8-3956-C9C8-B4264E838B9C}"/>
               </a:ext>
             </a:extLst>
           </p:cNvPr>
@@ -22919,10 +22919,10 @@
       </p:sp>
       <p:pic>
         <p:nvPicPr>
-          <p:cNvPr id="4" name="Picture 3" descr="Screenshot 2023-06-06 011510">
+          <p:cNvPr id="4" name="Picture 3" descr="Screenshot 2023-06-06 011444">
             <a:extLst>
               <a:ext uri="{FF2B5EF4-FFF2-40B4-BE49-F238E27FC236}">
-                <a16:creationId xmlns:a16="http://schemas.microsoft.com/office/drawing/2014/main" id="{F3C4AF63-8FC0-01A5-80F5-19F5BE01B2FE}"/>
+                <a16:creationId xmlns:a16="http://schemas.microsoft.com/office/drawing/2014/main" id="{063E77A5-0375-C815-84A8-597BF60705E6}"/>
               </a:ext>
             </a:extLst>
           </p:cNvPr>
@@ -22946,8 +22946,8 @@
         </p:blipFill>
         <p:spPr>
           <a:xfrm>
-            <a:off x="179832" y="716644"/>
-            <a:ext cx="8964168" cy="6141355"/>
+            <a:off x="152400" y="707500"/>
+            <a:ext cx="8991600" cy="6150499"/>
           </a:xfrm>
           <a:prstGeom prst="rect">
             <a:avLst/>
@@ -22957,7 +22957,7 @@
     </p:spTree>
     <p:extLst>
       <p:ext uri="{BB962C8B-B14F-4D97-AF65-F5344CB8AC3E}">
-        <p14:creationId xmlns:p14="http://schemas.microsoft.com/office/powerpoint/2010/main" val="4059415053"/>
+        <p14:creationId xmlns:p14="http://schemas.microsoft.com/office/powerpoint/2010/main" val="917051823"/>
       </p:ext>
     </p:extLst>
   </p:cSld>
@@ -22989,7 +22989,7 @@
           <p:cNvPr id="2" name="Title 1">
             <a:extLst>
               <a:ext uri="{FF2B5EF4-FFF2-40B4-BE49-F238E27FC236}">
-                <a16:creationId xmlns:a16="http://schemas.microsoft.com/office/drawing/2014/main" id="{D89DFC56-1FC4-4BD4-29AE-B05B2912EDF9}"/>
+                <a16:creationId xmlns:a16="http://schemas.microsoft.com/office/drawing/2014/main" id="{7F35E851-A8B5-00D9-7AC0-923942165F18}"/>
               </a:ext>
             </a:extLst>
           </p:cNvPr>
@@ -23020,10 +23020,10 @@
       </p:sp>
       <p:pic>
         <p:nvPicPr>
-          <p:cNvPr id="4" name="Picture 3" descr="Screenshot 2023-06-06 011535">
+          <p:cNvPr id="4" name="Picture 3" descr="Screenshot 2023-06-06 011510">
             <a:extLst>
               <a:ext uri="{FF2B5EF4-FFF2-40B4-BE49-F238E27FC236}">
-                <a16:creationId xmlns:a16="http://schemas.microsoft.com/office/drawing/2014/main" id="{721F657F-FF94-4C51-2223-6FCDDC48A1DD}"/>
+                <a16:creationId xmlns:a16="http://schemas.microsoft.com/office/drawing/2014/main" id="{F3C4AF63-8FC0-01A5-80F5-19F5BE01B2FE}"/>
               </a:ext>
             </a:extLst>
           </p:cNvPr>
@@ -23047,8 +23047,8 @@
         </p:blipFill>
         <p:spPr>
           <a:xfrm>
-            <a:off x="152400" y="716644"/>
-            <a:ext cx="8991600" cy="6141355"/>
+            <a:off x="179832" y="716644"/>
+            <a:ext cx="8964168" cy="6141355"/>
           </a:xfrm>
           <a:prstGeom prst="rect">
             <a:avLst/>
@@ -23058,7 +23058,7 @@
     </p:spTree>
     <p:extLst>
       <p:ext uri="{BB962C8B-B14F-4D97-AF65-F5344CB8AC3E}">
-        <p14:creationId xmlns:p14="http://schemas.microsoft.com/office/powerpoint/2010/main" val="1156131839"/>
+        <p14:creationId xmlns:p14="http://schemas.microsoft.com/office/powerpoint/2010/main" val="4059415053"/>
       </p:ext>
     </p:extLst>
   </p:cSld>
@@ -23090,7 +23090,7 @@
           <p:cNvPr id="2" name="Title 1">
             <a:extLst>
               <a:ext uri="{FF2B5EF4-FFF2-40B4-BE49-F238E27FC236}">
-                <a16:creationId xmlns:a16="http://schemas.microsoft.com/office/drawing/2014/main" id="{17943294-DDC6-FBB3-1B72-1A99BFE07450}"/>
+                <a16:creationId xmlns:a16="http://schemas.microsoft.com/office/drawing/2014/main" id="{D89DFC56-1FC4-4BD4-29AE-B05B2912EDF9}"/>
               </a:ext>
             </a:extLst>
           </p:cNvPr>
@@ -23103,7 +23103,7 @@
         </p:nvSpPr>
         <p:spPr>
           <a:xfrm>
-            <a:off x="152400" y="0"/>
+            <a:off x="152400" y="76200"/>
             <a:ext cx="6589200" cy="1280890"/>
           </a:xfrm>
         </p:spPr>
@@ -23121,10 +23121,10 @@
       </p:sp>
       <p:pic>
         <p:nvPicPr>
-          <p:cNvPr id="4" name="Picture 3" descr="Screenshot 2023-06-06 011614">
+          <p:cNvPr id="4" name="Picture 3" descr="Screenshot 2023-06-06 011535">
             <a:extLst>
               <a:ext uri="{FF2B5EF4-FFF2-40B4-BE49-F238E27FC236}">
-                <a16:creationId xmlns:a16="http://schemas.microsoft.com/office/drawing/2014/main" id="{EB79082C-B289-91FC-A240-AFE84F44105A}"/>
+                <a16:creationId xmlns:a16="http://schemas.microsoft.com/office/drawing/2014/main" id="{721F657F-FF94-4C51-2223-6FCDDC48A1DD}"/>
               </a:ext>
             </a:extLst>
           </p:cNvPr>
@@ -23148,8 +23148,8 @@
         </p:blipFill>
         <p:spPr>
           <a:xfrm>
-            <a:off x="152400" y="685800"/>
-            <a:ext cx="8991600" cy="6172200"/>
+            <a:off x="152400" y="716644"/>
+            <a:ext cx="8991600" cy="6141355"/>
           </a:xfrm>
           <a:prstGeom prst="rect">
             <a:avLst/>
@@ -23159,7 +23159,7 @@
     </p:spTree>
     <p:extLst>
       <p:ext uri="{BB962C8B-B14F-4D97-AF65-F5344CB8AC3E}">
-        <p14:creationId xmlns:p14="http://schemas.microsoft.com/office/powerpoint/2010/main" val="4202178882"/>
+        <p14:creationId xmlns:p14="http://schemas.microsoft.com/office/powerpoint/2010/main" val="1156131839"/>
       </p:ext>
     </p:extLst>
   </p:cSld>
@@ -23191,7 +23191,7 @@
           <p:cNvPr id="2" name="Title 1">
             <a:extLst>
               <a:ext uri="{FF2B5EF4-FFF2-40B4-BE49-F238E27FC236}">
-                <a16:creationId xmlns:a16="http://schemas.microsoft.com/office/drawing/2014/main" id="{53857C06-DEF0-487C-D3E5-17CCC8F2B3A6}"/>
+                <a16:creationId xmlns:a16="http://schemas.microsoft.com/office/drawing/2014/main" id="{17943294-DDC6-FBB3-1B72-1A99BFE07450}"/>
               </a:ext>
             </a:extLst>
           </p:cNvPr>
@@ -23204,7 +23204,7 @@
         </p:nvSpPr>
         <p:spPr>
           <a:xfrm>
-            <a:off x="152400" y="76200"/>
+            <a:off x="152400" y="0"/>
             <a:ext cx="6589200" cy="1280890"/>
           </a:xfrm>
         </p:spPr>
@@ -23222,10 +23222,10 @@
       </p:sp>
       <p:pic>
         <p:nvPicPr>
-          <p:cNvPr id="4" name="Picture 3" descr="Screenshot 2023-06-06 011645">
+          <p:cNvPr id="4" name="Picture 3" descr="Screenshot 2023-06-06 011614">
             <a:extLst>
               <a:ext uri="{FF2B5EF4-FFF2-40B4-BE49-F238E27FC236}">
-                <a16:creationId xmlns:a16="http://schemas.microsoft.com/office/drawing/2014/main" id="{0C46EADD-E238-CB99-5399-97A2105BEA4B}"/>
+                <a16:creationId xmlns:a16="http://schemas.microsoft.com/office/drawing/2014/main" id="{EB79082C-B289-91FC-A240-AFE84F44105A}"/>
               </a:ext>
             </a:extLst>
           </p:cNvPr>
@@ -23249,8 +23249,8 @@
         </p:blipFill>
         <p:spPr>
           <a:xfrm>
-            <a:off x="152400" y="716645"/>
-            <a:ext cx="8991600" cy="6141356"/>
+            <a:off x="152400" y="685800"/>
+            <a:ext cx="8991600" cy="6172200"/>
           </a:xfrm>
           <a:prstGeom prst="rect">
             <a:avLst/>
@@ -23260,7 +23260,7 @@
     </p:spTree>
     <p:extLst>
       <p:ext uri="{BB962C8B-B14F-4D97-AF65-F5344CB8AC3E}">
-        <p14:creationId xmlns:p14="http://schemas.microsoft.com/office/powerpoint/2010/main" val="2882080158"/>
+        <p14:creationId xmlns:p14="http://schemas.microsoft.com/office/powerpoint/2010/main" val="4202178882"/>
       </p:ext>
     </p:extLst>
   </p:cSld>
@@ -23292,7 +23292,7 @@
           <p:cNvPr id="2" name="Title 1">
             <a:extLst>
               <a:ext uri="{FF2B5EF4-FFF2-40B4-BE49-F238E27FC236}">
-                <a16:creationId xmlns:a16="http://schemas.microsoft.com/office/drawing/2014/main" id="{267D525C-5BD0-7F3B-1F68-EFCD705CBD5B}"/>
+                <a16:creationId xmlns:a16="http://schemas.microsoft.com/office/drawing/2014/main" id="{53857C06-DEF0-487C-D3E5-17CCC8F2B3A6}"/>
               </a:ext>
             </a:extLst>
           </p:cNvPr>
@@ -23305,7 +23305,7 @@
         </p:nvSpPr>
         <p:spPr>
           <a:xfrm>
-            <a:off x="152400" y="0"/>
+            <a:off x="152400" y="76200"/>
             <a:ext cx="6589200" cy="1280890"/>
           </a:xfrm>
         </p:spPr>
@@ -23323,10 +23323,10 @@
       </p:sp>
       <p:pic>
         <p:nvPicPr>
-          <p:cNvPr id="4" name="Picture 3" descr="Screenshot 2023-06-06 011701">
+          <p:cNvPr id="4" name="Picture 3" descr="Screenshot 2023-06-06 011645">
             <a:extLst>
               <a:ext uri="{FF2B5EF4-FFF2-40B4-BE49-F238E27FC236}">
-                <a16:creationId xmlns:a16="http://schemas.microsoft.com/office/drawing/2014/main" id="{76A25EBB-292A-0792-2088-D41A903BA1BD}"/>
+                <a16:creationId xmlns:a16="http://schemas.microsoft.com/office/drawing/2014/main" id="{0C46EADD-E238-CB99-5399-97A2105BEA4B}"/>
               </a:ext>
             </a:extLst>
           </p:cNvPr>
@@ -23350,8 +23350,8 @@
         </p:blipFill>
         <p:spPr>
           <a:xfrm>
-            <a:off x="152400" y="667876"/>
-            <a:ext cx="8991600" cy="6190123"/>
+            <a:off x="152400" y="716645"/>
+            <a:ext cx="8991600" cy="6141356"/>
           </a:xfrm>
           <a:prstGeom prst="rect">
             <a:avLst/>
@@ -23361,7 +23361,7 @@
     </p:spTree>
     <p:extLst>
       <p:ext uri="{BB962C8B-B14F-4D97-AF65-F5344CB8AC3E}">
-        <p14:creationId xmlns:p14="http://schemas.microsoft.com/office/powerpoint/2010/main" val="2371137119"/>
+        <p14:creationId xmlns:p14="http://schemas.microsoft.com/office/powerpoint/2010/main" val="2882080158"/>
       </p:ext>
     </p:extLst>
   </p:cSld>
@@ -23393,7 +23393,7 @@
           <p:cNvPr id="2" name="Title 1">
             <a:extLst>
               <a:ext uri="{FF2B5EF4-FFF2-40B4-BE49-F238E27FC236}">
-                <a16:creationId xmlns:a16="http://schemas.microsoft.com/office/drawing/2014/main" id="{A40AFCB1-A92B-3A46-4140-1A9F7574C957}"/>
+                <a16:creationId xmlns:a16="http://schemas.microsoft.com/office/drawing/2014/main" id="{267D525C-5BD0-7F3B-1F68-EFCD705CBD5B}"/>
               </a:ext>
             </a:extLst>
           </p:cNvPr>
@@ -23406,7 +23406,7 @@
         </p:nvSpPr>
         <p:spPr>
           <a:xfrm>
-            <a:off x="152400" y="-34258"/>
+            <a:off x="152400" y="0"/>
             <a:ext cx="6589200" cy="1280890"/>
           </a:xfrm>
         </p:spPr>
@@ -23424,10 +23424,10 @@
       </p:sp>
       <p:pic>
         <p:nvPicPr>
-          <p:cNvPr id="4" name="Picture 3" descr="Screenshot 2023-06-06 011712">
+          <p:cNvPr id="4" name="Picture 3" descr="Screenshot 2023-06-06 011701">
             <a:extLst>
               <a:ext uri="{FF2B5EF4-FFF2-40B4-BE49-F238E27FC236}">
-                <a16:creationId xmlns:a16="http://schemas.microsoft.com/office/drawing/2014/main" id="{3EC0E509-8DC8-6293-4E49-49DB9033C31C}"/>
+                <a16:creationId xmlns:a16="http://schemas.microsoft.com/office/drawing/2014/main" id="{76A25EBB-292A-0792-2088-D41A903BA1BD}"/>
               </a:ext>
             </a:extLst>
           </p:cNvPr>
@@ -23451,8 +23451,8 @@
         </p:blipFill>
         <p:spPr>
           <a:xfrm>
-            <a:off x="152400" y="633618"/>
-            <a:ext cx="8991600" cy="6224381"/>
+            <a:off x="152400" y="667876"/>
+            <a:ext cx="8991600" cy="6190123"/>
           </a:xfrm>
           <a:prstGeom prst="rect">
             <a:avLst/>
@@ -23462,7 +23462,7 @@
     </p:spTree>
     <p:extLst>
       <p:ext uri="{BB962C8B-B14F-4D97-AF65-F5344CB8AC3E}">
-        <p14:creationId xmlns:p14="http://schemas.microsoft.com/office/powerpoint/2010/main" val="2035838598"/>
+        <p14:creationId xmlns:p14="http://schemas.microsoft.com/office/powerpoint/2010/main" val="2371137119"/>
       </p:ext>
     </p:extLst>
   </p:cSld>
@@ -23494,7 +23494,7 @@
           <p:cNvPr id="2" name="Title 1">
             <a:extLst>
               <a:ext uri="{FF2B5EF4-FFF2-40B4-BE49-F238E27FC236}">
-                <a16:creationId xmlns:a16="http://schemas.microsoft.com/office/drawing/2014/main" id="{98CBD96E-4218-8F3B-6598-370C76EC55D7}"/>
+                <a16:creationId xmlns:a16="http://schemas.microsoft.com/office/drawing/2014/main" id="{A40AFCB1-A92B-3A46-4140-1A9F7574C957}"/>
               </a:ext>
             </a:extLst>
           </p:cNvPr>
@@ -23507,7 +23507,7 @@
         </p:nvSpPr>
         <p:spPr>
           <a:xfrm>
-            <a:off x="152400" y="76200"/>
+            <a:off x="152400" y="-34258"/>
             <a:ext cx="6589200" cy="1280890"/>
           </a:xfrm>
         </p:spPr>
@@ -23517,7 +23517,7 @@
           <a:p>
             <a:r>
               <a:rPr lang="en-US" b="1" u="sng" dirty="0"/>
-              <a:t>Code in commands.json:</a:t>
+              <a:t>Code in andrew.py:</a:t>
             </a:r>
             <a:endParaRPr lang="en-IN" dirty="0"/>
           </a:p>
@@ -23525,10 +23525,10 @@
       </p:sp>
       <p:pic>
         <p:nvPicPr>
-          <p:cNvPr id="4" name="Picture 3" descr="Screenshot 2023-06-06 012005">
+          <p:cNvPr id="4" name="Picture 3" descr="Screenshot 2023-06-06 011712">
             <a:extLst>
               <a:ext uri="{FF2B5EF4-FFF2-40B4-BE49-F238E27FC236}">
-                <a16:creationId xmlns:a16="http://schemas.microsoft.com/office/drawing/2014/main" id="{D82A5027-C686-E5C0-E145-AED36F48E234}"/>
+                <a16:creationId xmlns:a16="http://schemas.microsoft.com/office/drawing/2014/main" id="{3EC0E509-8DC8-6293-4E49-49DB9033C31C}"/>
               </a:ext>
             </a:extLst>
           </p:cNvPr>
@@ -23552,8 +23552,8 @@
         </p:blipFill>
         <p:spPr>
           <a:xfrm>
-            <a:off x="179330" y="728836"/>
-            <a:ext cx="8964670" cy="6129163"/>
+            <a:off x="152400" y="633618"/>
+            <a:ext cx="8991600" cy="6224381"/>
           </a:xfrm>
           <a:prstGeom prst="rect">
             <a:avLst/>
@@ -23563,7 +23563,7 @@
     </p:spTree>
     <p:extLst>
       <p:ext uri="{BB962C8B-B14F-4D97-AF65-F5344CB8AC3E}">
-        <p14:creationId xmlns:p14="http://schemas.microsoft.com/office/powerpoint/2010/main" val="1540248409"/>
+        <p14:creationId xmlns:p14="http://schemas.microsoft.com/office/powerpoint/2010/main" val="2035838598"/>
       </p:ext>
     </p:extLst>
   </p:cSld>
@@ -23842,7 +23842,7 @@
           <p:cNvPr id="2" name="Title 1">
             <a:extLst>
               <a:ext uri="{FF2B5EF4-FFF2-40B4-BE49-F238E27FC236}">
-                <a16:creationId xmlns:a16="http://schemas.microsoft.com/office/drawing/2014/main" id="{B33CBB3D-D77D-BF79-DF83-6B18CB450C17}"/>
+                <a16:creationId xmlns:a16="http://schemas.microsoft.com/office/drawing/2014/main" id="{98CBD96E-4218-8F3B-6598-370C76EC55D7}"/>
               </a:ext>
             </a:extLst>
           </p:cNvPr>
@@ -23855,7 +23855,7 @@
         </p:nvSpPr>
         <p:spPr>
           <a:xfrm>
-            <a:off x="152400" y="6096"/>
+            <a:off x="152400" y="76200"/>
             <a:ext cx="6589200" cy="1280890"/>
           </a:xfrm>
         </p:spPr>
@@ -23865,7 +23865,7 @@
           <a:p>
             <a:r>
               <a:rPr lang="en-US" b="1" u="sng" dirty="0"/>
-              <a:t>Code in run.py:</a:t>
+              <a:t>Code in commands.json:</a:t>
             </a:r>
             <a:endParaRPr lang="en-IN" dirty="0"/>
           </a:p>
@@ -23873,10 +23873,10 @@
       </p:sp>
       <p:pic>
         <p:nvPicPr>
-          <p:cNvPr id="4" name="Picture 3" descr="Screenshot 2023-06-06 011805">
+          <p:cNvPr id="4" name="Picture 3" descr="Screenshot 2023-06-06 012005">
             <a:extLst>
               <a:ext uri="{FF2B5EF4-FFF2-40B4-BE49-F238E27FC236}">
-                <a16:creationId xmlns:a16="http://schemas.microsoft.com/office/drawing/2014/main" id="{5A90E997-7FC8-706B-4DDF-B5CB5E57539E}"/>
+                <a16:creationId xmlns:a16="http://schemas.microsoft.com/office/drawing/2014/main" id="{D82A5027-C686-E5C0-E145-AED36F48E234}"/>
               </a:ext>
             </a:extLst>
           </p:cNvPr>
@@ -23900,45 +23900,8 @@
         </p:blipFill>
         <p:spPr>
           <a:xfrm>
-            <a:off x="158496" y="655685"/>
-            <a:ext cx="8985504" cy="4194126"/>
-          </a:xfrm>
-          <a:prstGeom prst="rect">
-            <a:avLst/>
-          </a:prstGeom>
-        </p:spPr>
-      </p:pic>
-      <p:pic>
-        <p:nvPicPr>
-          <p:cNvPr id="3" name="Picture 2" descr="Screenshot 2023-06-06 011815">
-            <a:extLst>
-              <a:ext uri="{FF2B5EF4-FFF2-40B4-BE49-F238E27FC236}">
-                <a16:creationId xmlns:a16="http://schemas.microsoft.com/office/drawing/2014/main" id="{96DA4950-5ACF-862F-0106-343667ECB336}"/>
-              </a:ext>
-            </a:extLst>
-          </p:cNvPr>
-          <p:cNvPicPr>
-            <a:picLocks noGrp="1" noChangeAspect="1"/>
-          </p:cNvPicPr>
-          <p:nvPr isPhoto="1"/>
-        </p:nvPicPr>
-        <p:blipFill>
-          <a:blip r:embed="rId3">
-            <a:lum/>
-            <a:extLst>
-              <a:ext uri="{28A0092B-C50C-407E-A947-70E740481C1C}">
-                <a14:useLocalDpi xmlns:a14="http://schemas.microsoft.com/office/drawing/2010/main" val="0"/>
-              </a:ext>
-            </a:extLst>
-          </a:blip>
-          <a:stretch>
-            <a:fillRect/>
-          </a:stretch>
-        </p:blipFill>
-        <p:spPr>
-          <a:xfrm>
-            <a:off x="152400" y="4849811"/>
-            <a:ext cx="8985504" cy="2008188"/>
+            <a:off x="179330" y="728836"/>
+            <a:ext cx="8964670" cy="6129163"/>
           </a:xfrm>
           <a:prstGeom prst="rect">
             <a:avLst/>
@@ -23948,7 +23911,7 @@
     </p:spTree>
     <p:extLst>
       <p:ext uri="{BB962C8B-B14F-4D97-AF65-F5344CB8AC3E}">
-        <p14:creationId xmlns:p14="http://schemas.microsoft.com/office/powerpoint/2010/main" val="1709239760"/>
+        <p14:creationId xmlns:p14="http://schemas.microsoft.com/office/powerpoint/2010/main" val="1540248409"/>
       </p:ext>
     </p:extLst>
   </p:cSld>
@@ -23980,7 +23943,7 @@
           <p:cNvPr id="2" name="Title 1">
             <a:extLst>
               <a:ext uri="{FF2B5EF4-FFF2-40B4-BE49-F238E27FC236}">
-                <a16:creationId xmlns:a16="http://schemas.microsoft.com/office/drawing/2014/main" id="{AB7082CD-4E00-26DC-35D1-83ACEF83B088}"/>
+                <a16:creationId xmlns:a16="http://schemas.microsoft.com/office/drawing/2014/main" id="{B33CBB3D-D77D-BF79-DF83-6B18CB450C17}"/>
               </a:ext>
             </a:extLst>
           </p:cNvPr>
@@ -23993,7 +23956,7 @@
         </p:nvSpPr>
         <p:spPr>
           <a:xfrm>
-            <a:off x="152400" y="15240"/>
+            <a:off x="152400" y="6096"/>
             <a:ext cx="6589200" cy="1280890"/>
           </a:xfrm>
         </p:spPr>
@@ -24003,7 +23966,7 @@
           <a:p>
             <a:r>
               <a:rPr lang="en-US" b="1" u="sng" dirty="0"/>
-              <a:t>Code in index.html:</a:t>
+              <a:t>Code in run.py:</a:t>
             </a:r>
             <a:endParaRPr lang="en-IN" dirty="0"/>
           </a:p>
@@ -24011,10 +23974,10 @@
       </p:sp>
       <p:pic>
         <p:nvPicPr>
-          <p:cNvPr id="4" name="Picture 3" descr="Screenshot 2023-06-06 011923">
+          <p:cNvPr id="4" name="Picture 3" descr="Screenshot 2023-06-06 011805">
             <a:extLst>
               <a:ext uri="{FF2B5EF4-FFF2-40B4-BE49-F238E27FC236}">
-                <a16:creationId xmlns:a16="http://schemas.microsoft.com/office/drawing/2014/main" id="{1A886A91-7098-33FF-E36D-4FA8E27411F7}"/>
+                <a16:creationId xmlns:a16="http://schemas.microsoft.com/office/drawing/2014/main" id="{5A90E997-7FC8-706B-4DDF-B5CB5E57539E}"/>
               </a:ext>
             </a:extLst>
           </p:cNvPr>
@@ -24038,8 +24001,45 @@
         </p:blipFill>
         <p:spPr>
           <a:xfrm>
-            <a:off x="152400" y="655684"/>
-            <a:ext cx="8991600" cy="6202315"/>
+            <a:off x="158496" y="655685"/>
+            <a:ext cx="8985504" cy="4194126"/>
+          </a:xfrm>
+          <a:prstGeom prst="rect">
+            <a:avLst/>
+          </a:prstGeom>
+        </p:spPr>
+      </p:pic>
+      <p:pic>
+        <p:nvPicPr>
+          <p:cNvPr id="3" name="Picture 2" descr="Screenshot 2023-06-06 011815">
+            <a:extLst>
+              <a:ext uri="{FF2B5EF4-FFF2-40B4-BE49-F238E27FC236}">
+                <a16:creationId xmlns:a16="http://schemas.microsoft.com/office/drawing/2014/main" id="{96DA4950-5ACF-862F-0106-343667ECB336}"/>
+              </a:ext>
+            </a:extLst>
+          </p:cNvPr>
+          <p:cNvPicPr>
+            <a:picLocks noGrp="1" noChangeAspect="1"/>
+          </p:cNvPicPr>
+          <p:nvPr isPhoto="1"/>
+        </p:nvPicPr>
+        <p:blipFill>
+          <a:blip r:embed="rId3">
+            <a:lum/>
+            <a:extLst>
+              <a:ext uri="{28A0092B-C50C-407E-A947-70E740481C1C}">
+                <a14:useLocalDpi xmlns:a14="http://schemas.microsoft.com/office/drawing/2010/main" val="0"/>
+              </a:ext>
+            </a:extLst>
+          </a:blip>
+          <a:stretch>
+            <a:fillRect/>
+          </a:stretch>
+        </p:blipFill>
+        <p:spPr>
+          <a:xfrm>
+            <a:off x="152400" y="4849811"/>
+            <a:ext cx="8985504" cy="2008188"/>
           </a:xfrm>
           <a:prstGeom prst="rect">
             <a:avLst/>
@@ -24049,7 +24049,7 @@
     </p:spTree>
     <p:extLst>
       <p:ext uri="{BB962C8B-B14F-4D97-AF65-F5344CB8AC3E}">
-        <p14:creationId xmlns:p14="http://schemas.microsoft.com/office/powerpoint/2010/main" val="2342930178"/>
+        <p14:creationId xmlns:p14="http://schemas.microsoft.com/office/powerpoint/2010/main" val="1709239760"/>
       </p:ext>
     </p:extLst>
   </p:cSld>
@@ -24081,7 +24081,7 @@
           <p:cNvPr id="2" name="Title 1">
             <a:extLst>
               <a:ext uri="{FF2B5EF4-FFF2-40B4-BE49-F238E27FC236}">
-                <a16:creationId xmlns:a16="http://schemas.microsoft.com/office/drawing/2014/main" id="{E53836E1-74B9-0E10-6B30-8920F540453B}"/>
+                <a16:creationId xmlns:a16="http://schemas.microsoft.com/office/drawing/2014/main" id="{AB7082CD-4E00-26DC-35D1-83ACEF83B088}"/>
               </a:ext>
             </a:extLst>
           </p:cNvPr>
@@ -24094,7 +24094,7 @@
         </p:nvSpPr>
         <p:spPr>
           <a:xfrm>
-            <a:off x="152400" y="33528"/>
+            <a:off x="152400" y="15240"/>
             <a:ext cx="6589200" cy="1280890"/>
           </a:xfrm>
         </p:spPr>
@@ -24112,10 +24112,10 @@
       </p:sp>
       <p:pic>
         <p:nvPicPr>
-          <p:cNvPr id="4" name="Picture 3" descr="Screenshot 2023-06-06 011942">
+          <p:cNvPr id="4" name="Picture 3" descr="Screenshot 2023-06-06 011923">
             <a:extLst>
               <a:ext uri="{FF2B5EF4-FFF2-40B4-BE49-F238E27FC236}">
-                <a16:creationId xmlns:a16="http://schemas.microsoft.com/office/drawing/2014/main" id="{0C5D469E-5695-2E06-A0C8-DB41B45D7BCB}"/>
+                <a16:creationId xmlns:a16="http://schemas.microsoft.com/office/drawing/2014/main" id="{1A886A91-7098-33FF-E36D-4FA8E27411F7}"/>
               </a:ext>
             </a:extLst>
           </p:cNvPr>
@@ -24139,8 +24139,8 @@
         </p:blipFill>
         <p:spPr>
           <a:xfrm>
-            <a:off x="152400" y="683116"/>
-            <a:ext cx="8991600" cy="6174883"/>
+            <a:off x="152400" y="655684"/>
+            <a:ext cx="8991600" cy="6202315"/>
           </a:xfrm>
           <a:prstGeom prst="rect">
             <a:avLst/>
@@ -24150,7 +24150,7 @@
     </p:spTree>
     <p:extLst>
       <p:ext uri="{BB962C8B-B14F-4D97-AF65-F5344CB8AC3E}">
-        <p14:creationId xmlns:p14="http://schemas.microsoft.com/office/powerpoint/2010/main" val="1503995699"/>
+        <p14:creationId xmlns:p14="http://schemas.microsoft.com/office/powerpoint/2010/main" val="2342930178"/>
       </p:ext>
     </p:extLst>
   </p:cSld>
@@ -24182,7 +24182,7 @@
           <p:cNvPr id="2" name="Title 1">
             <a:extLst>
               <a:ext uri="{FF2B5EF4-FFF2-40B4-BE49-F238E27FC236}">
-                <a16:creationId xmlns:a16="http://schemas.microsoft.com/office/drawing/2014/main" id="{7ED39444-4FC4-121F-9BC8-B335B7C00A59}"/>
+                <a16:creationId xmlns:a16="http://schemas.microsoft.com/office/drawing/2014/main" id="{E53836E1-74B9-0E10-6B30-8920F540453B}"/>
               </a:ext>
             </a:extLst>
           </p:cNvPr>
@@ -24195,7 +24195,7 @@
         </p:nvSpPr>
         <p:spPr>
           <a:xfrm>
-            <a:off x="152400" y="0"/>
+            <a:off x="152400" y="33528"/>
             <a:ext cx="6589200" cy="1280890"/>
           </a:xfrm>
         </p:spPr>
@@ -24213,10 +24213,10 @@
       </p:sp>
       <p:pic>
         <p:nvPicPr>
-          <p:cNvPr id="4" name="Picture 3" descr="Screenshot 2023-06-06 011954">
+          <p:cNvPr id="4" name="Picture 3" descr="Screenshot 2023-06-06 011942">
             <a:extLst>
               <a:ext uri="{FF2B5EF4-FFF2-40B4-BE49-F238E27FC236}">
-                <a16:creationId xmlns:a16="http://schemas.microsoft.com/office/drawing/2014/main" id="{CB1C9C54-16BF-B03E-3652-0E387F3DD0B3}"/>
+                <a16:creationId xmlns:a16="http://schemas.microsoft.com/office/drawing/2014/main" id="{0C5D469E-5695-2E06-A0C8-DB41B45D7BCB}"/>
               </a:ext>
             </a:extLst>
           </p:cNvPr>
@@ -24240,8 +24240,8 @@
         </p:blipFill>
         <p:spPr>
           <a:xfrm>
-            <a:off x="152400" y="685800"/>
-            <a:ext cx="8991600" cy="6172200"/>
+            <a:off x="152400" y="683116"/>
+            <a:ext cx="8991600" cy="6174883"/>
           </a:xfrm>
           <a:prstGeom prst="rect">
             <a:avLst/>
@@ -24251,7 +24251,7 @@
     </p:spTree>
     <p:extLst>
       <p:ext uri="{BB962C8B-B14F-4D97-AF65-F5344CB8AC3E}">
-        <p14:creationId xmlns:p14="http://schemas.microsoft.com/office/powerpoint/2010/main" val="3687985898"/>
+        <p14:creationId xmlns:p14="http://schemas.microsoft.com/office/powerpoint/2010/main" val="1503995699"/>
       </p:ext>
     </p:extLst>
   </p:cSld>
@@ -24283,7 +24283,7 @@
           <p:cNvPr id="2" name="Title 1">
             <a:extLst>
               <a:ext uri="{FF2B5EF4-FFF2-40B4-BE49-F238E27FC236}">
-                <a16:creationId xmlns:a16="http://schemas.microsoft.com/office/drawing/2014/main" id="{C4215AD8-5F0F-B3D3-C681-BD4E9ED64D8B}"/>
+                <a16:creationId xmlns:a16="http://schemas.microsoft.com/office/drawing/2014/main" id="{7ED39444-4FC4-121F-9BC8-B335B7C00A59}"/>
               </a:ext>
             </a:extLst>
           </p:cNvPr>
@@ -24296,7 +24296,7 @@
         </p:nvSpPr>
         <p:spPr>
           <a:xfrm>
-            <a:off x="228600" y="76200"/>
+            <a:off x="152400" y="0"/>
             <a:ext cx="6589200" cy="1280890"/>
           </a:xfrm>
         </p:spPr>
@@ -24306,7 +24306,7 @@
           <a:p>
             <a:r>
               <a:rPr lang="en-US" b="1" u="sng" dirty="0"/>
-              <a:t>Code in gif.html:</a:t>
+              <a:t>Code in index.html:</a:t>
             </a:r>
             <a:endParaRPr lang="en-IN" dirty="0"/>
           </a:p>
@@ -24314,10 +24314,10 @@
       </p:sp>
       <p:pic>
         <p:nvPicPr>
-          <p:cNvPr id="4" name="Picture 3" descr="Screenshot 2023-06-06 011833">
+          <p:cNvPr id="4" name="Picture 3" descr="Screenshot 2023-06-06 011954">
             <a:extLst>
               <a:ext uri="{FF2B5EF4-FFF2-40B4-BE49-F238E27FC236}">
-                <a16:creationId xmlns:a16="http://schemas.microsoft.com/office/drawing/2014/main" id="{F7563492-7600-F1EC-9C98-23D4B72AC3CA}"/>
+                <a16:creationId xmlns:a16="http://schemas.microsoft.com/office/drawing/2014/main" id="{CB1C9C54-16BF-B03E-3652-0E387F3DD0B3}"/>
               </a:ext>
             </a:extLst>
           </p:cNvPr>
@@ -24341,45 +24341,8 @@
         </p:blipFill>
         <p:spPr>
           <a:xfrm>
-            <a:off x="152400" y="716644"/>
-            <a:ext cx="8991600" cy="4312555"/>
-          </a:xfrm>
-          <a:prstGeom prst="rect">
-            <a:avLst/>
-          </a:prstGeom>
-        </p:spPr>
-      </p:pic>
-      <p:pic>
-        <p:nvPicPr>
-          <p:cNvPr id="5" name="Picture 4" descr="Screenshot 2023-06-06 011859">
-            <a:extLst>
-              <a:ext uri="{FF2B5EF4-FFF2-40B4-BE49-F238E27FC236}">
-                <a16:creationId xmlns:a16="http://schemas.microsoft.com/office/drawing/2014/main" id="{3264A129-D3DF-8215-2AC4-65C507957F1F}"/>
-              </a:ext>
-            </a:extLst>
-          </p:cNvPr>
-          <p:cNvPicPr>
-            <a:picLocks noGrp="1" noChangeAspect="1"/>
-          </p:cNvPicPr>
-          <p:nvPr isPhoto="1"/>
-        </p:nvPicPr>
-        <p:blipFill>
-          <a:blip r:embed="rId3">
-            <a:lum/>
-            <a:extLst>
-              <a:ext uri="{28A0092B-C50C-407E-A947-70E740481C1C}">
-                <a14:useLocalDpi xmlns:a14="http://schemas.microsoft.com/office/drawing/2010/main" val="0"/>
-              </a:ext>
-            </a:extLst>
-          </a:blip>
-          <a:stretch>
-            <a:fillRect/>
-          </a:stretch>
-        </p:blipFill>
-        <p:spPr>
-          <a:xfrm>
-            <a:off x="152400" y="4176712"/>
-            <a:ext cx="8991600" cy="2681288"/>
+            <a:off x="152400" y="685800"/>
+            <a:ext cx="8991600" cy="6172200"/>
           </a:xfrm>
           <a:prstGeom prst="rect">
             <a:avLst/>
@@ -24389,7 +24352,7 @@
     </p:spTree>
     <p:extLst>
       <p:ext uri="{BB962C8B-B14F-4D97-AF65-F5344CB8AC3E}">
-        <p14:creationId xmlns:p14="http://schemas.microsoft.com/office/powerpoint/2010/main" val="3504533419"/>
+        <p14:creationId xmlns:p14="http://schemas.microsoft.com/office/powerpoint/2010/main" val="3687985898"/>
       </p:ext>
     </p:extLst>
   </p:cSld>
@@ -24418,10 +24381,10 @@
       </p:grpSpPr>
       <p:sp>
         <p:nvSpPr>
-          <p:cNvPr id="2" name="Date Placeholder 1">
+          <p:cNvPr id="2" name="Title 1">
             <a:extLst>
               <a:ext uri="{FF2B5EF4-FFF2-40B4-BE49-F238E27FC236}">
-                <a16:creationId xmlns:a16="http://schemas.microsoft.com/office/drawing/2014/main" id="{BE088F88-939C-418A-BEBE-DAD80BBE831A}"/>
+                <a16:creationId xmlns:a16="http://schemas.microsoft.com/office/drawing/2014/main" id="{C4215AD8-5F0F-B3D3-C681-BD4E9ED64D8B}"/>
               </a:ext>
             </a:extLst>
           </p:cNvPr>
@@ -24429,219 +24392,95 @@
             <a:spLocks noGrp="1"/>
           </p:cNvSpPr>
           <p:nvPr>
-            <p:ph type="dt" sz="half" idx="10"/>
-          </p:nvPr>
-        </p:nvSpPr>
-        <p:spPr/>
-        <p:txBody>
-          <a:bodyPr/>
-          <a:lstStyle/>
-          <a:p>
-            <a:pPr>
-              <a:defRPr/>
-            </a:pPr>
-            <a:r>
-              <a:rPr lang="en-US" altLang="en-US" dirty="0"/>
-              <a:t>6/6/2023</a:t>
-            </a:r>
-          </a:p>
-        </p:txBody>
-      </p:sp>
-      <p:sp>
-        <p:nvSpPr>
-          <p:cNvPr id="3" name="Footer Placeholder 2">
-            <a:extLst>
-              <a:ext uri="{FF2B5EF4-FFF2-40B4-BE49-F238E27FC236}">
-                <a16:creationId xmlns:a16="http://schemas.microsoft.com/office/drawing/2014/main" id="{3BC84C7E-F4E4-40BA-8F78-81DDB7ABEE18}"/>
-              </a:ext>
-            </a:extLst>
-          </p:cNvPr>
-          <p:cNvSpPr>
-            <a:spLocks noGrp="1"/>
-          </p:cNvSpPr>
-          <p:nvPr>
-            <p:ph type="ftr" sz="quarter" idx="11"/>
-          </p:nvPr>
-        </p:nvSpPr>
-        <p:spPr/>
-        <p:txBody>
-          <a:bodyPr/>
-          <a:lstStyle/>
-          <a:p>
-            <a:pPr>
-              <a:defRPr/>
-            </a:pPr>
-            <a:r>
-              <a:rPr lang="en-US" altLang="en-US"/>
-              <a:t>Dept of CSE., SOE-Dayananda Sagar University</a:t>
-            </a:r>
-          </a:p>
-        </p:txBody>
-      </p:sp>
-      <p:sp>
-        <p:nvSpPr>
-          <p:cNvPr id="4" name="Slide Number Placeholder 3">
-            <a:extLst>
-              <a:ext uri="{FF2B5EF4-FFF2-40B4-BE49-F238E27FC236}">
-                <a16:creationId xmlns:a16="http://schemas.microsoft.com/office/drawing/2014/main" id="{15B4F9B8-31FE-40A2-B0DD-ED1FB6C8E12E}"/>
-              </a:ext>
-            </a:extLst>
-          </p:cNvPr>
-          <p:cNvSpPr>
-            <a:spLocks noGrp="1"/>
-          </p:cNvSpPr>
-          <p:nvPr>
-            <p:ph type="sldNum" sz="quarter" idx="12"/>
+            <p:ph type="title"/>
           </p:nvPr>
         </p:nvSpPr>
         <p:spPr>
           <a:xfrm>
-            <a:off x="609600" y="792092"/>
-            <a:ext cx="585788" cy="365125"/>
+            <a:off x="228600" y="76200"/>
+            <a:ext cx="6589200" cy="1280890"/>
           </a:xfrm>
         </p:spPr>
         <p:txBody>
           <a:bodyPr/>
           <a:lstStyle/>
           <a:p>
-            <a:fld id="{BFA22BDA-A4D6-4347-A697-4C2AFBD80B78}" type="slidenum">
-              <a:rPr lang="en-US" altLang="en-US" smtClean="0"/>
-              <a:pPr/>
-              <a:t>35</a:t>
-            </a:fld>
-            <a:endParaRPr lang="en-US" altLang="en-US" dirty="0"/>
-          </a:p>
-        </p:txBody>
-      </p:sp>
-      <p:sp>
-        <p:nvSpPr>
-          <p:cNvPr id="5" name="TextBox 4">
-            <a:extLst>
-              <a:ext uri="{FF2B5EF4-FFF2-40B4-BE49-F238E27FC236}">
-                <a16:creationId xmlns:a16="http://schemas.microsoft.com/office/drawing/2014/main" id="{ED89D75B-8B85-4E97-B588-562C4BB45BBE}"/>
-              </a:ext>
-            </a:extLst>
-          </p:cNvPr>
-          <p:cNvSpPr txBox="1"/>
-          <p:nvPr/>
-        </p:nvSpPr>
-        <p:spPr>
-          <a:xfrm>
-            <a:off x="152400" y="-22156"/>
-            <a:ext cx="5638800" cy="707886"/>
-          </a:xfrm>
-          <a:prstGeom prst="rect">
-            <a:avLst/>
-          </a:prstGeom>
-          <a:noFill/>
-        </p:spPr>
-        <p:txBody>
-          <a:bodyPr wrap="square" rtlCol="0">
-            <a:spAutoFit/>
-          </a:bodyPr>
-          <a:lstStyle/>
-          <a:p>
-            <a:r>
-              <a:rPr lang="en-US" sz="4000" b="1" u="sng" dirty="0">
-                <a:solidFill>
-                  <a:schemeClr val="accent2">
-                    <a:lumMod val="75000"/>
-                  </a:schemeClr>
-                </a:solidFill>
-              </a:rPr>
-              <a:t>Code On GitHub:-</a:t>
-            </a:r>
-            <a:endParaRPr lang="en-IN" sz="4000" b="1" u="sng" dirty="0">
-              <a:solidFill>
-                <a:schemeClr val="accent2">
-                  <a:lumMod val="75000"/>
-                </a:schemeClr>
-              </a:solidFill>
-            </a:endParaRPr>
-          </a:p>
-        </p:txBody>
-      </p:sp>
-      <p:sp>
-        <p:nvSpPr>
-          <p:cNvPr id="6" name="TextBox 5">
-            <a:hlinkClick r:id="rId2"/>
-            <a:extLst>
-              <a:ext uri="{FF2B5EF4-FFF2-40B4-BE49-F238E27FC236}">
-                <a16:creationId xmlns:a16="http://schemas.microsoft.com/office/drawing/2014/main" id="{FD73189F-60D1-4077-B17E-57685EC70CA6}"/>
-              </a:ext>
-            </a:extLst>
-          </p:cNvPr>
-          <p:cNvSpPr txBox="1"/>
-          <p:nvPr/>
-        </p:nvSpPr>
-        <p:spPr>
-          <a:xfrm>
-            <a:off x="2514600" y="895607"/>
-            <a:ext cx="4114800" cy="523220"/>
-          </a:xfrm>
-          <a:prstGeom prst="rect">
-            <a:avLst/>
-          </a:prstGeom>
-          <a:noFill/>
-        </p:spPr>
-        <p:txBody>
-          <a:bodyPr wrap="square" rtlCol="0">
-            <a:spAutoFit/>
-          </a:bodyPr>
-          <a:lstStyle/>
-          <a:p>
-            <a:pPr algn="ctr"/>
-            <a:r>
-              <a:rPr lang="en-IN" sz="2800" b="1" dirty="0">
-                <a:solidFill>
-                  <a:schemeClr val="accent1">
-                    <a:lumMod val="50000"/>
-                  </a:schemeClr>
-                </a:solidFill>
-                <a:hlinkClick r:id="rId2">
-                  <a:extLst>
-                    <a:ext uri="{A12FA001-AC4F-418D-AE19-62706E023703}">
-                      <ahyp:hlinkClr xmlns:ahyp="http://schemas.microsoft.com/office/drawing/2018/hyperlinkcolor" val="tx"/>
-                    </a:ext>
-                  </a:extLst>
-                </a:hlinkClick>
-              </a:rPr>
-              <a:t>VOICE ASSISTANT </a:t>
-            </a:r>
-            <a:endParaRPr lang="en-IN" sz="2800" b="1" dirty="0">
-              <a:solidFill>
-                <a:schemeClr val="accent1">
-                  <a:lumMod val="50000"/>
-                </a:schemeClr>
-              </a:solidFill>
-            </a:endParaRPr>
+            <a:r>
+              <a:rPr lang="en-US" b="1" u="sng" dirty="0"/>
+              <a:t>Code in gif.html:</a:t>
+            </a:r>
+            <a:endParaRPr lang="en-IN" dirty="0"/>
           </a:p>
         </p:txBody>
       </p:sp>
       <p:pic>
         <p:nvPicPr>
-          <p:cNvPr id="8" name="Picture 7">
+          <p:cNvPr id="4" name="Picture 3" descr="Screenshot 2023-06-06 011833">
             <a:extLst>
               <a:ext uri="{FF2B5EF4-FFF2-40B4-BE49-F238E27FC236}">
-                <a16:creationId xmlns:a16="http://schemas.microsoft.com/office/drawing/2014/main" id="{A83A7A82-01E6-4FB7-F7EE-6F5B2BF278BD}"/>
+                <a16:creationId xmlns:a16="http://schemas.microsoft.com/office/drawing/2014/main" id="{F7563492-7600-F1EC-9C98-23D4B72AC3CA}"/>
               </a:ext>
             </a:extLst>
           </p:cNvPr>
           <p:cNvPicPr>
-            <a:picLocks noChangeAspect="1"/>
+            <a:picLocks noGrp="1" noChangeAspect="1"/>
           </p:cNvPicPr>
-          <p:nvPr/>
+          <p:nvPr isPhoto="1"/>
         </p:nvPicPr>
         <p:blipFill>
-          <a:blip r:embed="rId3"/>
+          <a:blip r:embed="rId2">
+            <a:lum/>
+            <a:extLst>
+              <a:ext uri="{28A0092B-C50C-407E-A947-70E740481C1C}">
+                <a14:useLocalDpi xmlns:a14="http://schemas.microsoft.com/office/drawing/2010/main" val="0"/>
+              </a:ext>
+            </a:extLst>
+          </a:blip>
           <a:stretch>
             <a:fillRect/>
           </a:stretch>
         </p:blipFill>
         <p:spPr>
           <a:xfrm>
-            <a:off x="12192" y="1752600"/>
-            <a:ext cx="9144000" cy="4662510"/>
+            <a:off x="152400" y="716644"/>
+            <a:ext cx="8991600" cy="4312555"/>
+          </a:xfrm>
+          <a:prstGeom prst="rect">
+            <a:avLst/>
+          </a:prstGeom>
+        </p:spPr>
+      </p:pic>
+      <p:pic>
+        <p:nvPicPr>
+          <p:cNvPr id="5" name="Picture 4" descr="Screenshot 2023-06-06 011859">
+            <a:extLst>
+              <a:ext uri="{FF2B5EF4-FFF2-40B4-BE49-F238E27FC236}">
+                <a16:creationId xmlns:a16="http://schemas.microsoft.com/office/drawing/2014/main" id="{3264A129-D3DF-8215-2AC4-65C507957F1F}"/>
+              </a:ext>
+            </a:extLst>
+          </p:cNvPr>
+          <p:cNvPicPr>
+            <a:picLocks noGrp="1" noChangeAspect="1"/>
+          </p:cNvPicPr>
+          <p:nvPr isPhoto="1"/>
+        </p:nvPicPr>
+        <p:blipFill>
+          <a:blip r:embed="rId3">
+            <a:lum/>
+            <a:extLst>
+              <a:ext uri="{28A0092B-C50C-407E-A947-70E740481C1C}">
+                <a14:useLocalDpi xmlns:a14="http://schemas.microsoft.com/office/drawing/2010/main" val="0"/>
+              </a:ext>
+            </a:extLst>
+          </a:blip>
+          <a:stretch>
+            <a:fillRect/>
+          </a:stretch>
+        </p:blipFill>
+        <p:spPr>
+          <a:xfrm>
+            <a:off x="152400" y="4176712"/>
+            <a:ext cx="8991600" cy="2681288"/>
           </a:xfrm>
           <a:prstGeom prst="rect">
             <a:avLst/>
@@ -24651,7 +24490,7 @@
     </p:spTree>
     <p:extLst>
       <p:ext uri="{BB962C8B-B14F-4D97-AF65-F5344CB8AC3E}">
-        <p14:creationId xmlns:p14="http://schemas.microsoft.com/office/powerpoint/2010/main" val="1745786703"/>
+        <p14:creationId xmlns:p14="http://schemas.microsoft.com/office/powerpoint/2010/main" val="3504533419"/>
       </p:ext>
     </p:extLst>
   </p:cSld>
@@ -24683,7 +24522,7 @@
           <p:cNvPr id="2" name="Date Placeholder 1">
             <a:extLst>
               <a:ext uri="{FF2B5EF4-FFF2-40B4-BE49-F238E27FC236}">
-                <a16:creationId xmlns:a16="http://schemas.microsoft.com/office/drawing/2014/main" id="{39201850-0CD9-4F9A-8BE0-B29858154D75}"/>
+                <a16:creationId xmlns:a16="http://schemas.microsoft.com/office/drawing/2014/main" id="{BE088F88-939C-418A-BEBE-DAD80BBE831A}"/>
               </a:ext>
             </a:extLst>
           </p:cNvPr>
@@ -24714,7 +24553,7 @@
           <p:cNvPr id="3" name="Footer Placeholder 2">
             <a:extLst>
               <a:ext uri="{FF2B5EF4-FFF2-40B4-BE49-F238E27FC236}">
-                <a16:creationId xmlns:a16="http://schemas.microsoft.com/office/drawing/2014/main" id="{4B7EF8CD-88E0-4007-8406-F387B1CA78F1}"/>
+                <a16:creationId xmlns:a16="http://schemas.microsoft.com/office/drawing/2014/main" id="{3BC84C7E-F4E4-40BA-8F78-81DDB7ABEE18}"/>
               </a:ext>
             </a:extLst>
           </p:cNvPr>
@@ -24745,7 +24584,7 @@
           <p:cNvPr id="4" name="Slide Number Placeholder 3">
             <a:extLst>
               <a:ext uri="{FF2B5EF4-FFF2-40B4-BE49-F238E27FC236}">
-                <a16:creationId xmlns:a16="http://schemas.microsoft.com/office/drawing/2014/main" id="{CCE28EC7-E62E-4D92-A3BD-D6053BD3E9DE}"/>
+                <a16:creationId xmlns:a16="http://schemas.microsoft.com/office/drawing/2014/main" id="{15B4F9B8-31FE-40A2-B0DD-ED1FB6C8E12E}"/>
               </a:ext>
             </a:extLst>
           </p:cNvPr>
@@ -24758,7 +24597,7 @@
         </p:nvSpPr>
         <p:spPr>
           <a:xfrm>
-            <a:off x="609600" y="787398"/>
+            <a:off x="609600" y="792092"/>
             <a:ext cx="585788" cy="365125"/>
           </a:xfrm>
         </p:spPr>
@@ -24780,7 +24619,7 @@
           <p:cNvPr id="5" name="TextBox 4">
             <a:extLst>
               <a:ext uri="{FF2B5EF4-FFF2-40B4-BE49-F238E27FC236}">
-                <a16:creationId xmlns:a16="http://schemas.microsoft.com/office/drawing/2014/main" id="{25B528A1-10B9-4D3D-9E3A-2C2F6B925F89}"/>
+                <a16:creationId xmlns:a16="http://schemas.microsoft.com/office/drawing/2014/main" id="{ED89D75B-8B85-4E97-B588-562C4BB45BBE}"/>
               </a:ext>
             </a:extLst>
           </p:cNvPr>
@@ -24789,8 +24628,8 @@
         </p:nvSpPr>
         <p:spPr>
           <a:xfrm>
-            <a:off x="1485900" y="646796"/>
-            <a:ext cx="3848100" cy="646331"/>
+            <a:off x="152400" y="-22156"/>
+            <a:ext cx="5638800" cy="707886"/>
           </a:xfrm>
           <a:prstGeom prst="rect">
             <a:avLst/>
@@ -24804,16 +24643,16 @@
           <a:lstStyle/>
           <a:p>
             <a:r>
-              <a:rPr lang="en-US" sz="3600" b="1" u="sng" dirty="0">
+              <a:rPr lang="en-US" sz="4000" b="1" u="sng" dirty="0">
                 <a:solidFill>
                   <a:schemeClr val="accent2">
                     <a:lumMod val="75000"/>
                   </a:schemeClr>
                 </a:solidFill>
               </a:rPr>
-              <a:t>CONCLUSION</a:t>
-            </a:r>
-            <a:endParaRPr lang="en-IN" sz="3600" b="1" u="sng" dirty="0">
+              <a:t>Code On GitHub:-</a:t>
+            </a:r>
+            <a:endParaRPr lang="en-IN" sz="4000" b="1" u="sng" dirty="0">
               <a:solidFill>
                 <a:schemeClr val="accent2">
                   <a:lumMod val="75000"/>
@@ -24826,9 +24665,10 @@
       <p:sp>
         <p:nvSpPr>
           <p:cNvPr id="6" name="TextBox 5">
+            <a:hlinkClick r:id="rId2"/>
             <a:extLst>
               <a:ext uri="{FF2B5EF4-FFF2-40B4-BE49-F238E27FC236}">
-                <a16:creationId xmlns:a16="http://schemas.microsoft.com/office/drawing/2014/main" id="{B2F54115-FE74-4CFA-BAC9-FFCE8F33A1DA}"/>
+                <a16:creationId xmlns:a16="http://schemas.microsoft.com/office/drawing/2014/main" id="{FD73189F-60D1-4077-B17E-57685EC70CA6}"/>
               </a:ext>
             </a:extLst>
           </p:cNvPr>
@@ -24837,8 +24677,8 @@
         </p:nvSpPr>
         <p:spPr>
           <a:xfrm>
-            <a:off x="804069" y="1582340"/>
-            <a:ext cx="7543800" cy="3693319"/>
+            <a:off x="2514600" y="895607"/>
+            <a:ext cx="4114800" cy="523220"/>
           </a:xfrm>
           <a:prstGeom prst="rect">
             <a:avLst/>
@@ -24851,49 +24691,68 @@
           </a:bodyPr>
           <a:lstStyle/>
           <a:p>
-            <a:pPr marL="285750" indent="-285750" algn="just">
-              <a:buFont typeface="Wingdings" panose="05000000000000000000" pitchFamily="2" charset="2"/>
-              <a:buChar char="q"/>
-            </a:pPr>
-            <a:r>
-              <a:rPr lang="en-US" b="1" dirty="0"/>
-              <a:t>Voice assistants have become increasingly popular and widely used in various applications, including smartphones, smart speakers, cars, and home automation systems.</a:t>
-            </a:r>
-          </a:p>
-          <a:p>
-            <a:pPr marL="285750" indent="-285750" algn="just">
-              <a:buFont typeface="Wingdings" panose="05000000000000000000" pitchFamily="2" charset="2"/>
-              <a:buChar char="q"/>
-            </a:pPr>
-            <a:r>
-              <a:rPr lang="en-US" b="1" dirty="0"/>
-              <a:t> Here, we designed a voice assistant in such a way that which can offer a range of features and functionalities, such as answering questions, setting reminders, playing music, providing weather updates, managing calendars, controlling smart home devices, and much more.</a:t>
-            </a:r>
-          </a:p>
-          <a:p>
-            <a:pPr marL="285750" indent="-285750" algn="just">
-              <a:buFont typeface="Wingdings" panose="05000000000000000000" pitchFamily="2" charset="2"/>
-              <a:buChar char="q"/>
-            </a:pPr>
-            <a:r>
-              <a:rPr lang="en-US" b="1" dirty="0"/>
-              <a:t>With continuous advancements in natural language processing and machine learning, voice assistants are expected to become even more sophisticated and capable in the future, further enhancing our digital experiences.</a:t>
-            </a:r>
-            <a:br>
-              <a:rPr lang="en-US" b="1" dirty="0"/>
-            </a:br>
-            <a:r>
-              <a:rPr lang="en-US" b="1" dirty="0"/>
-              <a:t> </a:t>
-            </a:r>
-            <a:endParaRPr lang="en-IN" b="1" dirty="0"/>
+            <a:pPr algn="ctr"/>
+            <a:r>
+              <a:rPr lang="en-IN" sz="2800" b="1" dirty="0">
+                <a:solidFill>
+                  <a:schemeClr val="accent1">
+                    <a:lumMod val="50000"/>
+                  </a:schemeClr>
+                </a:solidFill>
+                <a:hlinkClick r:id="rId2">
+                  <a:extLst>
+                    <a:ext uri="{A12FA001-AC4F-418D-AE19-62706E023703}">
+                      <ahyp:hlinkClr xmlns:ahyp="http://schemas.microsoft.com/office/drawing/2018/hyperlinkcolor" val="tx"/>
+                    </a:ext>
+                  </a:extLst>
+                </a:hlinkClick>
+              </a:rPr>
+              <a:t>VOICE ASSISTANT </a:t>
+            </a:r>
+            <a:endParaRPr lang="en-IN" sz="2800" b="1" dirty="0">
+              <a:solidFill>
+                <a:schemeClr val="accent1">
+                  <a:lumMod val="50000"/>
+                </a:schemeClr>
+              </a:solidFill>
+            </a:endParaRPr>
           </a:p>
         </p:txBody>
       </p:sp>
+      <p:pic>
+        <p:nvPicPr>
+          <p:cNvPr id="9" name="Picture 8">
+            <a:extLst>
+              <a:ext uri="{FF2B5EF4-FFF2-40B4-BE49-F238E27FC236}">
+                <a16:creationId xmlns:a16="http://schemas.microsoft.com/office/drawing/2014/main" id="{F3F290BA-2507-81CF-B2ED-0276CE13FF8B}"/>
+              </a:ext>
+            </a:extLst>
+          </p:cNvPr>
+          <p:cNvPicPr>
+            <a:picLocks noChangeAspect="1"/>
+          </p:cNvPicPr>
+          <p:nvPr/>
+        </p:nvPicPr>
+        <p:blipFill>
+          <a:blip r:embed="rId3"/>
+          <a:stretch>
+            <a:fillRect/>
+          </a:stretch>
+        </p:blipFill>
+        <p:spPr>
+          <a:xfrm>
+            <a:off x="-12192" y="1855892"/>
+            <a:ext cx="9144000" cy="4662510"/>
+          </a:xfrm>
+          <a:prstGeom prst="rect">
+            <a:avLst/>
+          </a:prstGeom>
+        </p:spPr>
+      </p:pic>
     </p:spTree>
     <p:extLst>
       <p:ext uri="{BB962C8B-B14F-4D97-AF65-F5344CB8AC3E}">
-        <p14:creationId xmlns:p14="http://schemas.microsoft.com/office/powerpoint/2010/main" val="510478509"/>
+        <p14:creationId xmlns:p14="http://schemas.microsoft.com/office/powerpoint/2010/main" val="1745786703"/>
       </p:ext>
     </p:extLst>
   </p:cSld>
@@ -24925,7 +24784,7 @@
           <p:cNvPr id="2" name="Date Placeholder 1">
             <a:extLst>
               <a:ext uri="{FF2B5EF4-FFF2-40B4-BE49-F238E27FC236}">
-                <a16:creationId xmlns:a16="http://schemas.microsoft.com/office/drawing/2014/main" id="{B8288730-53BD-4CB3-A32C-B8DF6696BF55}"/>
+                <a16:creationId xmlns:a16="http://schemas.microsoft.com/office/drawing/2014/main" id="{39201850-0CD9-4F9A-8BE0-B29858154D75}"/>
               </a:ext>
             </a:extLst>
           </p:cNvPr>
@@ -24949,12 +24808,6 @@
               <a:t>6/6/2023</a:t>
             </a:r>
           </a:p>
-          <a:p>
-            <a:pPr>
-              <a:defRPr/>
-            </a:pPr>
-            <a:endParaRPr lang="en-US" altLang="en-US" dirty="0"/>
-          </a:p>
         </p:txBody>
       </p:sp>
       <p:sp>
@@ -24962,7 +24815,7 @@
           <p:cNvPr id="3" name="Footer Placeholder 2">
             <a:extLst>
               <a:ext uri="{FF2B5EF4-FFF2-40B4-BE49-F238E27FC236}">
-                <a16:creationId xmlns:a16="http://schemas.microsoft.com/office/drawing/2014/main" id="{3F7634AC-33CD-4274-98FB-740E7BBB1A93}"/>
+                <a16:creationId xmlns:a16="http://schemas.microsoft.com/office/drawing/2014/main" id="{4B7EF8CD-88E0-4007-8406-F387B1CA78F1}"/>
               </a:ext>
             </a:extLst>
           </p:cNvPr>
@@ -24982,7 +24835,7 @@
               <a:defRPr/>
             </a:pPr>
             <a:r>
-              <a:rPr lang="en-US" altLang="en-US" dirty="0"/>
+              <a:rPr lang="en-US" altLang="en-US"/>
               <a:t>Dept of CSE., SOE-Dayananda Sagar University</a:t>
             </a:r>
           </a:p>
@@ -24993,7 +24846,7 @@
           <p:cNvPr id="4" name="Slide Number Placeholder 3">
             <a:extLst>
               <a:ext uri="{FF2B5EF4-FFF2-40B4-BE49-F238E27FC236}">
-                <a16:creationId xmlns:a16="http://schemas.microsoft.com/office/drawing/2014/main" id="{2592F9C7-BBD7-46B5-9E7E-DF3815A0C668}"/>
+                <a16:creationId xmlns:a16="http://schemas.microsoft.com/office/drawing/2014/main" id="{CCE28EC7-E62E-4D92-A3BD-D6053BD3E9DE}"/>
               </a:ext>
             </a:extLst>
           </p:cNvPr>
@@ -25006,7 +24859,7 @@
         </p:nvSpPr>
         <p:spPr>
           <a:xfrm>
-            <a:off x="585969" y="762348"/>
+            <a:off x="609600" y="787398"/>
             <a:ext cx="585788" cy="365125"/>
           </a:xfrm>
         </p:spPr>
@@ -25028,7 +24881,7 @@
           <p:cNvPr id="5" name="TextBox 4">
             <a:extLst>
               <a:ext uri="{FF2B5EF4-FFF2-40B4-BE49-F238E27FC236}">
-                <a16:creationId xmlns:a16="http://schemas.microsoft.com/office/drawing/2014/main" id="{306F808E-9107-404F-9C04-B5FA27AB0EBD}"/>
+                <a16:creationId xmlns:a16="http://schemas.microsoft.com/office/drawing/2014/main" id="{25B528A1-10B9-4D3D-9E3A-2C2F6B925F89}"/>
               </a:ext>
             </a:extLst>
           </p:cNvPr>
@@ -25037,8 +24890,8 @@
         </p:nvSpPr>
         <p:spPr>
           <a:xfrm>
-            <a:off x="1371600" y="506194"/>
-            <a:ext cx="5791200" cy="646331"/>
+            <a:off x="1485900" y="646796"/>
+            <a:ext cx="3848100" cy="646331"/>
           </a:xfrm>
           <a:prstGeom prst="rect">
             <a:avLst/>
@@ -25059,7 +24912,7 @@
                   </a:schemeClr>
                 </a:solidFill>
               </a:rPr>
-              <a:t>FUTURE ENHANCEMENT</a:t>
+              <a:t>CONCLUSION</a:t>
             </a:r>
             <a:endParaRPr lang="en-IN" sz="3600" b="1" u="sng" dirty="0">
               <a:solidFill>
@@ -25076,7 +24929,7 @@
           <p:cNvPr id="6" name="TextBox 5">
             <a:extLst>
               <a:ext uri="{FF2B5EF4-FFF2-40B4-BE49-F238E27FC236}">
-                <a16:creationId xmlns:a16="http://schemas.microsoft.com/office/drawing/2014/main" id="{E6EF7C73-9BFE-46FB-A899-57C163CE15FD}"/>
+                <a16:creationId xmlns:a16="http://schemas.microsoft.com/office/drawing/2014/main" id="{B2F54115-FE74-4CFA-BAC9-FFCE8F33A1DA}"/>
               </a:ext>
             </a:extLst>
           </p:cNvPr>
@@ -25085,8 +24938,8 @@
         </p:nvSpPr>
         <p:spPr>
           <a:xfrm>
-            <a:off x="1169504" y="1305303"/>
-            <a:ext cx="6705600" cy="1200329"/>
+            <a:off x="804069" y="1582340"/>
+            <a:ext cx="7543800" cy="3693319"/>
           </a:xfrm>
           <a:prstGeom prst="rect">
             <a:avLst/>
@@ -25099,139 +24952,49 @@
           </a:bodyPr>
           <a:lstStyle/>
           <a:p>
-            <a:pPr algn="just"/>
-            <a:r>
-              <a:rPr lang="en-US" b="1" dirty="0"/>
-              <a:t>We are focusing on further improving the accuracy, scalability, and practicality of the system. Here are some potential areas for future development: -</a:t>
-            </a:r>
-            <a:endParaRPr lang="en-IN" b="1" dirty="0"/>
-          </a:p>
-          <a:p>
-            <a:endParaRPr lang="en-IN" dirty="0"/>
-          </a:p>
-        </p:txBody>
-      </p:sp>
-      <p:sp>
-        <p:nvSpPr>
-          <p:cNvPr id="7" name="TextBox 6">
-            <a:extLst>
-              <a:ext uri="{FF2B5EF4-FFF2-40B4-BE49-F238E27FC236}">
-                <a16:creationId xmlns:a16="http://schemas.microsoft.com/office/drawing/2014/main" id="{B856FCD4-32F3-4C3B-B0C9-1188575D0EEB}"/>
-              </a:ext>
-            </a:extLst>
-          </p:cNvPr>
-          <p:cNvSpPr txBox="1"/>
-          <p:nvPr/>
-        </p:nvSpPr>
-        <p:spPr>
-          <a:xfrm>
-            <a:off x="1159565" y="2472502"/>
-            <a:ext cx="6549887" cy="3693319"/>
-          </a:xfrm>
-          <a:prstGeom prst="rect">
-            <a:avLst/>
-          </a:prstGeom>
-          <a:noFill/>
-        </p:spPr>
-        <p:txBody>
-          <a:bodyPr wrap="square" rtlCol="0">
-            <a:spAutoFit/>
-          </a:bodyPr>
-          <a:lstStyle/>
-          <a:p>
-            <a:pPr marL="285750" lvl="0" indent="-285750">
+            <a:pPr marL="285750" indent="-285750" algn="just">
               <a:buFont typeface="Wingdings" panose="05000000000000000000" pitchFamily="2" charset="2"/>
               <a:buChar char="q"/>
             </a:pPr>
             <a:r>
               <a:rPr lang="en-US" b="1" dirty="0"/>
-              <a:t>Enhanced Natural Language Understanding</a:t>
-            </a:r>
-            <a:endParaRPr lang="en-IN" b="1" dirty="0"/>
-          </a:p>
-          <a:p>
-            <a:pPr lvl="0"/>
-            <a:endParaRPr lang="en-IN" b="1" dirty="0"/>
-          </a:p>
-          <a:p>
-            <a:pPr marL="285750" lvl="0" indent="-285750">
+              <a:t>Voice assistants have become increasingly popular and widely used in various applications, including smartphones, smart speakers, cars, and home automation systems.</a:t>
+            </a:r>
+          </a:p>
+          <a:p>
+            <a:pPr marL="285750" indent="-285750" algn="just">
               <a:buFont typeface="Wingdings" panose="05000000000000000000" pitchFamily="2" charset="2"/>
               <a:buChar char="q"/>
             </a:pPr>
             <a:r>
               <a:rPr lang="en-US" b="1" dirty="0"/>
-              <a:t>Emotional Intelligence</a:t>
-            </a:r>
-            <a:endParaRPr lang="en-IN" b="1" dirty="0"/>
-          </a:p>
-          <a:p>
-            <a:endParaRPr lang="en-IN" b="1" dirty="0"/>
-          </a:p>
-          <a:p>
-            <a:pPr marL="285750" lvl="0" indent="-285750">
+              <a:t> Here, we designed a voice assistant in such a way that which can offer a range of features and functionalities, such as answering questions, setting reminders, playing music, providing weather updates, managing calendars, controlling smart home devices, and much more.</a:t>
+            </a:r>
+          </a:p>
+          <a:p>
+            <a:pPr marL="285750" indent="-285750" algn="just">
               <a:buFont typeface="Wingdings" panose="05000000000000000000" pitchFamily="2" charset="2"/>
               <a:buChar char="q"/>
             </a:pPr>
             <a:r>
               <a:rPr lang="en-US" b="1" dirty="0"/>
-              <a:t>Enhanced Personalization</a:t>
+              <a:t>With continuous advancements in natural language processing and machine learning, voice assistants are expected to become even more sophisticated and capable in the future, further enhancing our digital experiences.</a:t>
+            </a:r>
+            <a:br>
+              <a:rPr lang="en-US" b="1" dirty="0"/>
+            </a:br>
+            <a:r>
+              <a:rPr lang="en-US" b="1" dirty="0"/>
+              <a:t> </a:t>
             </a:r>
             <a:endParaRPr lang="en-IN" b="1" dirty="0"/>
-          </a:p>
-          <a:p>
-            <a:endParaRPr lang="en-IN" b="1" dirty="0"/>
-          </a:p>
-          <a:p>
-            <a:pPr marL="285750" lvl="0" indent="-285750">
-              <a:buFont typeface="Wingdings" panose="05000000000000000000" pitchFamily="2" charset="2"/>
-              <a:buChar char="q"/>
-            </a:pPr>
-            <a:r>
-              <a:rPr lang="en-US" b="1" dirty="0"/>
-              <a:t>Increased Domain Expertise</a:t>
-            </a:r>
-            <a:endParaRPr lang="en-IN" b="1" dirty="0"/>
-          </a:p>
-          <a:p>
-            <a:endParaRPr lang="en-IN" b="1" dirty="0"/>
-          </a:p>
-          <a:p>
-            <a:pPr marL="285750" lvl="0" indent="-285750">
-              <a:buFont typeface="Wingdings" panose="05000000000000000000" pitchFamily="2" charset="2"/>
-              <a:buChar char="q"/>
-            </a:pPr>
-            <a:r>
-              <a:rPr lang="en-US" b="1" dirty="0"/>
-              <a:t>Smoother integration with Robotics</a:t>
-            </a:r>
-            <a:endParaRPr lang="en-IN" b="1" dirty="0"/>
-          </a:p>
-          <a:p>
-            <a:endParaRPr lang="en-IN" b="1" dirty="0"/>
-          </a:p>
-          <a:p>
-            <a:pPr marL="285750" lvl="0" indent="-285750">
-              <a:buFont typeface="Wingdings" panose="05000000000000000000" pitchFamily="2" charset="2"/>
-              <a:buChar char="q"/>
-            </a:pPr>
-            <a:r>
-              <a:rPr lang="en-US" b="1" dirty="0"/>
-              <a:t>Increased Offline Functionality</a:t>
-            </a:r>
-            <a:endParaRPr lang="en-IN" b="1" dirty="0"/>
-          </a:p>
-          <a:p>
-            <a:br>
-              <a:rPr lang="en-US" dirty="0"/>
-            </a:br>
-            <a:endParaRPr lang="en-IN" dirty="0"/>
           </a:p>
         </p:txBody>
       </p:sp>
     </p:spTree>
     <p:extLst>
       <p:ext uri="{BB962C8B-B14F-4D97-AF65-F5344CB8AC3E}">
-        <p14:creationId xmlns:p14="http://schemas.microsoft.com/office/powerpoint/2010/main" val="870264176"/>
+        <p14:creationId xmlns:p14="http://schemas.microsoft.com/office/powerpoint/2010/main" val="510478509"/>
       </p:ext>
     </p:extLst>
   </p:cSld>
@@ -25260,227 +25023,10 @@
       </p:grpSpPr>
       <p:sp>
         <p:nvSpPr>
-          <p:cNvPr id="29698" name="Title 1">
+          <p:cNvPr id="2" name="Date Placeholder 1">
             <a:extLst>
               <a:ext uri="{FF2B5EF4-FFF2-40B4-BE49-F238E27FC236}">
-                <a16:creationId xmlns:a16="http://schemas.microsoft.com/office/drawing/2014/main" id="{E64DE8B1-4C4C-ED0B-317D-3327C2FDA984}"/>
-              </a:ext>
-            </a:extLst>
-          </p:cNvPr>
-          <p:cNvSpPr>
-            <a:spLocks noGrp="1" noChangeArrowheads="1"/>
-          </p:cNvSpPr>
-          <p:nvPr>
-            <p:ph type="title"/>
-          </p:nvPr>
-        </p:nvSpPr>
-        <p:spPr>
-          <a:xfrm>
-            <a:off x="1676400" y="573088"/>
-            <a:ext cx="6589713" cy="747712"/>
-          </a:xfrm>
-        </p:spPr>
-        <p:txBody>
-          <a:bodyPr/>
-          <a:lstStyle/>
-          <a:p>
-            <a:pPr eaLnBrk="1" hangingPunct="1"/>
-            <a:r>
-              <a:rPr lang="en-IN" altLang="en-US" b="1" u="sng" dirty="0">
-                <a:latin typeface="Calibri" panose="020F0502020204030204" pitchFamily="34" charset="0"/>
-                <a:cs typeface="Calibri" panose="020F0502020204030204" pitchFamily="34" charset="0"/>
-              </a:rPr>
-              <a:t>References</a:t>
-            </a:r>
-          </a:p>
-        </p:txBody>
-      </p:sp>
-      <p:sp>
-        <p:nvSpPr>
-          <p:cNvPr id="29699" name="Content Placeholder 2">
-            <a:extLst>
-              <a:ext uri="{FF2B5EF4-FFF2-40B4-BE49-F238E27FC236}">
-                <a16:creationId xmlns:a16="http://schemas.microsoft.com/office/drawing/2014/main" id="{7FF1FE1B-22EE-9893-D074-B8AC5DD70A86}"/>
-              </a:ext>
-            </a:extLst>
-          </p:cNvPr>
-          <p:cNvSpPr>
-            <a:spLocks noGrp="1" noChangeArrowheads="1"/>
-          </p:cNvSpPr>
-          <p:nvPr>
-            <p:ph idx="1"/>
-          </p:nvPr>
-        </p:nvSpPr>
-        <p:spPr>
-          <a:xfrm>
-            <a:off x="1676400" y="1531326"/>
-            <a:ext cx="6934200" cy="2514600"/>
-          </a:xfrm>
-        </p:spPr>
-        <p:txBody>
-          <a:bodyPr/>
-          <a:lstStyle/>
-          <a:p>
-            <a:pPr algn="just" defTabSz="673100" eaLnBrk="1" hangingPunct="1"/>
-            <a:r>
-              <a:rPr lang="en-IN" altLang="en-US" sz="1600" b="1" dirty="0">
-                <a:solidFill>
-                  <a:schemeClr val="tx1"/>
-                </a:solidFill>
-                <a:cs typeface="Calibri" panose="020F0502020204030204" pitchFamily="34" charset="0"/>
-              </a:rPr>
-              <a:t>Dekate, Abhay &amp; Kulkarni, Chaitanya &amp; Killedar, Rohan. (2016). Study of Voice Controlled Personal Assistant Device. International Journal of Computer Trends and Technology. 42. 42-46.</a:t>
-            </a:r>
-          </a:p>
-          <a:p>
-            <a:pPr algn="just" defTabSz="673100" eaLnBrk="1" hangingPunct="1"/>
-            <a:r>
-              <a:rPr lang="en-US" altLang="en-US" sz="1600" b="1" dirty="0">
-                <a:solidFill>
-                  <a:schemeClr val="tx1"/>
-                </a:solidFill>
-                <a:cs typeface="Calibri" panose="020F0502020204030204" pitchFamily="34" charset="0"/>
-              </a:rPr>
-              <a:t>Nasirian, Farzaneh &amp; Ahmadian, Mohsen &amp; Lee, One-Ki. (2017). AI-Based Voice Assistant Systems: Evaluating from the Interaction and Trust Perspectives.</a:t>
-            </a:r>
-            <a:endParaRPr lang="en-IN" altLang="en-US" sz="1600" b="1" dirty="0">
-              <a:solidFill>
-                <a:schemeClr val="tx1"/>
-              </a:solidFill>
-              <a:cs typeface="Calibri" panose="020F0502020204030204" pitchFamily="34" charset="0"/>
-            </a:endParaRPr>
-          </a:p>
-          <a:p>
-            <a:pPr algn="just" defTabSz="673100" eaLnBrk="1" hangingPunct="1"/>
-            <a:r>
-              <a:rPr lang="en-US" altLang="en-US" sz="1600" b="1" dirty="0">
-                <a:solidFill>
-                  <a:schemeClr val="tx1"/>
-                </a:solidFill>
-                <a:cs typeface="Calibri" panose="020F0502020204030204" pitchFamily="34" charset="0"/>
-              </a:rPr>
-              <a:t>Poushneh, Atieh. (2021). Humanizing voice assistant: The impact of voice assistant personality on consumers’ attitudes and behaviors. Journal of Retailing and Consumer Services. 58.</a:t>
-            </a:r>
-          </a:p>
-          <a:p>
-            <a:pPr algn="just" defTabSz="673100" eaLnBrk="1" hangingPunct="1"/>
-            <a:r>
-              <a:rPr lang="en-IN" sz="1600" b="1" dirty="0">
-                <a:solidFill>
-                  <a:schemeClr val="tx1"/>
-                </a:solidFill>
-              </a:rPr>
-              <a:t>Vishal Kumar Dhanraj</a:t>
-            </a:r>
-            <a:r>
-              <a:rPr lang="en-US" sz="1600" b="1" dirty="0">
-                <a:solidFill>
-                  <a:schemeClr val="tx1"/>
-                </a:solidFill>
-              </a:rPr>
-              <a:t>,</a:t>
-            </a:r>
-            <a:r>
-              <a:rPr lang="en-IN" sz="1600" b="1" dirty="0">
-                <a:solidFill>
-                  <a:schemeClr val="tx1"/>
-                </a:solidFill>
-              </a:rPr>
-              <a:t> Lokesh Kriplani Semal Mahajan</a:t>
-            </a:r>
-            <a:r>
-              <a:rPr lang="en-US" sz="1600" b="1" dirty="0">
-                <a:solidFill>
-                  <a:schemeClr val="tx1"/>
-                </a:solidFill>
-              </a:rPr>
-              <a:t>. Research Paper on Desktop Voice Assistant, International Journal of Research in Engineering and Science (IJRES) </a:t>
-            </a:r>
-            <a:r>
-              <a:rPr lang="en-IN" sz="1600" b="1" dirty="0">
-                <a:solidFill>
-                  <a:schemeClr val="tx1"/>
-                </a:solidFill>
-              </a:rPr>
-              <a:t>Volume 10 ,Issue 2,PP. 15-20 (</a:t>
-            </a:r>
-            <a:r>
-              <a:rPr lang="en-US" sz="1600" b="1" dirty="0">
-                <a:solidFill>
-                  <a:schemeClr val="tx1"/>
-                </a:solidFill>
-              </a:rPr>
-              <a:t>February 2022)</a:t>
-            </a:r>
-            <a:r>
-              <a:rPr lang="en-US" sz="1600" b="1" i="0" dirty="0">
-                <a:solidFill>
-                  <a:schemeClr val="tx1"/>
-                </a:solidFill>
-                <a:effectLst/>
-              </a:rPr>
-              <a:t> </a:t>
-            </a:r>
-          </a:p>
-          <a:p>
-            <a:pPr algn="just" defTabSz="673100" eaLnBrk="1" hangingPunct="1"/>
-            <a:r>
-              <a:rPr lang="en-US" sz="1600" b="1" i="0" dirty="0">
-                <a:solidFill>
-                  <a:schemeClr val="tx1"/>
-                </a:solidFill>
-                <a:effectLst/>
-              </a:rPr>
-              <a:t>G. Preethi , Abishek. K , Thiruppugal S , Vishwaa D A, 2022, Voice Assistant using Artificial Intelligence, INTERNATIONAL JOURNAL OF ENGINEERING RESEARCH &amp; TECHNOLOGY (IJERT) Volume 11, Issue 05 (May 2022)</a:t>
-            </a:r>
-          </a:p>
-          <a:p>
-            <a:pPr algn="just" defTabSz="673100" eaLnBrk="1" hangingPunct="1"/>
-            <a:endParaRPr lang="en-US" sz="1600" b="1" dirty="0">
-              <a:solidFill>
-                <a:schemeClr val="tx1"/>
-              </a:solidFill>
-            </a:endParaRPr>
-          </a:p>
-          <a:p>
-            <a:pPr algn="just" defTabSz="673100" eaLnBrk="1" hangingPunct="1">
-              <a:buFont typeface="Wingdings 3" panose="05040102010807070707" pitchFamily="18" charset="2"/>
-              <a:buNone/>
-            </a:pPr>
-            <a:endParaRPr lang="en-IN" altLang="en-US" sz="1600" b="1" dirty="0">
-              <a:latin typeface="Calibri" panose="020F0502020204030204" pitchFamily="34" charset="0"/>
-              <a:cs typeface="Calibri" panose="020F0502020204030204" pitchFamily="34" charset="0"/>
-            </a:endParaRPr>
-          </a:p>
-          <a:p>
-            <a:pPr algn="just" defTabSz="673100" eaLnBrk="1" hangingPunct="1"/>
-            <a:endParaRPr lang="en-IN" altLang="en-US" sz="1600" b="1" dirty="0">
-              <a:latin typeface="Calibri" panose="020F0502020204030204" pitchFamily="34" charset="0"/>
-              <a:cs typeface="Calibri" panose="020F0502020204030204" pitchFamily="34" charset="0"/>
-            </a:endParaRPr>
-          </a:p>
-          <a:p>
-            <a:pPr defTabSz="673100" eaLnBrk="1" hangingPunct="1"/>
-            <a:endParaRPr lang="en-IN" altLang="en-US" sz="1600" b="1" dirty="0">
-              <a:latin typeface="Calibri" panose="020F0502020204030204" pitchFamily="34" charset="0"/>
-              <a:cs typeface="Calibri" panose="020F0502020204030204" pitchFamily="34" charset="0"/>
-            </a:endParaRPr>
-          </a:p>
-          <a:p>
-            <a:pPr defTabSz="673100" eaLnBrk="1" hangingPunct="1"/>
-            <a:endParaRPr lang="en-IN" altLang="en-US" sz="1600" b="1" dirty="0">
-              <a:latin typeface="Calibri" panose="020F0502020204030204" pitchFamily="34" charset="0"/>
-              <a:cs typeface="Calibri" panose="020F0502020204030204" pitchFamily="34" charset="0"/>
-            </a:endParaRPr>
-          </a:p>
-        </p:txBody>
-      </p:sp>
-      <p:sp>
-        <p:nvSpPr>
-          <p:cNvPr id="4" name="Date Placeholder 3">
-            <a:extLst>
-              <a:ext uri="{FF2B5EF4-FFF2-40B4-BE49-F238E27FC236}">
-                <a16:creationId xmlns:a16="http://schemas.microsoft.com/office/drawing/2014/main" id="{E6CEF58E-3D78-DAEF-1BD5-FE5AC56D72E6}"/>
+                <a16:creationId xmlns:a16="http://schemas.microsoft.com/office/drawing/2014/main" id="{B8288730-53BD-4CB3-A32C-B8DF6696BF55}"/>
               </a:ext>
             </a:extLst>
           </p:cNvPr>
@@ -25488,15 +25034,10 @@
             <a:spLocks noGrp="1"/>
           </p:cNvSpPr>
           <p:nvPr>
-            <p:ph type="dt" sz="quarter" idx="10"/>
+            <p:ph type="dt" sz="half" idx="10"/>
           </p:nvPr>
         </p:nvSpPr>
-        <p:spPr>
-          <a:xfrm>
-            <a:off x="895350" y="6328830"/>
-            <a:ext cx="952500" cy="369887"/>
-          </a:xfrm>
-        </p:spPr>
+        <p:spPr/>
         <p:txBody>
           <a:bodyPr/>
           <a:lstStyle/>
@@ -25506,17 +25047,23 @@
             </a:pPr>
             <a:r>
               <a:rPr lang="en-US" altLang="en-US" dirty="0"/>
-              <a:t>4/5/2023</a:t>
-            </a:r>
+              <a:t>6/6/2023</a:t>
+            </a:r>
+          </a:p>
+          <a:p>
+            <a:pPr>
+              <a:defRPr/>
+            </a:pPr>
+            <a:endParaRPr lang="en-US" altLang="en-US" dirty="0"/>
           </a:p>
         </p:txBody>
       </p:sp>
       <p:sp>
         <p:nvSpPr>
-          <p:cNvPr id="5" name="Footer Placeholder 4">
+          <p:cNvPr id="3" name="Footer Placeholder 2">
             <a:extLst>
               <a:ext uri="{FF2B5EF4-FFF2-40B4-BE49-F238E27FC236}">
-                <a16:creationId xmlns:a16="http://schemas.microsoft.com/office/drawing/2014/main" id="{02515A69-AAA9-2BC8-D6EB-D80407931D4A}"/>
+                <a16:creationId xmlns:a16="http://schemas.microsoft.com/office/drawing/2014/main" id="{3F7634AC-33CD-4274-98FB-740E7BBB1A93}"/>
               </a:ext>
             </a:extLst>
           </p:cNvPr>
@@ -25527,32 +25074,62 @@
             <p:ph type="ftr" sz="quarter" idx="11"/>
           </p:nvPr>
         </p:nvSpPr>
+        <p:spPr/>
+        <p:txBody>
+          <a:bodyPr/>
+          <a:lstStyle/>
+          <a:p>
+            <a:pPr>
+              <a:defRPr/>
+            </a:pPr>
+            <a:r>
+              <a:rPr lang="en-US" altLang="en-US" dirty="0"/>
+              <a:t>Dept of CSE., SOE-Dayananda Sagar University</a:t>
+            </a:r>
+          </a:p>
+        </p:txBody>
+      </p:sp>
+      <p:sp>
+        <p:nvSpPr>
+          <p:cNvPr id="4" name="Slide Number Placeholder 3">
+            <a:extLst>
+              <a:ext uri="{FF2B5EF4-FFF2-40B4-BE49-F238E27FC236}">
+                <a16:creationId xmlns:a16="http://schemas.microsoft.com/office/drawing/2014/main" id="{2592F9C7-BBD7-46B5-9E7E-DF3815A0C668}"/>
+              </a:ext>
+            </a:extLst>
+          </p:cNvPr>
+          <p:cNvSpPr>
+            <a:spLocks noGrp="1"/>
+          </p:cNvSpPr>
+          <p:nvPr>
+            <p:ph type="sldNum" sz="quarter" idx="12"/>
+          </p:nvPr>
+        </p:nvSpPr>
         <p:spPr>
           <a:xfrm>
-            <a:off x="2895600" y="6333592"/>
-            <a:ext cx="4876800" cy="365125"/>
+            <a:off x="585969" y="762348"/>
+            <a:ext cx="585788" cy="365125"/>
           </a:xfrm>
         </p:spPr>
         <p:txBody>
           <a:bodyPr/>
           <a:lstStyle/>
           <a:p>
-            <a:pPr>
-              <a:defRPr/>
-            </a:pPr>
-            <a:r>
-              <a:rPr lang="en-US" altLang="en-US" dirty="0"/>
-              <a:t>Dept of CSE., SOE-Dayananda Sagar University</a:t>
-            </a:r>
+            <a:fld id="{BFA22BDA-A4D6-4347-A697-4C2AFBD80B78}" type="slidenum">
+              <a:rPr lang="en-US" altLang="en-US" smtClean="0"/>
+              <a:pPr/>
+              <a:t>38</a:t>
+            </a:fld>
+            <a:endParaRPr lang="en-US" altLang="en-US" dirty="0"/>
           </a:p>
         </p:txBody>
       </p:sp>
       <p:sp>
         <p:nvSpPr>
-          <p:cNvPr id="6" name="TextBox 5">
+          <p:cNvPr id="5" name="TextBox 4">
             <a:extLst>
               <a:ext uri="{FF2B5EF4-FFF2-40B4-BE49-F238E27FC236}">
-                <a16:creationId xmlns:a16="http://schemas.microsoft.com/office/drawing/2014/main" id="{4D106B4E-C80E-5AF4-3BF5-61AE27DE382C}"/>
+                <a16:creationId xmlns:a16="http://schemas.microsoft.com/office/drawing/2014/main" id="{306F808E-9107-404F-9C04-B5FA27AB0EBD}"/>
               </a:ext>
             </a:extLst>
           </p:cNvPr>
@@ -25561,8 +25138,8 @@
         </p:nvSpPr>
         <p:spPr>
           <a:xfrm>
-            <a:off x="762000" y="762278"/>
-            <a:ext cx="4572000" cy="369332"/>
+            <a:off x="1371600" y="506194"/>
+            <a:ext cx="5791200" cy="646331"/>
           </a:xfrm>
           <a:prstGeom prst="rect">
             <a:avLst/>
@@ -25570,25 +25147,194 @@
           <a:noFill/>
         </p:spPr>
         <p:txBody>
-          <a:bodyPr wrap="square">
+          <a:bodyPr wrap="square" rtlCol="0">
             <a:spAutoFit/>
           </a:bodyPr>
           <a:lstStyle/>
           <a:p>
-            <a:fld id="{BFA22BDA-A4D6-4347-A697-4C2AFBD80B78}" type="slidenum">
-              <a:rPr lang="en-US" altLang="en-US" smtClean="0">
-                <a:solidFill>
-                  <a:schemeClr val="bg1"/>
+            <a:r>
+              <a:rPr lang="en-US" sz="3600" b="1" u="sng" dirty="0">
+                <a:solidFill>
+                  <a:schemeClr val="accent2">
+                    <a:lumMod val="75000"/>
+                  </a:schemeClr>
                 </a:solidFill>
               </a:rPr>
-              <a:pPr/>
-              <a:t>38</a:t>
-            </a:fld>
+              <a:t>FUTURE ENHANCEMENT</a:t>
+            </a:r>
+            <a:endParaRPr lang="en-IN" sz="3600" b="1" u="sng" dirty="0">
+              <a:solidFill>
+                <a:schemeClr val="accent2">
+                  <a:lumMod val="75000"/>
+                </a:schemeClr>
+              </a:solidFill>
+            </a:endParaRPr>
+          </a:p>
+        </p:txBody>
+      </p:sp>
+      <p:sp>
+        <p:nvSpPr>
+          <p:cNvPr id="6" name="TextBox 5">
+            <a:extLst>
+              <a:ext uri="{FF2B5EF4-FFF2-40B4-BE49-F238E27FC236}">
+                <a16:creationId xmlns:a16="http://schemas.microsoft.com/office/drawing/2014/main" id="{E6EF7C73-9BFE-46FB-A899-57C163CE15FD}"/>
+              </a:ext>
+            </a:extLst>
+          </p:cNvPr>
+          <p:cNvSpPr txBox="1"/>
+          <p:nvPr/>
+        </p:nvSpPr>
+        <p:spPr>
+          <a:xfrm>
+            <a:off x="1169504" y="1305303"/>
+            <a:ext cx="6705600" cy="1200329"/>
+          </a:xfrm>
+          <a:prstGeom prst="rect">
+            <a:avLst/>
+          </a:prstGeom>
+          <a:noFill/>
+        </p:spPr>
+        <p:txBody>
+          <a:bodyPr wrap="square" rtlCol="0">
+            <a:spAutoFit/>
+          </a:bodyPr>
+          <a:lstStyle/>
+          <a:p>
+            <a:pPr algn="just"/>
+            <a:r>
+              <a:rPr lang="en-US" b="1" dirty="0"/>
+              <a:t>We are focusing on further improving the accuracy, scalability, and practicality of the system. Here are some potential areas for future development: -</a:t>
+            </a:r>
+            <a:endParaRPr lang="en-IN" b="1" dirty="0"/>
+          </a:p>
+          <a:p>
+            <a:endParaRPr lang="en-IN" dirty="0"/>
+          </a:p>
+        </p:txBody>
+      </p:sp>
+      <p:sp>
+        <p:nvSpPr>
+          <p:cNvPr id="7" name="TextBox 6">
+            <a:extLst>
+              <a:ext uri="{FF2B5EF4-FFF2-40B4-BE49-F238E27FC236}">
+                <a16:creationId xmlns:a16="http://schemas.microsoft.com/office/drawing/2014/main" id="{B856FCD4-32F3-4C3B-B0C9-1188575D0EEB}"/>
+              </a:ext>
+            </a:extLst>
+          </p:cNvPr>
+          <p:cNvSpPr txBox="1"/>
+          <p:nvPr/>
+        </p:nvSpPr>
+        <p:spPr>
+          <a:xfrm>
+            <a:off x="1159565" y="2472502"/>
+            <a:ext cx="6549887" cy="3693319"/>
+          </a:xfrm>
+          <a:prstGeom prst="rect">
+            <a:avLst/>
+          </a:prstGeom>
+          <a:noFill/>
+        </p:spPr>
+        <p:txBody>
+          <a:bodyPr wrap="square" rtlCol="0">
+            <a:spAutoFit/>
+          </a:bodyPr>
+          <a:lstStyle/>
+          <a:p>
+            <a:pPr marL="285750" lvl="0" indent="-285750">
+              <a:buFont typeface="Wingdings" panose="05000000000000000000" pitchFamily="2" charset="2"/>
+              <a:buChar char="q"/>
+            </a:pPr>
+            <a:r>
+              <a:rPr lang="en-US" b="1" dirty="0"/>
+              <a:t>Enhanced Natural Language Understanding</a:t>
+            </a:r>
+            <a:endParaRPr lang="en-IN" b="1" dirty="0"/>
+          </a:p>
+          <a:p>
+            <a:pPr lvl="0"/>
+            <a:endParaRPr lang="en-IN" b="1" dirty="0"/>
+          </a:p>
+          <a:p>
+            <a:pPr marL="285750" lvl="0" indent="-285750">
+              <a:buFont typeface="Wingdings" panose="05000000000000000000" pitchFamily="2" charset="2"/>
+              <a:buChar char="q"/>
+            </a:pPr>
+            <a:r>
+              <a:rPr lang="en-US" b="1" dirty="0"/>
+              <a:t>Emotional Intelligence</a:t>
+            </a:r>
+            <a:endParaRPr lang="en-IN" b="1" dirty="0"/>
+          </a:p>
+          <a:p>
+            <a:endParaRPr lang="en-IN" b="1" dirty="0"/>
+          </a:p>
+          <a:p>
+            <a:pPr marL="285750" lvl="0" indent="-285750">
+              <a:buFont typeface="Wingdings" panose="05000000000000000000" pitchFamily="2" charset="2"/>
+              <a:buChar char="q"/>
+            </a:pPr>
+            <a:r>
+              <a:rPr lang="en-US" b="1" dirty="0"/>
+              <a:t>Enhanced Personalization</a:t>
+            </a:r>
+            <a:endParaRPr lang="en-IN" b="1" dirty="0"/>
+          </a:p>
+          <a:p>
+            <a:endParaRPr lang="en-IN" b="1" dirty="0"/>
+          </a:p>
+          <a:p>
+            <a:pPr marL="285750" lvl="0" indent="-285750">
+              <a:buFont typeface="Wingdings" panose="05000000000000000000" pitchFamily="2" charset="2"/>
+              <a:buChar char="q"/>
+            </a:pPr>
+            <a:r>
+              <a:rPr lang="en-US" b="1" dirty="0"/>
+              <a:t>Increased Domain Expertise</a:t>
+            </a:r>
+            <a:endParaRPr lang="en-IN" b="1" dirty="0"/>
+          </a:p>
+          <a:p>
+            <a:endParaRPr lang="en-IN" b="1" dirty="0"/>
+          </a:p>
+          <a:p>
+            <a:pPr marL="285750" lvl="0" indent="-285750">
+              <a:buFont typeface="Wingdings" panose="05000000000000000000" pitchFamily="2" charset="2"/>
+              <a:buChar char="q"/>
+            </a:pPr>
+            <a:r>
+              <a:rPr lang="en-US" b="1" dirty="0"/>
+              <a:t>Smoother integration with Robotics</a:t>
+            </a:r>
+            <a:endParaRPr lang="en-IN" b="1" dirty="0"/>
+          </a:p>
+          <a:p>
+            <a:endParaRPr lang="en-IN" b="1" dirty="0"/>
+          </a:p>
+          <a:p>
+            <a:pPr marL="285750" lvl="0" indent="-285750">
+              <a:buFont typeface="Wingdings" panose="05000000000000000000" pitchFamily="2" charset="2"/>
+              <a:buChar char="q"/>
+            </a:pPr>
+            <a:r>
+              <a:rPr lang="en-US" b="1" dirty="0"/>
+              <a:t>Increased Offline Functionality</a:t>
+            </a:r>
+            <a:endParaRPr lang="en-IN" b="1" dirty="0"/>
+          </a:p>
+          <a:p>
+            <a:br>
+              <a:rPr lang="en-US" dirty="0"/>
+            </a:br>
             <a:endParaRPr lang="en-IN" dirty="0"/>
           </a:p>
         </p:txBody>
       </p:sp>
     </p:spTree>
+    <p:extLst>
+      <p:ext uri="{BB962C8B-B14F-4D97-AF65-F5344CB8AC3E}">
+        <p14:creationId xmlns:p14="http://schemas.microsoft.com/office/powerpoint/2010/main" val="870264176"/>
+      </p:ext>
+    </p:extLst>
   </p:cSld>
   <p:clrMapOvr>
     <a:masterClrMapping/>
@@ -25615,15 +25361,52 @@
       </p:grpSpPr>
       <p:sp>
         <p:nvSpPr>
-          <p:cNvPr id="30723" name="Content Placeholder 2">
+          <p:cNvPr id="29698" name="Title 1">
             <a:extLst>
               <a:ext uri="{FF2B5EF4-FFF2-40B4-BE49-F238E27FC236}">
-                <a16:creationId xmlns:a16="http://schemas.microsoft.com/office/drawing/2014/main" id="{BF7FF8C9-6133-1F94-6905-2E254CB473B2}"/>
+                <a16:creationId xmlns:a16="http://schemas.microsoft.com/office/drawing/2014/main" id="{E64DE8B1-4C4C-ED0B-317D-3327C2FDA984}"/>
               </a:ext>
             </a:extLst>
           </p:cNvPr>
           <p:cNvSpPr>
-            <a:spLocks noGrp="1"/>
+            <a:spLocks noGrp="1" noChangeArrowheads="1"/>
+          </p:cNvSpPr>
+          <p:nvPr>
+            <p:ph type="title"/>
+          </p:nvPr>
+        </p:nvSpPr>
+        <p:spPr>
+          <a:xfrm>
+            <a:off x="1676400" y="573088"/>
+            <a:ext cx="6589713" cy="747712"/>
+          </a:xfrm>
+        </p:spPr>
+        <p:txBody>
+          <a:bodyPr/>
+          <a:lstStyle/>
+          <a:p>
+            <a:pPr eaLnBrk="1" hangingPunct="1"/>
+            <a:r>
+              <a:rPr lang="en-IN" altLang="en-US" b="1" u="sng" dirty="0">
+                <a:latin typeface="Calibri" panose="020F0502020204030204" pitchFamily="34" charset="0"/>
+                <a:cs typeface="Calibri" panose="020F0502020204030204" pitchFamily="34" charset="0"/>
+              </a:rPr>
+              <a:t>References</a:t>
+            </a:r>
+          </a:p>
+        </p:txBody>
+      </p:sp>
+      <p:sp>
+        <p:nvSpPr>
+          <p:cNvPr id="29699" name="Content Placeholder 2">
+            <a:extLst>
+              <a:ext uri="{FF2B5EF4-FFF2-40B4-BE49-F238E27FC236}">
+                <a16:creationId xmlns:a16="http://schemas.microsoft.com/office/drawing/2014/main" id="{7FF1FE1B-22EE-9893-D074-B8AC5DD70A86}"/>
+              </a:ext>
+            </a:extLst>
+          </p:cNvPr>
+          <p:cNvSpPr>
+            <a:spLocks noGrp="1" noChangeArrowheads="1"/>
           </p:cNvSpPr>
           <p:nvPr>
             <p:ph idx="1"/>
@@ -25631,29 +25414,165 @@
         </p:nvSpPr>
         <p:spPr>
           <a:xfrm>
-            <a:off x="1943100" y="2133600"/>
-            <a:ext cx="6591300" cy="3778250"/>
+            <a:off x="1676400" y="1531326"/>
+            <a:ext cx="6934200" cy="2514600"/>
           </a:xfrm>
         </p:spPr>
         <p:txBody>
           <a:bodyPr/>
           <a:lstStyle/>
           <a:p>
-            <a:pPr algn="ctr">
+            <a:pPr algn="just" defTabSz="673100" eaLnBrk="1" hangingPunct="1"/>
+            <a:r>
+              <a:rPr lang="en-IN" altLang="en-US" sz="1600" b="1" dirty="0">
+                <a:solidFill>
+                  <a:schemeClr val="tx1"/>
+                </a:solidFill>
+                <a:cs typeface="Calibri" panose="020F0502020204030204" pitchFamily="34" charset="0"/>
+              </a:rPr>
+              <a:t>Dekate, Abhay &amp; Kulkarni, Chaitanya &amp; Killedar, Rohan. (2016). Study of Voice Controlled Personal Assistant Device. International Journal of Computer Trends and Technology. 42. 42-46.</a:t>
+            </a:r>
+          </a:p>
+          <a:p>
+            <a:pPr algn="just" defTabSz="673100" eaLnBrk="1" hangingPunct="1"/>
+            <a:r>
+              <a:rPr lang="en-US" altLang="en-US" sz="1600" b="1" dirty="0">
+                <a:solidFill>
+                  <a:schemeClr val="tx1"/>
+                </a:solidFill>
+                <a:cs typeface="Calibri" panose="020F0502020204030204" pitchFamily="34" charset="0"/>
+              </a:rPr>
+              <a:t>Nasirian, Farzaneh &amp; Ahmadian, Mohsen &amp; Lee, One-Ki. (2017). AI-Based Voice Assistant Systems: Evaluating from the Interaction and Trust Perspectives.</a:t>
+            </a:r>
+            <a:endParaRPr lang="en-IN" altLang="en-US" sz="1600" b="1" dirty="0">
+              <a:solidFill>
+                <a:schemeClr val="tx1"/>
+              </a:solidFill>
+              <a:cs typeface="Calibri" panose="020F0502020204030204" pitchFamily="34" charset="0"/>
+            </a:endParaRPr>
+          </a:p>
+          <a:p>
+            <a:pPr algn="just" defTabSz="673100" eaLnBrk="1" hangingPunct="1"/>
+            <a:r>
+              <a:rPr lang="en-US" altLang="en-US" sz="1600" b="1" dirty="0">
+                <a:solidFill>
+                  <a:schemeClr val="tx1"/>
+                </a:solidFill>
+                <a:cs typeface="Calibri" panose="020F0502020204030204" pitchFamily="34" charset="0"/>
+              </a:rPr>
+              <a:t>Poushneh, Atieh. (2021). Humanizing voice assistant: The impact of voice assistant personality on consumers’ attitudes and behaviors. Journal of Retailing and Consumer Services. 58.</a:t>
+            </a:r>
+          </a:p>
+          <a:p>
+            <a:pPr algn="just" defTabSz="673100" eaLnBrk="1" hangingPunct="1"/>
+            <a:r>
+              <a:rPr lang="en-IN" sz="1600" b="1" dirty="0">
+                <a:solidFill>
+                  <a:schemeClr val="tx1"/>
+                </a:solidFill>
+              </a:rPr>
+              <a:t>Vishal Kumar Dhanraj</a:t>
+            </a:r>
+            <a:r>
+              <a:rPr lang="en-US" sz="1600" b="1" dirty="0">
+                <a:solidFill>
+                  <a:schemeClr val="tx1"/>
+                </a:solidFill>
+              </a:rPr>
+              <a:t>,</a:t>
+            </a:r>
+            <a:r>
+              <a:rPr lang="en-IN" sz="1600" b="1" dirty="0">
+                <a:solidFill>
+                  <a:schemeClr val="tx1"/>
+                </a:solidFill>
+              </a:rPr>
+              <a:t> Lokesh Kriplani Semal Mahajan</a:t>
+            </a:r>
+            <a:r>
+              <a:rPr lang="en-US" sz="1600" b="1" dirty="0">
+                <a:solidFill>
+                  <a:schemeClr val="tx1"/>
+                </a:solidFill>
+              </a:rPr>
+              <a:t>. Research Paper on Desktop Voice Assistant, International Journal of Research in Engineering and Science (IJRES) </a:t>
+            </a:r>
+            <a:r>
+              <a:rPr lang="en-IN" sz="1600" b="1" dirty="0">
+                <a:solidFill>
+                  <a:schemeClr val="tx1"/>
+                </a:solidFill>
+              </a:rPr>
+              <a:t>Volume 10 ,Issue 2,PP. 15-20 (</a:t>
+            </a:r>
+            <a:r>
+              <a:rPr lang="en-US" sz="1600" b="1" dirty="0">
+                <a:solidFill>
+                  <a:schemeClr val="tx1"/>
+                </a:solidFill>
+              </a:rPr>
+              <a:t>February 2022)</a:t>
+            </a:r>
+            <a:r>
+              <a:rPr lang="en-US" sz="1600" b="1" i="0" dirty="0">
+                <a:solidFill>
+                  <a:schemeClr val="tx1"/>
+                </a:solidFill>
+                <a:effectLst/>
+              </a:rPr>
+              <a:t> </a:t>
+            </a:r>
+          </a:p>
+          <a:p>
+            <a:pPr algn="just" defTabSz="673100" eaLnBrk="1" hangingPunct="1"/>
+            <a:r>
+              <a:rPr lang="en-US" sz="1600" b="1" i="0" dirty="0">
+                <a:solidFill>
+                  <a:schemeClr val="tx1"/>
+                </a:solidFill>
+                <a:effectLst/>
+              </a:rPr>
+              <a:t>G. Preethi , Abishek. K , Thiruppugal S , Vishwaa D A, 2022, Voice Assistant using Artificial Intelligence, INTERNATIONAL JOURNAL OF ENGINEERING RESEARCH &amp; TECHNOLOGY (IJERT) Volume 11, Issue 05 (May 2022)</a:t>
+            </a:r>
+          </a:p>
+          <a:p>
+            <a:pPr algn="just" defTabSz="673100" eaLnBrk="1" hangingPunct="1"/>
+            <a:endParaRPr lang="en-US" sz="1600" b="1" dirty="0">
+              <a:solidFill>
+                <a:schemeClr val="tx1"/>
+              </a:solidFill>
+            </a:endParaRPr>
+          </a:p>
+          <a:p>
+            <a:pPr algn="just" defTabSz="673100" eaLnBrk="1" hangingPunct="1">
               <a:buFont typeface="Wingdings 3" panose="05040102010807070707" pitchFamily="18" charset="2"/>
               <a:buNone/>
             </a:pPr>
-            <a:endParaRPr lang="en-US" altLang="en-US" sz="3600" b="1" dirty="0"/>
-          </a:p>
-          <a:p>
-            <a:pPr algn="ctr">
-              <a:buFont typeface="Wingdings 3" panose="05040102010807070707" pitchFamily="18" charset="2"/>
-              <a:buNone/>
-            </a:pPr>
-            <a:r>
-              <a:rPr lang="en-US" altLang="en-US" sz="7200" b="1" dirty="0"/>
-              <a:t>THANK YOU</a:t>
-            </a:r>
+            <a:endParaRPr lang="en-IN" altLang="en-US" sz="1600" b="1" dirty="0">
+              <a:latin typeface="Calibri" panose="020F0502020204030204" pitchFamily="34" charset="0"/>
+              <a:cs typeface="Calibri" panose="020F0502020204030204" pitchFamily="34" charset="0"/>
+            </a:endParaRPr>
+          </a:p>
+          <a:p>
+            <a:pPr algn="just" defTabSz="673100" eaLnBrk="1" hangingPunct="1"/>
+            <a:endParaRPr lang="en-IN" altLang="en-US" sz="1600" b="1" dirty="0">
+              <a:latin typeface="Calibri" panose="020F0502020204030204" pitchFamily="34" charset="0"/>
+              <a:cs typeface="Calibri" panose="020F0502020204030204" pitchFamily="34" charset="0"/>
+            </a:endParaRPr>
+          </a:p>
+          <a:p>
+            <a:pPr defTabSz="673100" eaLnBrk="1" hangingPunct="1"/>
+            <a:endParaRPr lang="en-IN" altLang="en-US" sz="1600" b="1" dirty="0">
+              <a:latin typeface="Calibri" panose="020F0502020204030204" pitchFamily="34" charset="0"/>
+              <a:cs typeface="Calibri" panose="020F0502020204030204" pitchFamily="34" charset="0"/>
+            </a:endParaRPr>
+          </a:p>
+          <a:p>
+            <a:pPr defTabSz="673100" eaLnBrk="1" hangingPunct="1"/>
+            <a:endParaRPr lang="en-IN" altLang="en-US" sz="1600" b="1" dirty="0">
+              <a:latin typeface="Calibri" panose="020F0502020204030204" pitchFamily="34" charset="0"/>
+              <a:cs typeface="Calibri" panose="020F0502020204030204" pitchFamily="34" charset="0"/>
+            </a:endParaRPr>
           </a:p>
         </p:txBody>
       </p:sp>
@@ -25662,7 +25581,7 @@
           <p:cNvPr id="4" name="Date Placeholder 3">
             <a:extLst>
               <a:ext uri="{FF2B5EF4-FFF2-40B4-BE49-F238E27FC236}">
-                <a16:creationId xmlns:a16="http://schemas.microsoft.com/office/drawing/2014/main" id="{FCCA8155-0894-F88C-DB40-9E9D018D5D88}"/>
+                <a16:creationId xmlns:a16="http://schemas.microsoft.com/office/drawing/2014/main" id="{E6CEF58E-3D78-DAEF-1BD5-FE5AC56D72E6}"/>
               </a:ext>
             </a:extLst>
           </p:cNvPr>
@@ -25673,7 +25592,12 @@
             <p:ph type="dt" sz="quarter" idx="10"/>
           </p:nvPr>
         </p:nvSpPr>
-        <p:spPr/>
+        <p:spPr>
+          <a:xfrm>
+            <a:off x="895350" y="6328830"/>
+            <a:ext cx="952500" cy="369887"/>
+          </a:xfrm>
+        </p:spPr>
         <p:txBody>
           <a:bodyPr/>
           <a:lstStyle/>
@@ -25683,7 +25607,7 @@
             </a:pPr>
             <a:r>
               <a:rPr lang="en-US" altLang="en-US" dirty="0"/>
-              <a:t>6/6/2023</a:t>
+              <a:t>4/5/2023</a:t>
             </a:r>
           </a:p>
         </p:txBody>
@@ -25693,7 +25617,7 @@
           <p:cNvPr id="5" name="Footer Placeholder 4">
             <a:extLst>
               <a:ext uri="{FF2B5EF4-FFF2-40B4-BE49-F238E27FC236}">
-                <a16:creationId xmlns:a16="http://schemas.microsoft.com/office/drawing/2014/main" id="{04BD95DB-AB65-9F03-23DC-57EB2F8B2D93}"/>
+                <a16:creationId xmlns:a16="http://schemas.microsoft.com/office/drawing/2014/main" id="{02515A69-AAA9-2BC8-D6EB-D80407931D4A}"/>
               </a:ext>
             </a:extLst>
           </p:cNvPr>
@@ -25704,7 +25628,12 @@
             <p:ph type="ftr" sz="quarter" idx="11"/>
           </p:nvPr>
         </p:nvSpPr>
-        <p:spPr/>
+        <p:spPr>
+          <a:xfrm>
+            <a:off x="2895600" y="6333592"/>
+            <a:ext cx="4876800" cy="365125"/>
+          </a:xfrm>
+        </p:spPr>
         <p:txBody>
           <a:bodyPr/>
           <a:lstStyle/>
@@ -25713,7 +25642,7 @@
               <a:defRPr/>
             </a:pPr>
             <a:r>
-              <a:rPr lang="en-US" altLang="en-US"/>
+              <a:rPr lang="en-US" altLang="en-US" dirty="0"/>
               <a:t>Dept of CSE., SOE-Dayananda Sagar University</a:t>
             </a:r>
           </a:p>
@@ -25721,10 +25650,10 @@
       </p:sp>
       <p:sp>
         <p:nvSpPr>
-          <p:cNvPr id="3" name="TextBox 2">
+          <p:cNvPr id="6" name="TextBox 5">
             <a:extLst>
               <a:ext uri="{FF2B5EF4-FFF2-40B4-BE49-F238E27FC236}">
-                <a16:creationId xmlns:a16="http://schemas.microsoft.com/office/drawing/2014/main" id="{E097DDDC-D970-4F1D-2E87-1D73C30F3031}"/>
+                <a16:creationId xmlns:a16="http://schemas.microsoft.com/office/drawing/2014/main" id="{4D106B4E-C80E-5AF4-3BF5-61AE27DE382C}"/>
               </a:ext>
             </a:extLst>
           </p:cNvPr>
@@ -25733,7 +25662,7 @@
         </p:nvSpPr>
         <p:spPr>
           <a:xfrm>
-            <a:off x="752856" y="761484"/>
+            <a:off x="762000" y="762278"/>
             <a:ext cx="4572000" cy="369332"/>
           </a:xfrm>
           <a:prstGeom prst="rect">
@@ -25995,6 +25924,178 @@
         <p14:creationId xmlns:p14="http://schemas.microsoft.com/office/powerpoint/2010/main" val="4238405203"/>
       </p:ext>
     </p:extLst>
+  </p:cSld>
+  <p:clrMapOvr>
+    <a:masterClrMapping/>
+  </p:clrMapOvr>
+</p:sld>
+</file>
+
+<file path=ppt/slides/slide40.xml><?xml version="1.0" encoding="utf-8"?>
+<p:sld xmlns:a="http://schemas.openxmlformats.org/drawingml/2006/main" xmlns:r="http://schemas.openxmlformats.org/officeDocument/2006/relationships" xmlns:p="http://schemas.openxmlformats.org/presentationml/2006/main">
+  <p:cSld>
+    <p:spTree>
+      <p:nvGrpSpPr>
+        <p:cNvPr id="1" name=""/>
+        <p:cNvGrpSpPr/>
+        <p:nvPr/>
+      </p:nvGrpSpPr>
+      <p:grpSpPr>
+        <a:xfrm>
+          <a:off x="0" y="0"/>
+          <a:ext cx="0" cy="0"/>
+          <a:chOff x="0" y="0"/>
+          <a:chExt cx="0" cy="0"/>
+        </a:xfrm>
+      </p:grpSpPr>
+      <p:sp>
+        <p:nvSpPr>
+          <p:cNvPr id="30723" name="Content Placeholder 2">
+            <a:extLst>
+              <a:ext uri="{FF2B5EF4-FFF2-40B4-BE49-F238E27FC236}">
+                <a16:creationId xmlns:a16="http://schemas.microsoft.com/office/drawing/2014/main" id="{BF7FF8C9-6133-1F94-6905-2E254CB473B2}"/>
+              </a:ext>
+            </a:extLst>
+          </p:cNvPr>
+          <p:cNvSpPr>
+            <a:spLocks noGrp="1"/>
+          </p:cNvSpPr>
+          <p:nvPr>
+            <p:ph idx="1"/>
+          </p:nvPr>
+        </p:nvSpPr>
+        <p:spPr>
+          <a:xfrm>
+            <a:off x="1943100" y="2133600"/>
+            <a:ext cx="6591300" cy="3778250"/>
+          </a:xfrm>
+        </p:spPr>
+        <p:txBody>
+          <a:bodyPr/>
+          <a:lstStyle/>
+          <a:p>
+            <a:pPr algn="ctr">
+              <a:buFont typeface="Wingdings 3" panose="05040102010807070707" pitchFamily="18" charset="2"/>
+              <a:buNone/>
+            </a:pPr>
+            <a:endParaRPr lang="en-US" altLang="en-US" sz="3600" b="1" dirty="0"/>
+          </a:p>
+          <a:p>
+            <a:pPr algn="ctr">
+              <a:buFont typeface="Wingdings 3" panose="05040102010807070707" pitchFamily="18" charset="2"/>
+              <a:buNone/>
+            </a:pPr>
+            <a:r>
+              <a:rPr lang="en-US" altLang="en-US" sz="7200" b="1" dirty="0"/>
+              <a:t>THANK YOU</a:t>
+            </a:r>
+          </a:p>
+        </p:txBody>
+      </p:sp>
+      <p:sp>
+        <p:nvSpPr>
+          <p:cNvPr id="4" name="Date Placeholder 3">
+            <a:extLst>
+              <a:ext uri="{FF2B5EF4-FFF2-40B4-BE49-F238E27FC236}">
+                <a16:creationId xmlns:a16="http://schemas.microsoft.com/office/drawing/2014/main" id="{FCCA8155-0894-F88C-DB40-9E9D018D5D88}"/>
+              </a:ext>
+            </a:extLst>
+          </p:cNvPr>
+          <p:cNvSpPr>
+            <a:spLocks noGrp="1"/>
+          </p:cNvSpPr>
+          <p:nvPr>
+            <p:ph type="dt" sz="quarter" idx="10"/>
+          </p:nvPr>
+        </p:nvSpPr>
+        <p:spPr/>
+        <p:txBody>
+          <a:bodyPr/>
+          <a:lstStyle/>
+          <a:p>
+            <a:pPr>
+              <a:defRPr/>
+            </a:pPr>
+            <a:r>
+              <a:rPr lang="en-US" altLang="en-US" dirty="0"/>
+              <a:t>6/6/2023</a:t>
+            </a:r>
+          </a:p>
+        </p:txBody>
+      </p:sp>
+      <p:sp>
+        <p:nvSpPr>
+          <p:cNvPr id="5" name="Footer Placeholder 4">
+            <a:extLst>
+              <a:ext uri="{FF2B5EF4-FFF2-40B4-BE49-F238E27FC236}">
+                <a16:creationId xmlns:a16="http://schemas.microsoft.com/office/drawing/2014/main" id="{04BD95DB-AB65-9F03-23DC-57EB2F8B2D93}"/>
+              </a:ext>
+            </a:extLst>
+          </p:cNvPr>
+          <p:cNvSpPr>
+            <a:spLocks noGrp="1"/>
+          </p:cNvSpPr>
+          <p:nvPr>
+            <p:ph type="ftr" sz="quarter" idx="11"/>
+          </p:nvPr>
+        </p:nvSpPr>
+        <p:spPr/>
+        <p:txBody>
+          <a:bodyPr/>
+          <a:lstStyle/>
+          <a:p>
+            <a:pPr>
+              <a:defRPr/>
+            </a:pPr>
+            <a:r>
+              <a:rPr lang="en-US" altLang="en-US"/>
+              <a:t>Dept of CSE., SOE-Dayananda Sagar University</a:t>
+            </a:r>
+          </a:p>
+        </p:txBody>
+      </p:sp>
+      <p:sp>
+        <p:nvSpPr>
+          <p:cNvPr id="3" name="TextBox 2">
+            <a:extLst>
+              <a:ext uri="{FF2B5EF4-FFF2-40B4-BE49-F238E27FC236}">
+                <a16:creationId xmlns:a16="http://schemas.microsoft.com/office/drawing/2014/main" id="{E097DDDC-D970-4F1D-2E87-1D73C30F3031}"/>
+              </a:ext>
+            </a:extLst>
+          </p:cNvPr>
+          <p:cNvSpPr txBox="1"/>
+          <p:nvPr/>
+        </p:nvSpPr>
+        <p:spPr>
+          <a:xfrm>
+            <a:off x="752856" y="761484"/>
+            <a:ext cx="4572000" cy="369332"/>
+          </a:xfrm>
+          <a:prstGeom prst="rect">
+            <a:avLst/>
+          </a:prstGeom>
+          <a:noFill/>
+        </p:spPr>
+        <p:txBody>
+          <a:bodyPr wrap="square">
+            <a:spAutoFit/>
+          </a:bodyPr>
+          <a:lstStyle/>
+          <a:p>
+            <a:fld id="{BFA22BDA-A4D6-4347-A697-4C2AFBD80B78}" type="slidenum">
+              <a:rPr lang="en-US" altLang="en-US" smtClean="0">
+                <a:solidFill>
+                  <a:schemeClr val="bg1"/>
+                </a:solidFill>
+              </a:rPr>
+              <a:pPr/>
+              <a:t>40</a:t>
+            </a:fld>
+            <a:endParaRPr lang="en-IN" dirty="0"/>
+          </a:p>
+        </p:txBody>
+      </p:sp>
+    </p:spTree>
   </p:cSld>
   <p:clrMapOvr>
     <a:masterClrMapping/>
